--- a/sherlock_ctf.pptx
+++ b/sherlock_ctf.pptx
@@ -11,8 +11,12 @@
     <p:sldId id="259" r:id="rId5"/>
     <p:sldId id="260" r:id="rId6"/>
     <p:sldId id="261" r:id="rId7"/>
-    <p:sldId id="262" r:id="rId8"/>
-    <p:sldId id="263" r:id="rId9"/>
+    <p:sldId id="264" r:id="rId8"/>
+    <p:sldId id="265" r:id="rId9"/>
+    <p:sldId id="266" r:id="rId10"/>
+    <p:sldId id="267" r:id="rId11"/>
+    <p:sldId id="262" r:id="rId12"/>
+    <p:sldId id="263" r:id="rId13"/>
   </p:sldIdLst>
   <p:sldSz cx="12192000" cy="6858000"/>
   <p:notesSz cx="6858000" cy="9144000"/>
@@ -121,6 +125,6608 @@
 
 <file path=ppt/revisionInfo.xml><?xml version="1.0" encoding="utf-8"?>
 <p1510:revInfo xmlns:a="http://schemas.openxmlformats.org/drawingml/2006/main" xmlns:r="http://schemas.openxmlformats.org/officeDocument/2006/relationships" xmlns:p1510="http://schemas.microsoft.com/office/powerpoint/2015/10/main"/>
+</file>
+
+<file path=ppt/diagrams/colors1.xml><?xml version="1.0" encoding="utf-8"?>
+<dgm:colorsDef xmlns:dgm="http://schemas.openxmlformats.org/drawingml/2006/diagram" xmlns:a="http://schemas.openxmlformats.org/drawingml/2006/main" uniqueId="urn:microsoft.com/office/officeart/2005/8/colors/accent3_2">
+  <dgm:title val=""/>
+  <dgm:desc val=""/>
+  <dgm:catLst>
+    <dgm:cat type="accent3" pri="11200"/>
+  </dgm:catLst>
+  <dgm:styleLbl name="node0">
+    <dgm:fillClrLst meth="repeat">
+      <a:schemeClr val="accent3"/>
+    </dgm:fillClrLst>
+    <dgm:linClrLst meth="repeat">
+      <a:schemeClr val="lt1"/>
+    </dgm:linClrLst>
+    <dgm:effectClrLst/>
+    <dgm:txLinClrLst/>
+    <dgm:txFillClrLst/>
+    <dgm:txEffectClrLst/>
+  </dgm:styleLbl>
+  <dgm:styleLbl name="node1">
+    <dgm:fillClrLst meth="repeat">
+      <a:schemeClr val="accent3"/>
+    </dgm:fillClrLst>
+    <dgm:linClrLst meth="repeat">
+      <a:schemeClr val="lt1"/>
+    </dgm:linClrLst>
+    <dgm:effectClrLst/>
+    <dgm:txLinClrLst/>
+    <dgm:txFillClrLst/>
+    <dgm:txEffectClrLst/>
+  </dgm:styleLbl>
+  <dgm:styleLbl name="alignNode1">
+    <dgm:fillClrLst meth="repeat">
+      <a:schemeClr val="accent3"/>
+    </dgm:fillClrLst>
+    <dgm:linClrLst meth="repeat">
+      <a:schemeClr val="accent3"/>
+    </dgm:linClrLst>
+    <dgm:effectClrLst/>
+    <dgm:txLinClrLst/>
+    <dgm:txFillClrLst/>
+    <dgm:txEffectClrLst/>
+  </dgm:styleLbl>
+  <dgm:styleLbl name="lnNode1">
+    <dgm:fillClrLst meth="repeat">
+      <a:schemeClr val="accent3"/>
+    </dgm:fillClrLst>
+    <dgm:linClrLst meth="repeat">
+      <a:schemeClr val="lt1"/>
+    </dgm:linClrLst>
+    <dgm:effectClrLst/>
+    <dgm:txLinClrLst/>
+    <dgm:txFillClrLst/>
+    <dgm:txEffectClrLst/>
+  </dgm:styleLbl>
+  <dgm:styleLbl name="vennNode1">
+    <dgm:fillClrLst meth="repeat">
+      <a:schemeClr val="accent3">
+        <a:alpha val="50000"/>
+      </a:schemeClr>
+    </dgm:fillClrLst>
+    <dgm:linClrLst meth="repeat">
+      <a:schemeClr val="lt1"/>
+    </dgm:linClrLst>
+    <dgm:effectClrLst/>
+    <dgm:txLinClrLst/>
+    <dgm:txFillClrLst/>
+    <dgm:txEffectClrLst/>
+  </dgm:styleLbl>
+  <dgm:styleLbl name="node2">
+    <dgm:fillClrLst meth="repeat">
+      <a:schemeClr val="accent3"/>
+    </dgm:fillClrLst>
+    <dgm:linClrLst meth="repeat">
+      <a:schemeClr val="lt1"/>
+    </dgm:linClrLst>
+    <dgm:effectClrLst/>
+    <dgm:txLinClrLst/>
+    <dgm:txFillClrLst/>
+    <dgm:txEffectClrLst/>
+  </dgm:styleLbl>
+  <dgm:styleLbl name="node3">
+    <dgm:fillClrLst meth="repeat">
+      <a:schemeClr val="accent3"/>
+    </dgm:fillClrLst>
+    <dgm:linClrLst meth="repeat">
+      <a:schemeClr val="lt1"/>
+    </dgm:linClrLst>
+    <dgm:effectClrLst/>
+    <dgm:txLinClrLst/>
+    <dgm:txFillClrLst/>
+    <dgm:txEffectClrLst/>
+  </dgm:styleLbl>
+  <dgm:styleLbl name="node4">
+    <dgm:fillClrLst meth="repeat">
+      <a:schemeClr val="accent3"/>
+    </dgm:fillClrLst>
+    <dgm:linClrLst meth="repeat">
+      <a:schemeClr val="lt1"/>
+    </dgm:linClrLst>
+    <dgm:effectClrLst/>
+    <dgm:txLinClrLst/>
+    <dgm:txFillClrLst/>
+    <dgm:txEffectClrLst/>
+  </dgm:styleLbl>
+  <dgm:styleLbl name="fgImgPlace1">
+    <dgm:fillClrLst meth="repeat">
+      <a:schemeClr val="accent3">
+        <a:tint val="50000"/>
+      </a:schemeClr>
+    </dgm:fillClrLst>
+    <dgm:linClrLst meth="repeat">
+      <a:schemeClr val="lt1"/>
+    </dgm:linClrLst>
+    <dgm:effectClrLst/>
+    <dgm:txLinClrLst/>
+    <dgm:txFillClrLst meth="repeat">
+      <a:schemeClr val="lt1"/>
+    </dgm:txFillClrLst>
+    <dgm:txEffectClrLst/>
+  </dgm:styleLbl>
+  <dgm:styleLbl name="alignImgPlace1">
+    <dgm:fillClrLst meth="repeat">
+      <a:schemeClr val="accent3">
+        <a:tint val="50000"/>
+      </a:schemeClr>
+    </dgm:fillClrLst>
+    <dgm:linClrLst meth="repeat">
+      <a:schemeClr val="lt1"/>
+    </dgm:linClrLst>
+    <dgm:effectClrLst/>
+    <dgm:txLinClrLst/>
+    <dgm:txFillClrLst meth="repeat">
+      <a:schemeClr val="lt1"/>
+    </dgm:txFillClrLst>
+    <dgm:txEffectClrLst/>
+  </dgm:styleLbl>
+  <dgm:styleLbl name="bgImgPlace1">
+    <dgm:fillClrLst meth="repeat">
+      <a:schemeClr val="accent3">
+        <a:tint val="50000"/>
+      </a:schemeClr>
+    </dgm:fillClrLst>
+    <dgm:linClrLst meth="repeat">
+      <a:schemeClr val="lt1"/>
+    </dgm:linClrLst>
+    <dgm:effectClrLst/>
+    <dgm:txLinClrLst/>
+    <dgm:txFillClrLst meth="repeat">
+      <a:schemeClr val="lt1"/>
+    </dgm:txFillClrLst>
+    <dgm:txEffectClrLst/>
+  </dgm:styleLbl>
+  <dgm:styleLbl name="sibTrans2D1">
+    <dgm:fillClrLst meth="repeat">
+      <a:schemeClr val="accent3">
+        <a:tint val="60000"/>
+      </a:schemeClr>
+    </dgm:fillClrLst>
+    <dgm:linClrLst meth="repeat">
+      <a:schemeClr val="accent3">
+        <a:tint val="60000"/>
+      </a:schemeClr>
+    </dgm:linClrLst>
+    <dgm:effectClrLst/>
+    <dgm:txLinClrLst/>
+    <dgm:txFillClrLst/>
+    <dgm:txEffectClrLst/>
+  </dgm:styleLbl>
+  <dgm:styleLbl name="fgSibTrans2D1">
+    <dgm:fillClrLst meth="repeat">
+      <a:schemeClr val="accent3">
+        <a:tint val="60000"/>
+      </a:schemeClr>
+    </dgm:fillClrLst>
+    <dgm:linClrLst meth="repeat">
+      <a:schemeClr val="accent3">
+        <a:tint val="60000"/>
+      </a:schemeClr>
+    </dgm:linClrLst>
+    <dgm:effectClrLst/>
+    <dgm:txLinClrLst/>
+    <dgm:txFillClrLst/>
+    <dgm:txEffectClrLst/>
+  </dgm:styleLbl>
+  <dgm:styleLbl name="bgSibTrans2D1">
+    <dgm:fillClrLst meth="repeat">
+      <a:schemeClr val="accent3">
+        <a:tint val="60000"/>
+      </a:schemeClr>
+    </dgm:fillClrLst>
+    <dgm:linClrLst meth="repeat">
+      <a:schemeClr val="accent3">
+        <a:tint val="60000"/>
+      </a:schemeClr>
+    </dgm:linClrLst>
+    <dgm:effectClrLst/>
+    <dgm:txLinClrLst/>
+    <dgm:txFillClrLst/>
+    <dgm:txEffectClrLst/>
+  </dgm:styleLbl>
+  <dgm:styleLbl name="sibTrans1D1">
+    <dgm:fillClrLst meth="repeat">
+      <a:schemeClr val="accent3"/>
+    </dgm:fillClrLst>
+    <dgm:linClrLst meth="repeat">
+      <a:schemeClr val="accent3"/>
+    </dgm:linClrLst>
+    <dgm:effectClrLst/>
+    <dgm:txLinClrLst/>
+    <dgm:txFillClrLst meth="repeat">
+      <a:schemeClr val="tx1"/>
+    </dgm:txFillClrLst>
+    <dgm:txEffectClrLst/>
+  </dgm:styleLbl>
+  <dgm:styleLbl name="callout">
+    <dgm:fillClrLst meth="repeat">
+      <a:schemeClr val="accent3"/>
+    </dgm:fillClrLst>
+    <dgm:linClrLst meth="repeat">
+      <a:schemeClr val="accent3">
+        <a:tint val="50000"/>
+      </a:schemeClr>
+    </dgm:linClrLst>
+    <dgm:effectClrLst/>
+    <dgm:txLinClrLst/>
+    <dgm:txFillClrLst meth="repeat">
+      <a:schemeClr val="tx1"/>
+    </dgm:txFillClrLst>
+    <dgm:txEffectClrLst/>
+  </dgm:styleLbl>
+  <dgm:styleLbl name="asst0">
+    <dgm:fillClrLst meth="repeat">
+      <a:schemeClr val="accent3"/>
+    </dgm:fillClrLst>
+    <dgm:linClrLst meth="repeat">
+      <a:schemeClr val="lt1"/>
+    </dgm:linClrLst>
+    <dgm:effectClrLst/>
+    <dgm:txLinClrLst/>
+    <dgm:txFillClrLst/>
+    <dgm:txEffectClrLst/>
+  </dgm:styleLbl>
+  <dgm:styleLbl name="asst1">
+    <dgm:fillClrLst meth="repeat">
+      <a:schemeClr val="accent3"/>
+    </dgm:fillClrLst>
+    <dgm:linClrLst meth="repeat">
+      <a:schemeClr val="lt1"/>
+    </dgm:linClrLst>
+    <dgm:effectClrLst/>
+    <dgm:txLinClrLst/>
+    <dgm:txFillClrLst/>
+    <dgm:txEffectClrLst/>
+  </dgm:styleLbl>
+  <dgm:styleLbl name="asst2">
+    <dgm:fillClrLst meth="repeat">
+      <a:schemeClr val="accent3"/>
+    </dgm:fillClrLst>
+    <dgm:linClrLst meth="repeat">
+      <a:schemeClr val="lt1"/>
+    </dgm:linClrLst>
+    <dgm:effectClrLst/>
+    <dgm:txLinClrLst/>
+    <dgm:txFillClrLst/>
+    <dgm:txEffectClrLst/>
+  </dgm:styleLbl>
+  <dgm:styleLbl name="asst3">
+    <dgm:fillClrLst meth="repeat">
+      <a:schemeClr val="accent3"/>
+    </dgm:fillClrLst>
+    <dgm:linClrLst meth="repeat">
+      <a:schemeClr val="lt1"/>
+    </dgm:linClrLst>
+    <dgm:effectClrLst/>
+    <dgm:txLinClrLst/>
+    <dgm:txFillClrLst/>
+    <dgm:txEffectClrLst/>
+  </dgm:styleLbl>
+  <dgm:styleLbl name="asst4">
+    <dgm:fillClrLst meth="repeat">
+      <a:schemeClr val="accent3"/>
+    </dgm:fillClrLst>
+    <dgm:linClrLst meth="repeat">
+      <a:schemeClr val="lt1"/>
+    </dgm:linClrLst>
+    <dgm:effectClrLst/>
+    <dgm:txLinClrLst/>
+    <dgm:txFillClrLst/>
+    <dgm:txEffectClrLst/>
+  </dgm:styleLbl>
+  <dgm:styleLbl name="parChTrans2D1">
+    <dgm:fillClrLst meth="repeat">
+      <a:schemeClr val="accent3">
+        <a:tint val="60000"/>
+      </a:schemeClr>
+    </dgm:fillClrLst>
+    <dgm:linClrLst meth="repeat">
+      <a:schemeClr val="accent3">
+        <a:tint val="60000"/>
+      </a:schemeClr>
+    </dgm:linClrLst>
+    <dgm:effectClrLst/>
+    <dgm:txLinClrLst/>
+    <dgm:txFillClrLst meth="repeat">
+      <a:schemeClr val="lt1"/>
+    </dgm:txFillClrLst>
+    <dgm:txEffectClrLst/>
+  </dgm:styleLbl>
+  <dgm:styleLbl name="parChTrans2D2">
+    <dgm:fillClrLst meth="repeat">
+      <a:schemeClr val="accent3"/>
+    </dgm:fillClrLst>
+    <dgm:linClrLst meth="repeat">
+      <a:schemeClr val="accent3"/>
+    </dgm:linClrLst>
+    <dgm:effectClrLst/>
+    <dgm:txLinClrLst/>
+    <dgm:txFillClrLst meth="repeat">
+      <a:schemeClr val="lt1"/>
+    </dgm:txFillClrLst>
+    <dgm:txEffectClrLst/>
+  </dgm:styleLbl>
+  <dgm:styleLbl name="parChTrans2D3">
+    <dgm:fillClrLst meth="repeat">
+      <a:schemeClr val="accent3"/>
+    </dgm:fillClrLst>
+    <dgm:linClrLst meth="repeat">
+      <a:schemeClr val="accent3"/>
+    </dgm:linClrLst>
+    <dgm:effectClrLst/>
+    <dgm:txLinClrLst/>
+    <dgm:txFillClrLst meth="repeat">
+      <a:schemeClr val="lt1"/>
+    </dgm:txFillClrLst>
+    <dgm:txEffectClrLst/>
+  </dgm:styleLbl>
+  <dgm:styleLbl name="parChTrans2D4">
+    <dgm:fillClrLst meth="repeat">
+      <a:schemeClr val="accent3"/>
+    </dgm:fillClrLst>
+    <dgm:linClrLst meth="repeat">
+      <a:schemeClr val="accent3"/>
+    </dgm:linClrLst>
+    <dgm:effectClrLst/>
+    <dgm:txLinClrLst/>
+    <dgm:txFillClrLst meth="repeat">
+      <a:schemeClr val="lt1"/>
+    </dgm:txFillClrLst>
+    <dgm:txEffectClrLst/>
+  </dgm:styleLbl>
+  <dgm:styleLbl name="parChTrans1D1">
+    <dgm:fillClrLst meth="repeat">
+      <a:schemeClr val="accent3"/>
+    </dgm:fillClrLst>
+    <dgm:linClrLst meth="repeat">
+      <a:schemeClr val="accent3">
+        <a:shade val="60000"/>
+      </a:schemeClr>
+    </dgm:linClrLst>
+    <dgm:effectClrLst/>
+    <dgm:txLinClrLst/>
+    <dgm:txFillClrLst meth="repeat">
+      <a:schemeClr val="tx1"/>
+    </dgm:txFillClrLst>
+    <dgm:txEffectClrLst/>
+  </dgm:styleLbl>
+  <dgm:styleLbl name="parChTrans1D2">
+    <dgm:fillClrLst meth="repeat">
+      <a:schemeClr val="accent3"/>
+    </dgm:fillClrLst>
+    <dgm:linClrLst meth="repeat">
+      <a:schemeClr val="accent3">
+        <a:shade val="60000"/>
+      </a:schemeClr>
+    </dgm:linClrLst>
+    <dgm:effectClrLst/>
+    <dgm:txLinClrLst/>
+    <dgm:txFillClrLst meth="repeat">
+      <a:schemeClr val="tx1"/>
+    </dgm:txFillClrLst>
+    <dgm:txEffectClrLst/>
+  </dgm:styleLbl>
+  <dgm:styleLbl name="parChTrans1D3">
+    <dgm:fillClrLst meth="repeat">
+      <a:schemeClr val="accent3"/>
+    </dgm:fillClrLst>
+    <dgm:linClrLst meth="repeat">
+      <a:schemeClr val="accent3">
+        <a:shade val="80000"/>
+      </a:schemeClr>
+    </dgm:linClrLst>
+    <dgm:effectClrLst/>
+    <dgm:txLinClrLst/>
+    <dgm:txFillClrLst meth="repeat">
+      <a:schemeClr val="tx1"/>
+    </dgm:txFillClrLst>
+    <dgm:txEffectClrLst/>
+  </dgm:styleLbl>
+  <dgm:styleLbl name="parChTrans1D4">
+    <dgm:fillClrLst meth="repeat">
+      <a:schemeClr val="accent3"/>
+    </dgm:fillClrLst>
+    <dgm:linClrLst meth="repeat">
+      <a:schemeClr val="accent3">
+        <a:shade val="80000"/>
+      </a:schemeClr>
+    </dgm:linClrLst>
+    <dgm:effectClrLst/>
+    <dgm:txLinClrLst/>
+    <dgm:txFillClrLst meth="repeat">
+      <a:schemeClr val="tx1"/>
+    </dgm:txFillClrLst>
+    <dgm:txEffectClrLst/>
+  </dgm:styleLbl>
+  <dgm:styleLbl name="fgAcc1">
+    <dgm:fillClrLst meth="repeat">
+      <a:schemeClr val="lt1">
+        <a:alpha val="90000"/>
+      </a:schemeClr>
+    </dgm:fillClrLst>
+    <dgm:linClrLst meth="repeat">
+      <a:schemeClr val="accent3"/>
+    </dgm:linClrLst>
+    <dgm:effectClrLst/>
+    <dgm:txLinClrLst/>
+    <dgm:txFillClrLst meth="repeat">
+      <a:schemeClr val="dk1"/>
+    </dgm:txFillClrLst>
+    <dgm:txEffectClrLst/>
+  </dgm:styleLbl>
+  <dgm:styleLbl name="conFgAcc1">
+    <dgm:fillClrLst meth="repeat">
+      <a:schemeClr val="lt1">
+        <a:alpha val="90000"/>
+      </a:schemeClr>
+    </dgm:fillClrLst>
+    <dgm:linClrLst meth="repeat">
+      <a:schemeClr val="accent3"/>
+    </dgm:linClrLst>
+    <dgm:effectClrLst/>
+    <dgm:txLinClrLst/>
+    <dgm:txFillClrLst meth="repeat">
+      <a:schemeClr val="dk1"/>
+    </dgm:txFillClrLst>
+    <dgm:txEffectClrLst/>
+  </dgm:styleLbl>
+  <dgm:styleLbl name="alignAcc1">
+    <dgm:fillClrLst meth="repeat">
+      <a:schemeClr val="lt1">
+        <a:alpha val="90000"/>
+      </a:schemeClr>
+    </dgm:fillClrLst>
+    <dgm:linClrLst meth="repeat">
+      <a:schemeClr val="accent3"/>
+    </dgm:linClrLst>
+    <dgm:effectClrLst/>
+    <dgm:txLinClrLst/>
+    <dgm:txFillClrLst meth="repeat">
+      <a:schemeClr val="dk1"/>
+    </dgm:txFillClrLst>
+    <dgm:txEffectClrLst/>
+  </dgm:styleLbl>
+  <dgm:styleLbl name="trAlignAcc1">
+    <dgm:fillClrLst meth="repeat">
+      <a:schemeClr val="lt1">
+        <a:alpha val="40000"/>
+      </a:schemeClr>
+    </dgm:fillClrLst>
+    <dgm:linClrLst meth="repeat">
+      <a:schemeClr val="accent3"/>
+    </dgm:linClrLst>
+    <dgm:effectClrLst/>
+    <dgm:txLinClrLst/>
+    <dgm:txFillClrLst meth="repeat">
+      <a:schemeClr val="dk1"/>
+    </dgm:txFillClrLst>
+    <dgm:txEffectClrLst/>
+  </dgm:styleLbl>
+  <dgm:styleLbl name="bgAcc1">
+    <dgm:fillClrLst meth="repeat">
+      <a:schemeClr val="lt1">
+        <a:alpha val="90000"/>
+      </a:schemeClr>
+    </dgm:fillClrLst>
+    <dgm:linClrLst meth="repeat">
+      <a:schemeClr val="accent3"/>
+    </dgm:linClrLst>
+    <dgm:effectClrLst/>
+    <dgm:txLinClrLst/>
+    <dgm:txFillClrLst meth="repeat">
+      <a:schemeClr val="dk1"/>
+    </dgm:txFillClrLst>
+    <dgm:txEffectClrLst/>
+  </dgm:styleLbl>
+  <dgm:styleLbl name="solidFgAcc1">
+    <dgm:fillClrLst meth="repeat">
+      <a:schemeClr val="lt1"/>
+    </dgm:fillClrLst>
+    <dgm:linClrLst meth="repeat">
+      <a:schemeClr val="accent3"/>
+    </dgm:linClrLst>
+    <dgm:effectClrLst/>
+    <dgm:txLinClrLst/>
+    <dgm:txFillClrLst meth="repeat">
+      <a:schemeClr val="dk1"/>
+    </dgm:txFillClrLst>
+    <dgm:txEffectClrLst/>
+  </dgm:styleLbl>
+  <dgm:styleLbl name="solidAlignAcc1">
+    <dgm:fillClrLst meth="repeat">
+      <a:schemeClr val="lt1"/>
+    </dgm:fillClrLst>
+    <dgm:linClrLst meth="repeat">
+      <a:schemeClr val="accent3"/>
+    </dgm:linClrLst>
+    <dgm:effectClrLst/>
+    <dgm:txLinClrLst/>
+    <dgm:txFillClrLst meth="repeat">
+      <a:schemeClr val="dk1"/>
+    </dgm:txFillClrLst>
+    <dgm:txEffectClrLst/>
+  </dgm:styleLbl>
+  <dgm:styleLbl name="solidBgAcc1">
+    <dgm:fillClrLst meth="repeat">
+      <a:schemeClr val="lt1"/>
+    </dgm:fillClrLst>
+    <dgm:linClrLst meth="repeat">
+      <a:schemeClr val="accent3"/>
+    </dgm:linClrLst>
+    <dgm:effectClrLst/>
+    <dgm:txLinClrLst/>
+    <dgm:txFillClrLst meth="repeat">
+      <a:schemeClr val="dk1"/>
+    </dgm:txFillClrLst>
+    <dgm:txEffectClrLst/>
+  </dgm:styleLbl>
+  <dgm:styleLbl name="fgAccFollowNode1">
+    <dgm:fillClrLst meth="repeat">
+      <a:schemeClr val="accent3">
+        <a:alpha val="90000"/>
+        <a:tint val="40000"/>
+      </a:schemeClr>
+    </dgm:fillClrLst>
+    <dgm:linClrLst meth="repeat">
+      <a:schemeClr val="accent3">
+        <a:alpha val="90000"/>
+        <a:tint val="40000"/>
+      </a:schemeClr>
+    </dgm:linClrLst>
+    <dgm:effectClrLst/>
+    <dgm:txLinClrLst/>
+    <dgm:txFillClrLst meth="repeat">
+      <a:schemeClr val="dk1"/>
+    </dgm:txFillClrLst>
+    <dgm:txEffectClrLst/>
+  </dgm:styleLbl>
+  <dgm:styleLbl name="alignAccFollowNode1">
+    <dgm:fillClrLst meth="repeat">
+      <a:schemeClr val="accent3">
+        <a:alpha val="90000"/>
+        <a:tint val="40000"/>
+      </a:schemeClr>
+    </dgm:fillClrLst>
+    <dgm:linClrLst meth="repeat">
+      <a:schemeClr val="accent3">
+        <a:alpha val="90000"/>
+        <a:tint val="40000"/>
+      </a:schemeClr>
+    </dgm:linClrLst>
+    <dgm:effectClrLst/>
+    <dgm:txLinClrLst/>
+    <dgm:txFillClrLst meth="repeat">
+      <a:schemeClr val="dk1"/>
+    </dgm:txFillClrLst>
+    <dgm:txEffectClrLst/>
+  </dgm:styleLbl>
+  <dgm:styleLbl name="bgAccFollowNode1">
+    <dgm:fillClrLst meth="repeat">
+      <a:schemeClr val="accent3">
+        <a:alpha val="90000"/>
+        <a:tint val="40000"/>
+      </a:schemeClr>
+    </dgm:fillClrLst>
+    <dgm:linClrLst meth="repeat">
+      <a:schemeClr val="accent3">
+        <a:alpha val="90000"/>
+        <a:tint val="40000"/>
+      </a:schemeClr>
+    </dgm:linClrLst>
+    <dgm:effectClrLst/>
+    <dgm:txLinClrLst/>
+    <dgm:txFillClrLst meth="repeat">
+      <a:schemeClr val="dk1"/>
+    </dgm:txFillClrLst>
+    <dgm:txEffectClrLst/>
+  </dgm:styleLbl>
+  <dgm:styleLbl name="fgAcc0">
+    <dgm:fillClrLst meth="repeat">
+      <a:schemeClr val="lt1">
+        <a:alpha val="90000"/>
+      </a:schemeClr>
+    </dgm:fillClrLst>
+    <dgm:linClrLst meth="repeat">
+      <a:schemeClr val="accent3"/>
+    </dgm:linClrLst>
+    <dgm:effectClrLst/>
+    <dgm:txLinClrLst/>
+    <dgm:txFillClrLst meth="repeat">
+      <a:schemeClr val="dk1"/>
+    </dgm:txFillClrLst>
+    <dgm:txEffectClrLst/>
+  </dgm:styleLbl>
+  <dgm:styleLbl name="fgAcc2">
+    <dgm:fillClrLst meth="repeat">
+      <a:schemeClr val="lt1">
+        <a:alpha val="90000"/>
+      </a:schemeClr>
+    </dgm:fillClrLst>
+    <dgm:linClrLst meth="repeat">
+      <a:schemeClr val="accent3"/>
+    </dgm:linClrLst>
+    <dgm:effectClrLst/>
+    <dgm:txLinClrLst/>
+    <dgm:txFillClrLst meth="repeat">
+      <a:schemeClr val="dk1"/>
+    </dgm:txFillClrLst>
+    <dgm:txEffectClrLst/>
+  </dgm:styleLbl>
+  <dgm:styleLbl name="fgAcc3">
+    <dgm:fillClrLst meth="repeat">
+      <a:schemeClr val="lt1">
+        <a:alpha val="90000"/>
+      </a:schemeClr>
+    </dgm:fillClrLst>
+    <dgm:linClrLst meth="repeat">
+      <a:schemeClr val="accent3"/>
+    </dgm:linClrLst>
+    <dgm:effectClrLst/>
+    <dgm:txLinClrLst/>
+    <dgm:txFillClrLst meth="repeat">
+      <a:schemeClr val="dk1"/>
+    </dgm:txFillClrLst>
+    <dgm:txEffectClrLst/>
+  </dgm:styleLbl>
+  <dgm:styleLbl name="fgAcc4">
+    <dgm:fillClrLst meth="repeat">
+      <a:schemeClr val="lt1">
+        <a:alpha val="90000"/>
+      </a:schemeClr>
+    </dgm:fillClrLst>
+    <dgm:linClrLst meth="repeat">
+      <a:schemeClr val="accent3"/>
+    </dgm:linClrLst>
+    <dgm:effectClrLst/>
+    <dgm:txLinClrLst/>
+    <dgm:txFillClrLst meth="repeat">
+      <a:schemeClr val="dk1"/>
+    </dgm:txFillClrLst>
+    <dgm:txEffectClrLst/>
+  </dgm:styleLbl>
+  <dgm:styleLbl name="bgShp">
+    <dgm:fillClrLst meth="repeat">
+      <a:schemeClr val="accent3">
+        <a:tint val="40000"/>
+      </a:schemeClr>
+    </dgm:fillClrLst>
+    <dgm:linClrLst meth="repeat">
+      <a:schemeClr val="accent3"/>
+    </dgm:linClrLst>
+    <dgm:effectClrLst/>
+    <dgm:txLinClrLst/>
+    <dgm:txFillClrLst meth="repeat">
+      <a:schemeClr val="dk1"/>
+    </dgm:txFillClrLst>
+    <dgm:txEffectClrLst/>
+  </dgm:styleLbl>
+  <dgm:styleLbl name="dkBgShp">
+    <dgm:fillClrLst meth="repeat">
+      <a:schemeClr val="accent3">
+        <a:shade val="80000"/>
+      </a:schemeClr>
+    </dgm:fillClrLst>
+    <dgm:linClrLst meth="repeat">
+      <a:schemeClr val="accent3"/>
+    </dgm:linClrLst>
+    <dgm:effectClrLst/>
+    <dgm:txLinClrLst/>
+    <dgm:txFillClrLst meth="repeat">
+      <a:schemeClr val="lt1"/>
+    </dgm:txFillClrLst>
+    <dgm:txEffectClrLst/>
+  </dgm:styleLbl>
+  <dgm:styleLbl name="trBgShp">
+    <dgm:fillClrLst meth="repeat">
+      <a:schemeClr val="accent3">
+        <a:tint val="50000"/>
+        <a:alpha val="40000"/>
+      </a:schemeClr>
+    </dgm:fillClrLst>
+    <dgm:linClrLst meth="repeat">
+      <a:schemeClr val="accent3"/>
+    </dgm:linClrLst>
+    <dgm:effectClrLst/>
+    <dgm:txLinClrLst/>
+    <dgm:txFillClrLst meth="repeat">
+      <a:schemeClr val="lt1"/>
+    </dgm:txFillClrLst>
+    <dgm:txEffectClrLst/>
+  </dgm:styleLbl>
+  <dgm:styleLbl name="fgShp">
+    <dgm:fillClrLst meth="repeat">
+      <a:schemeClr val="accent3">
+        <a:tint val="60000"/>
+      </a:schemeClr>
+    </dgm:fillClrLst>
+    <dgm:linClrLst meth="repeat">
+      <a:schemeClr val="lt1"/>
+    </dgm:linClrLst>
+    <dgm:effectClrLst/>
+    <dgm:txLinClrLst/>
+    <dgm:txFillClrLst meth="repeat">
+      <a:schemeClr val="dk1"/>
+    </dgm:txFillClrLst>
+    <dgm:txEffectClrLst/>
+  </dgm:styleLbl>
+  <dgm:styleLbl name="revTx">
+    <dgm:fillClrLst meth="repeat">
+      <a:schemeClr val="lt1">
+        <a:alpha val="0"/>
+      </a:schemeClr>
+    </dgm:fillClrLst>
+    <dgm:linClrLst meth="repeat">
+      <a:schemeClr val="dk1">
+        <a:alpha val="0"/>
+      </a:schemeClr>
+    </dgm:linClrLst>
+    <dgm:effectClrLst/>
+    <dgm:txLinClrLst/>
+    <dgm:txFillClrLst meth="repeat">
+      <a:schemeClr val="tx1"/>
+    </dgm:txFillClrLst>
+    <dgm:txEffectClrLst/>
+  </dgm:styleLbl>
+</dgm:colorsDef>
+</file>
+
+<file path=ppt/diagrams/colors2.xml><?xml version="1.0" encoding="utf-8"?>
+<dgm:colorsDef xmlns:dgm="http://schemas.openxmlformats.org/drawingml/2006/diagram" xmlns:a="http://schemas.openxmlformats.org/drawingml/2006/main" uniqueId="urn:microsoft.com/office/officeart/2005/8/colors/colorful1">
+  <dgm:title val=""/>
+  <dgm:desc val=""/>
+  <dgm:catLst>
+    <dgm:cat type="colorful" pri="10100"/>
+  </dgm:catLst>
+  <dgm:styleLbl name="node0">
+    <dgm:fillClrLst meth="repeat">
+      <a:schemeClr val="accent1"/>
+    </dgm:fillClrLst>
+    <dgm:linClrLst meth="repeat">
+      <a:schemeClr val="lt1"/>
+    </dgm:linClrLst>
+    <dgm:effectClrLst/>
+    <dgm:txLinClrLst/>
+    <dgm:txFillClrLst/>
+    <dgm:txEffectClrLst/>
+  </dgm:styleLbl>
+  <dgm:styleLbl name="node1">
+    <dgm:fillClrLst meth="repeat">
+      <a:schemeClr val="accent2"/>
+      <a:schemeClr val="accent3"/>
+      <a:schemeClr val="accent4"/>
+      <a:schemeClr val="accent5"/>
+      <a:schemeClr val="accent6"/>
+    </dgm:fillClrLst>
+    <dgm:linClrLst meth="repeat">
+      <a:schemeClr val="lt1"/>
+    </dgm:linClrLst>
+    <dgm:effectClrLst/>
+    <dgm:txLinClrLst/>
+    <dgm:txFillClrLst/>
+    <dgm:txEffectClrLst/>
+  </dgm:styleLbl>
+  <dgm:styleLbl name="alignNode1">
+    <dgm:fillClrLst meth="repeat">
+      <a:schemeClr val="accent2"/>
+      <a:schemeClr val="accent3"/>
+      <a:schemeClr val="accent4"/>
+      <a:schemeClr val="accent5"/>
+      <a:schemeClr val="accent6"/>
+    </dgm:fillClrLst>
+    <dgm:linClrLst meth="repeat">
+      <a:schemeClr val="accent2"/>
+      <a:schemeClr val="accent3"/>
+      <a:schemeClr val="accent4"/>
+      <a:schemeClr val="accent5"/>
+      <a:schemeClr val="accent6"/>
+    </dgm:linClrLst>
+    <dgm:effectClrLst/>
+    <dgm:txLinClrLst/>
+    <dgm:txFillClrLst/>
+    <dgm:txEffectClrLst/>
+  </dgm:styleLbl>
+  <dgm:styleLbl name="lnNode1">
+    <dgm:fillClrLst meth="repeat">
+      <a:schemeClr val="accent2"/>
+      <a:schemeClr val="accent3"/>
+      <a:schemeClr val="accent4"/>
+      <a:schemeClr val="accent5"/>
+      <a:schemeClr val="accent6"/>
+    </dgm:fillClrLst>
+    <dgm:linClrLst meth="repeat">
+      <a:schemeClr val="lt1"/>
+    </dgm:linClrLst>
+    <dgm:effectClrLst/>
+    <dgm:txLinClrLst/>
+    <dgm:txFillClrLst/>
+    <dgm:txEffectClrLst/>
+  </dgm:styleLbl>
+  <dgm:styleLbl name="vennNode1">
+    <dgm:fillClrLst meth="repeat">
+      <a:schemeClr val="accent2">
+        <a:alpha val="50000"/>
+      </a:schemeClr>
+      <a:schemeClr val="accent3">
+        <a:alpha val="50000"/>
+      </a:schemeClr>
+      <a:schemeClr val="accent4">
+        <a:alpha val="50000"/>
+      </a:schemeClr>
+      <a:schemeClr val="accent5">
+        <a:alpha val="50000"/>
+      </a:schemeClr>
+      <a:schemeClr val="accent6">
+        <a:alpha val="50000"/>
+      </a:schemeClr>
+    </dgm:fillClrLst>
+    <dgm:linClrLst meth="repeat">
+      <a:schemeClr val="lt1"/>
+    </dgm:linClrLst>
+    <dgm:effectClrLst/>
+    <dgm:txLinClrLst/>
+    <dgm:txFillClrLst/>
+    <dgm:txEffectClrLst/>
+  </dgm:styleLbl>
+  <dgm:styleLbl name="node2">
+    <dgm:fillClrLst>
+      <a:schemeClr val="accent2"/>
+    </dgm:fillClrLst>
+    <dgm:linClrLst meth="repeat">
+      <a:schemeClr val="lt1"/>
+    </dgm:linClrLst>
+    <dgm:effectClrLst/>
+    <dgm:txLinClrLst/>
+    <dgm:txFillClrLst/>
+    <dgm:txEffectClrLst/>
+  </dgm:styleLbl>
+  <dgm:styleLbl name="node3">
+    <dgm:fillClrLst>
+      <a:schemeClr val="accent3"/>
+    </dgm:fillClrLst>
+    <dgm:linClrLst meth="repeat">
+      <a:schemeClr val="lt1"/>
+    </dgm:linClrLst>
+    <dgm:effectClrLst/>
+    <dgm:txLinClrLst/>
+    <dgm:txFillClrLst/>
+    <dgm:txEffectClrLst/>
+  </dgm:styleLbl>
+  <dgm:styleLbl name="node4">
+    <dgm:fillClrLst>
+      <a:schemeClr val="accent4"/>
+    </dgm:fillClrLst>
+    <dgm:linClrLst meth="repeat">
+      <a:schemeClr val="lt1"/>
+    </dgm:linClrLst>
+    <dgm:effectClrLst/>
+    <dgm:txLinClrLst/>
+    <dgm:txFillClrLst/>
+    <dgm:txEffectClrLst/>
+  </dgm:styleLbl>
+  <dgm:styleLbl name="fgImgPlace1">
+    <dgm:fillClrLst meth="repeat">
+      <a:schemeClr val="accent2">
+        <a:tint val="50000"/>
+      </a:schemeClr>
+      <a:schemeClr val="accent3">
+        <a:tint val="50000"/>
+      </a:schemeClr>
+      <a:schemeClr val="accent4">
+        <a:tint val="50000"/>
+      </a:schemeClr>
+      <a:schemeClr val="accent5">
+        <a:tint val="50000"/>
+      </a:schemeClr>
+      <a:schemeClr val="accent6">
+        <a:tint val="50000"/>
+      </a:schemeClr>
+    </dgm:fillClrLst>
+    <dgm:linClrLst meth="repeat">
+      <a:schemeClr val="lt1"/>
+    </dgm:linClrLst>
+    <dgm:effectClrLst/>
+    <dgm:txLinClrLst/>
+    <dgm:txFillClrLst meth="repeat">
+      <a:schemeClr val="lt1"/>
+    </dgm:txFillClrLst>
+    <dgm:txEffectClrLst/>
+  </dgm:styleLbl>
+  <dgm:styleLbl name="alignImgPlace1">
+    <dgm:fillClrLst>
+      <a:schemeClr val="accent1">
+        <a:tint val="50000"/>
+      </a:schemeClr>
+      <a:schemeClr val="accent2">
+        <a:tint val="20000"/>
+      </a:schemeClr>
+    </dgm:fillClrLst>
+    <dgm:linClrLst meth="repeat">
+      <a:schemeClr val="lt1"/>
+    </dgm:linClrLst>
+    <dgm:effectClrLst/>
+    <dgm:txLinClrLst/>
+    <dgm:txFillClrLst meth="repeat">
+      <a:schemeClr val="lt1"/>
+    </dgm:txFillClrLst>
+    <dgm:txEffectClrLst/>
+  </dgm:styleLbl>
+  <dgm:styleLbl name="bgImgPlace1">
+    <dgm:fillClrLst>
+      <a:schemeClr val="accent1">
+        <a:tint val="50000"/>
+      </a:schemeClr>
+      <a:schemeClr val="accent2">
+        <a:tint val="20000"/>
+      </a:schemeClr>
+    </dgm:fillClrLst>
+    <dgm:linClrLst meth="repeat">
+      <a:schemeClr val="lt1"/>
+    </dgm:linClrLst>
+    <dgm:effectClrLst/>
+    <dgm:txLinClrLst/>
+    <dgm:txFillClrLst meth="repeat">
+      <a:schemeClr val="lt1"/>
+    </dgm:txFillClrLst>
+    <dgm:txEffectClrLst/>
+  </dgm:styleLbl>
+  <dgm:styleLbl name="sibTrans2D1">
+    <dgm:fillClrLst meth="repeat">
+      <a:schemeClr val="accent2"/>
+      <a:schemeClr val="accent3"/>
+      <a:schemeClr val="accent4"/>
+      <a:schemeClr val="accent5"/>
+      <a:schemeClr val="accent6"/>
+    </dgm:fillClrLst>
+    <dgm:linClrLst meth="cycle">
+      <a:schemeClr val="lt1"/>
+    </dgm:linClrLst>
+    <dgm:effectClrLst/>
+    <dgm:txLinClrLst/>
+    <dgm:txFillClrLst/>
+    <dgm:txEffectClrLst/>
+  </dgm:styleLbl>
+  <dgm:styleLbl name="fgSibTrans2D1">
+    <dgm:fillClrLst meth="repeat">
+      <a:schemeClr val="accent2"/>
+      <a:schemeClr val="accent3"/>
+      <a:schemeClr val="accent4"/>
+      <a:schemeClr val="accent5"/>
+      <a:schemeClr val="accent6"/>
+    </dgm:fillClrLst>
+    <dgm:linClrLst meth="cycle">
+      <a:schemeClr val="lt1"/>
+    </dgm:linClrLst>
+    <dgm:effectClrLst/>
+    <dgm:txLinClrLst/>
+    <dgm:txFillClrLst meth="repeat">
+      <a:schemeClr val="lt1"/>
+    </dgm:txFillClrLst>
+    <dgm:txEffectClrLst/>
+  </dgm:styleLbl>
+  <dgm:styleLbl name="bgSibTrans2D1">
+    <dgm:fillClrLst meth="repeat">
+      <a:schemeClr val="accent2"/>
+      <a:schemeClr val="accent3"/>
+      <a:schemeClr val="accent4"/>
+      <a:schemeClr val="accent5"/>
+      <a:schemeClr val="accent6"/>
+    </dgm:fillClrLst>
+    <dgm:linClrLst meth="cycle">
+      <a:schemeClr val="lt1"/>
+    </dgm:linClrLst>
+    <dgm:effectClrLst/>
+    <dgm:txLinClrLst/>
+    <dgm:txFillClrLst meth="repeat">
+      <a:schemeClr val="lt1"/>
+    </dgm:txFillClrLst>
+    <dgm:txEffectClrLst/>
+  </dgm:styleLbl>
+  <dgm:styleLbl name="sibTrans1D1">
+    <dgm:fillClrLst meth="repeat">
+      <a:schemeClr val="accent2"/>
+      <a:schemeClr val="accent3"/>
+      <a:schemeClr val="accent4"/>
+      <a:schemeClr val="accent5"/>
+      <a:schemeClr val="accent6"/>
+    </dgm:fillClrLst>
+    <dgm:linClrLst meth="repeat">
+      <a:schemeClr val="accent2"/>
+      <a:schemeClr val="accent3"/>
+      <a:schemeClr val="accent4"/>
+      <a:schemeClr val="accent5"/>
+      <a:schemeClr val="accent6"/>
+    </dgm:linClrLst>
+    <dgm:effectClrLst/>
+    <dgm:txLinClrLst/>
+    <dgm:txFillClrLst meth="repeat">
+      <a:schemeClr val="tx1"/>
+    </dgm:txFillClrLst>
+    <dgm:txEffectClrLst/>
+  </dgm:styleLbl>
+  <dgm:styleLbl name="callout">
+    <dgm:fillClrLst meth="repeat">
+      <a:schemeClr val="accent2"/>
+    </dgm:fillClrLst>
+    <dgm:linClrLst meth="repeat">
+      <a:schemeClr val="accent2">
+        <a:tint val="50000"/>
+      </a:schemeClr>
+    </dgm:linClrLst>
+    <dgm:effectClrLst/>
+    <dgm:txLinClrLst/>
+    <dgm:txFillClrLst meth="repeat">
+      <a:schemeClr val="tx1"/>
+    </dgm:txFillClrLst>
+    <dgm:txEffectClrLst/>
+  </dgm:styleLbl>
+  <dgm:styleLbl name="asst0">
+    <dgm:fillClrLst meth="repeat">
+      <a:schemeClr val="accent1"/>
+    </dgm:fillClrLst>
+    <dgm:linClrLst meth="repeat">
+      <a:schemeClr val="lt1"/>
+    </dgm:linClrLst>
+    <dgm:effectClrLst/>
+    <dgm:txLinClrLst/>
+    <dgm:txFillClrLst/>
+    <dgm:txEffectClrLst/>
+  </dgm:styleLbl>
+  <dgm:styleLbl name="asst1">
+    <dgm:fillClrLst meth="repeat">
+      <a:schemeClr val="accent2"/>
+    </dgm:fillClrLst>
+    <dgm:linClrLst meth="repeat">
+      <a:schemeClr val="lt1"/>
+    </dgm:linClrLst>
+    <dgm:effectClrLst/>
+    <dgm:txLinClrLst/>
+    <dgm:txFillClrLst/>
+    <dgm:txEffectClrLst/>
+  </dgm:styleLbl>
+  <dgm:styleLbl name="asst2">
+    <dgm:fillClrLst>
+      <a:schemeClr val="accent3"/>
+    </dgm:fillClrLst>
+    <dgm:linClrLst meth="repeat">
+      <a:schemeClr val="lt1"/>
+    </dgm:linClrLst>
+    <dgm:effectClrLst/>
+    <dgm:txLinClrLst/>
+    <dgm:txFillClrLst/>
+    <dgm:txEffectClrLst/>
+  </dgm:styleLbl>
+  <dgm:styleLbl name="asst3">
+    <dgm:fillClrLst>
+      <a:schemeClr val="accent4"/>
+    </dgm:fillClrLst>
+    <dgm:linClrLst meth="repeat">
+      <a:schemeClr val="lt1"/>
+    </dgm:linClrLst>
+    <dgm:effectClrLst/>
+    <dgm:txLinClrLst/>
+    <dgm:txFillClrLst/>
+    <dgm:txEffectClrLst/>
+  </dgm:styleLbl>
+  <dgm:styleLbl name="asst4">
+    <dgm:fillClrLst>
+      <a:schemeClr val="accent5"/>
+    </dgm:fillClrLst>
+    <dgm:linClrLst meth="repeat">
+      <a:schemeClr val="lt1"/>
+    </dgm:linClrLst>
+    <dgm:effectClrLst/>
+    <dgm:txLinClrLst/>
+    <dgm:txFillClrLst/>
+    <dgm:txEffectClrLst/>
+  </dgm:styleLbl>
+  <dgm:styleLbl name="parChTrans2D1">
+    <dgm:fillClrLst meth="repeat">
+      <a:schemeClr val="accent2"/>
+    </dgm:fillClrLst>
+    <dgm:linClrLst meth="repeat">
+      <a:schemeClr val="lt1"/>
+    </dgm:linClrLst>
+    <dgm:effectClrLst/>
+    <dgm:txLinClrLst/>
+    <dgm:txFillClrLst meth="repeat">
+      <a:schemeClr val="lt1"/>
+    </dgm:txFillClrLst>
+    <dgm:txEffectClrLst/>
+  </dgm:styleLbl>
+  <dgm:styleLbl name="parChTrans2D2">
+    <dgm:fillClrLst meth="repeat">
+      <a:schemeClr val="accent3"/>
+    </dgm:fillClrLst>
+    <dgm:linClrLst meth="repeat">
+      <a:schemeClr val="lt1"/>
+    </dgm:linClrLst>
+    <dgm:effectClrLst/>
+    <dgm:txLinClrLst/>
+    <dgm:txFillClrLst/>
+    <dgm:txEffectClrLst/>
+  </dgm:styleLbl>
+  <dgm:styleLbl name="parChTrans2D3">
+    <dgm:fillClrLst meth="repeat">
+      <a:schemeClr val="accent4"/>
+    </dgm:fillClrLst>
+    <dgm:linClrLst meth="repeat">
+      <a:schemeClr val="lt1"/>
+    </dgm:linClrLst>
+    <dgm:effectClrLst/>
+    <dgm:txLinClrLst/>
+    <dgm:txFillClrLst/>
+    <dgm:txEffectClrLst/>
+  </dgm:styleLbl>
+  <dgm:styleLbl name="parChTrans2D4">
+    <dgm:fillClrLst meth="repeat">
+      <a:schemeClr val="accent5"/>
+    </dgm:fillClrLst>
+    <dgm:linClrLst meth="repeat">
+      <a:schemeClr val="lt1"/>
+    </dgm:linClrLst>
+    <dgm:effectClrLst/>
+    <dgm:txLinClrLst/>
+    <dgm:txFillClrLst meth="repeat">
+      <a:schemeClr val="lt1"/>
+    </dgm:txFillClrLst>
+    <dgm:txEffectClrLst/>
+  </dgm:styleLbl>
+  <dgm:styleLbl name="parChTrans1D1">
+    <dgm:fillClrLst meth="repeat">
+      <a:schemeClr val="accent2"/>
+    </dgm:fillClrLst>
+    <dgm:linClrLst meth="repeat">
+      <a:schemeClr val="accent1"/>
+    </dgm:linClrLst>
+    <dgm:effectClrLst/>
+    <dgm:txLinClrLst/>
+    <dgm:txFillClrLst meth="repeat">
+      <a:schemeClr val="tx1"/>
+    </dgm:txFillClrLst>
+    <dgm:txEffectClrLst/>
+  </dgm:styleLbl>
+  <dgm:styleLbl name="parChTrans1D2">
+    <dgm:fillClrLst meth="repeat">
+      <a:schemeClr val="accent3">
+        <a:tint val="90000"/>
+      </a:schemeClr>
+    </dgm:fillClrLst>
+    <dgm:linClrLst meth="repeat">
+      <a:schemeClr val="accent2"/>
+    </dgm:linClrLst>
+    <dgm:effectClrLst/>
+    <dgm:txLinClrLst/>
+    <dgm:txFillClrLst meth="repeat">
+      <a:schemeClr val="tx1"/>
+    </dgm:txFillClrLst>
+    <dgm:txEffectClrLst/>
+  </dgm:styleLbl>
+  <dgm:styleLbl name="parChTrans1D3">
+    <dgm:fillClrLst meth="repeat">
+      <a:schemeClr val="accent4">
+        <a:tint val="70000"/>
+      </a:schemeClr>
+    </dgm:fillClrLst>
+    <dgm:linClrLst meth="repeat">
+      <a:schemeClr val="accent3"/>
+    </dgm:linClrLst>
+    <dgm:effectClrLst/>
+    <dgm:txLinClrLst/>
+    <dgm:txFillClrLst meth="repeat">
+      <a:schemeClr val="tx1"/>
+    </dgm:txFillClrLst>
+    <dgm:txEffectClrLst/>
+  </dgm:styleLbl>
+  <dgm:styleLbl name="parChTrans1D4">
+    <dgm:fillClrLst meth="repeat">
+      <a:schemeClr val="accent5">
+        <a:tint val="50000"/>
+      </a:schemeClr>
+    </dgm:fillClrLst>
+    <dgm:linClrLst meth="repeat">
+      <a:schemeClr val="accent4"/>
+    </dgm:linClrLst>
+    <dgm:effectClrLst/>
+    <dgm:txLinClrLst/>
+    <dgm:txFillClrLst meth="repeat">
+      <a:schemeClr val="tx1"/>
+    </dgm:txFillClrLst>
+    <dgm:txEffectClrLst/>
+  </dgm:styleLbl>
+  <dgm:styleLbl name="fgAcc1">
+    <dgm:fillClrLst meth="repeat">
+      <a:schemeClr val="lt1">
+        <a:alpha val="90000"/>
+      </a:schemeClr>
+    </dgm:fillClrLst>
+    <dgm:linClrLst meth="repeat">
+      <a:schemeClr val="accent2"/>
+      <a:schemeClr val="accent3"/>
+      <a:schemeClr val="accent4"/>
+      <a:schemeClr val="accent5"/>
+      <a:schemeClr val="accent6"/>
+    </dgm:linClrLst>
+    <dgm:effectClrLst/>
+    <dgm:txLinClrLst/>
+    <dgm:txFillClrLst meth="repeat">
+      <a:schemeClr val="dk1"/>
+    </dgm:txFillClrLst>
+    <dgm:txEffectClrLst/>
+  </dgm:styleLbl>
+  <dgm:styleLbl name="conFgAcc1">
+    <dgm:fillClrLst meth="repeat">
+      <a:schemeClr val="lt1">
+        <a:alpha val="90000"/>
+      </a:schemeClr>
+    </dgm:fillClrLst>
+    <dgm:linClrLst meth="repeat">
+      <a:schemeClr val="accent2"/>
+      <a:schemeClr val="accent3"/>
+      <a:schemeClr val="accent4"/>
+      <a:schemeClr val="accent5"/>
+      <a:schemeClr val="accent6"/>
+    </dgm:linClrLst>
+    <dgm:effectClrLst/>
+    <dgm:txLinClrLst/>
+    <dgm:txFillClrLst meth="repeat">
+      <a:schemeClr val="dk1"/>
+    </dgm:txFillClrLst>
+    <dgm:txEffectClrLst/>
+  </dgm:styleLbl>
+  <dgm:styleLbl name="alignAcc1">
+    <dgm:fillClrLst meth="repeat">
+      <a:schemeClr val="lt1">
+        <a:alpha val="90000"/>
+      </a:schemeClr>
+    </dgm:fillClrLst>
+    <dgm:linClrLst meth="repeat">
+      <a:schemeClr val="accent2"/>
+      <a:schemeClr val="accent3"/>
+      <a:schemeClr val="accent4"/>
+      <a:schemeClr val="accent5"/>
+      <a:schemeClr val="accent6"/>
+    </dgm:linClrLst>
+    <dgm:effectClrLst/>
+    <dgm:txLinClrLst/>
+    <dgm:txFillClrLst meth="repeat">
+      <a:schemeClr val="dk1"/>
+    </dgm:txFillClrLst>
+    <dgm:txEffectClrLst/>
+  </dgm:styleLbl>
+  <dgm:styleLbl name="trAlignAcc1">
+    <dgm:fillClrLst meth="repeat">
+      <a:schemeClr val="lt1">
+        <a:alpha val="40000"/>
+      </a:schemeClr>
+    </dgm:fillClrLst>
+    <dgm:linClrLst meth="repeat">
+      <a:schemeClr val="accent1"/>
+    </dgm:linClrLst>
+    <dgm:effectClrLst/>
+    <dgm:txLinClrLst/>
+    <dgm:txFillClrLst meth="repeat">
+      <a:schemeClr val="dk1"/>
+    </dgm:txFillClrLst>
+    <dgm:txEffectClrLst/>
+  </dgm:styleLbl>
+  <dgm:styleLbl name="bgAcc1">
+    <dgm:fillClrLst meth="repeat">
+      <a:schemeClr val="lt1">
+        <a:alpha val="90000"/>
+      </a:schemeClr>
+    </dgm:fillClrLst>
+    <dgm:linClrLst meth="repeat">
+      <a:schemeClr val="accent2"/>
+      <a:schemeClr val="accent3"/>
+      <a:schemeClr val="accent4"/>
+      <a:schemeClr val="accent5"/>
+      <a:schemeClr val="accent6"/>
+    </dgm:linClrLst>
+    <dgm:effectClrLst/>
+    <dgm:txLinClrLst/>
+    <dgm:txFillClrLst meth="repeat">
+      <a:schemeClr val="dk1"/>
+    </dgm:txFillClrLst>
+    <dgm:txEffectClrLst/>
+  </dgm:styleLbl>
+  <dgm:styleLbl name="solidFgAcc1">
+    <dgm:fillClrLst meth="repeat">
+      <a:schemeClr val="lt1"/>
+    </dgm:fillClrLst>
+    <dgm:linClrLst meth="repeat">
+      <a:schemeClr val="accent2"/>
+      <a:schemeClr val="accent3"/>
+      <a:schemeClr val="accent4"/>
+      <a:schemeClr val="accent5"/>
+      <a:schemeClr val="accent6"/>
+    </dgm:linClrLst>
+    <dgm:effectClrLst/>
+    <dgm:txLinClrLst/>
+    <dgm:txFillClrLst meth="repeat">
+      <a:schemeClr val="dk1"/>
+    </dgm:txFillClrLst>
+    <dgm:txEffectClrLst/>
+  </dgm:styleLbl>
+  <dgm:styleLbl name="solidAlignAcc1">
+    <dgm:fillClrLst meth="repeat">
+      <a:schemeClr val="lt1"/>
+    </dgm:fillClrLst>
+    <dgm:linClrLst meth="repeat">
+      <a:schemeClr val="accent2"/>
+      <a:schemeClr val="accent3"/>
+      <a:schemeClr val="accent4"/>
+      <a:schemeClr val="accent5"/>
+      <a:schemeClr val="accent6"/>
+    </dgm:linClrLst>
+    <dgm:effectClrLst/>
+    <dgm:txLinClrLst/>
+    <dgm:txFillClrLst meth="repeat">
+      <a:schemeClr val="dk1"/>
+    </dgm:txFillClrLst>
+    <dgm:txEffectClrLst/>
+  </dgm:styleLbl>
+  <dgm:styleLbl name="solidBgAcc1">
+    <dgm:fillClrLst meth="repeat">
+      <a:schemeClr val="lt1"/>
+    </dgm:fillClrLst>
+    <dgm:linClrLst meth="repeat">
+      <a:schemeClr val="accent2"/>
+      <a:schemeClr val="accent3"/>
+      <a:schemeClr val="accent4"/>
+      <a:schemeClr val="accent5"/>
+      <a:schemeClr val="accent6"/>
+    </dgm:linClrLst>
+    <dgm:effectClrLst/>
+    <dgm:txLinClrLst/>
+    <dgm:txFillClrLst meth="repeat">
+      <a:schemeClr val="dk1"/>
+    </dgm:txFillClrLst>
+    <dgm:txEffectClrLst/>
+  </dgm:styleLbl>
+  <dgm:styleLbl name="fgAccFollowNode1">
+    <dgm:fillClrLst meth="repeat">
+      <a:schemeClr val="accent2">
+        <a:tint val="40000"/>
+        <a:alpha val="90000"/>
+      </a:schemeClr>
+      <a:schemeClr val="accent3">
+        <a:tint val="40000"/>
+        <a:alpha val="90000"/>
+      </a:schemeClr>
+      <a:schemeClr val="accent4">
+        <a:tint val="40000"/>
+        <a:alpha val="90000"/>
+      </a:schemeClr>
+      <a:schemeClr val="accent5">
+        <a:tint val="40000"/>
+        <a:alpha val="90000"/>
+      </a:schemeClr>
+      <a:schemeClr val="accent6">
+        <a:tint val="40000"/>
+        <a:alpha val="90000"/>
+      </a:schemeClr>
+    </dgm:fillClrLst>
+    <dgm:linClrLst meth="repeat">
+      <a:schemeClr val="accent2">
+        <a:tint val="40000"/>
+        <a:alpha val="90000"/>
+      </a:schemeClr>
+      <a:schemeClr val="accent3">
+        <a:tint val="40000"/>
+        <a:alpha val="90000"/>
+      </a:schemeClr>
+      <a:schemeClr val="accent4">
+        <a:tint val="40000"/>
+        <a:alpha val="90000"/>
+      </a:schemeClr>
+      <a:schemeClr val="accent5">
+        <a:tint val="40000"/>
+        <a:alpha val="90000"/>
+      </a:schemeClr>
+      <a:schemeClr val="accent6">
+        <a:tint val="40000"/>
+        <a:alpha val="90000"/>
+      </a:schemeClr>
+    </dgm:linClrLst>
+    <dgm:effectClrLst/>
+    <dgm:txLinClrLst/>
+    <dgm:txFillClrLst meth="repeat">
+      <a:schemeClr val="dk1"/>
+    </dgm:txFillClrLst>
+    <dgm:txEffectClrLst/>
+  </dgm:styleLbl>
+  <dgm:styleLbl name="alignAccFollowNode1">
+    <dgm:fillClrLst meth="repeat">
+      <a:schemeClr val="accent2">
+        <a:tint val="40000"/>
+        <a:alpha val="90000"/>
+      </a:schemeClr>
+      <a:schemeClr val="accent3">
+        <a:tint val="40000"/>
+        <a:alpha val="90000"/>
+      </a:schemeClr>
+      <a:schemeClr val="accent4">
+        <a:tint val="40000"/>
+        <a:alpha val="90000"/>
+      </a:schemeClr>
+      <a:schemeClr val="accent5">
+        <a:tint val="40000"/>
+        <a:alpha val="90000"/>
+      </a:schemeClr>
+      <a:schemeClr val="accent6">
+        <a:tint val="40000"/>
+        <a:alpha val="90000"/>
+      </a:schemeClr>
+    </dgm:fillClrLst>
+    <dgm:linClrLst meth="repeat">
+      <a:schemeClr val="accent2">
+        <a:tint val="40000"/>
+        <a:alpha val="90000"/>
+      </a:schemeClr>
+      <a:schemeClr val="accent3">
+        <a:tint val="40000"/>
+        <a:alpha val="90000"/>
+      </a:schemeClr>
+      <a:schemeClr val="accent4">
+        <a:tint val="40000"/>
+        <a:alpha val="90000"/>
+      </a:schemeClr>
+      <a:schemeClr val="accent5">
+        <a:tint val="40000"/>
+        <a:alpha val="90000"/>
+      </a:schemeClr>
+      <a:schemeClr val="accent6">
+        <a:tint val="40000"/>
+        <a:alpha val="90000"/>
+      </a:schemeClr>
+    </dgm:linClrLst>
+    <dgm:effectClrLst/>
+    <dgm:txLinClrLst/>
+    <dgm:txFillClrLst meth="repeat">
+      <a:schemeClr val="dk1"/>
+    </dgm:txFillClrLst>
+    <dgm:txEffectClrLst/>
+  </dgm:styleLbl>
+  <dgm:styleLbl name="bgAccFollowNode1">
+    <dgm:fillClrLst meth="repeat">
+      <a:schemeClr val="accent2">
+        <a:tint val="40000"/>
+        <a:alpha val="90000"/>
+      </a:schemeClr>
+      <a:schemeClr val="accent3">
+        <a:tint val="40000"/>
+        <a:alpha val="90000"/>
+      </a:schemeClr>
+      <a:schemeClr val="accent4">
+        <a:tint val="40000"/>
+        <a:alpha val="90000"/>
+      </a:schemeClr>
+      <a:schemeClr val="accent5">
+        <a:tint val="40000"/>
+        <a:alpha val="90000"/>
+      </a:schemeClr>
+      <a:schemeClr val="accent6">
+        <a:tint val="40000"/>
+        <a:alpha val="90000"/>
+      </a:schemeClr>
+    </dgm:fillClrLst>
+    <dgm:linClrLst meth="repeat">
+      <a:schemeClr val="accent2">
+        <a:tint val="40000"/>
+        <a:alpha val="90000"/>
+      </a:schemeClr>
+      <a:schemeClr val="accent3">
+        <a:tint val="40000"/>
+        <a:alpha val="90000"/>
+      </a:schemeClr>
+      <a:schemeClr val="accent4">
+        <a:tint val="40000"/>
+        <a:alpha val="90000"/>
+      </a:schemeClr>
+      <a:schemeClr val="accent5">
+        <a:tint val="40000"/>
+        <a:alpha val="90000"/>
+      </a:schemeClr>
+      <a:schemeClr val="accent6">
+        <a:tint val="40000"/>
+        <a:alpha val="90000"/>
+      </a:schemeClr>
+    </dgm:linClrLst>
+    <dgm:effectClrLst/>
+    <dgm:txLinClrLst/>
+    <dgm:txFillClrLst meth="repeat">
+      <a:schemeClr val="dk1"/>
+    </dgm:txFillClrLst>
+    <dgm:txEffectClrLst/>
+  </dgm:styleLbl>
+  <dgm:styleLbl name="fgAcc0">
+    <dgm:fillClrLst meth="repeat">
+      <a:schemeClr val="lt1">
+        <a:alpha val="90000"/>
+      </a:schemeClr>
+    </dgm:fillClrLst>
+    <dgm:linClrLst>
+      <a:schemeClr val="accent1"/>
+    </dgm:linClrLst>
+    <dgm:effectClrLst/>
+    <dgm:txLinClrLst/>
+    <dgm:txFillClrLst meth="repeat">
+      <a:schemeClr val="dk1"/>
+    </dgm:txFillClrLst>
+    <dgm:txEffectClrLst/>
+  </dgm:styleLbl>
+  <dgm:styleLbl name="fgAcc2">
+    <dgm:fillClrLst meth="repeat">
+      <a:schemeClr val="lt1">
+        <a:alpha val="90000"/>
+      </a:schemeClr>
+    </dgm:fillClrLst>
+    <dgm:linClrLst>
+      <a:schemeClr val="accent2"/>
+    </dgm:linClrLst>
+    <dgm:effectClrLst/>
+    <dgm:txLinClrLst/>
+    <dgm:txFillClrLst meth="repeat">
+      <a:schemeClr val="dk1"/>
+    </dgm:txFillClrLst>
+    <dgm:txEffectClrLst/>
+  </dgm:styleLbl>
+  <dgm:styleLbl name="fgAcc3">
+    <dgm:fillClrLst meth="repeat">
+      <a:schemeClr val="lt1">
+        <a:alpha val="90000"/>
+      </a:schemeClr>
+    </dgm:fillClrLst>
+    <dgm:linClrLst>
+      <a:schemeClr val="accent3"/>
+    </dgm:linClrLst>
+    <dgm:effectClrLst/>
+    <dgm:txLinClrLst/>
+    <dgm:txFillClrLst meth="repeat">
+      <a:schemeClr val="dk1"/>
+    </dgm:txFillClrLst>
+    <dgm:txEffectClrLst/>
+  </dgm:styleLbl>
+  <dgm:styleLbl name="fgAcc4">
+    <dgm:fillClrLst meth="repeat">
+      <a:schemeClr val="lt1">
+        <a:alpha val="90000"/>
+      </a:schemeClr>
+    </dgm:fillClrLst>
+    <dgm:linClrLst>
+      <a:schemeClr val="accent4"/>
+    </dgm:linClrLst>
+    <dgm:effectClrLst/>
+    <dgm:txLinClrLst/>
+    <dgm:txFillClrLst meth="repeat">
+      <a:schemeClr val="dk1"/>
+    </dgm:txFillClrLst>
+    <dgm:txEffectClrLst/>
+  </dgm:styleLbl>
+  <dgm:styleLbl name="bgShp">
+    <dgm:fillClrLst meth="repeat">
+      <a:schemeClr val="accent2">
+        <a:tint val="40000"/>
+      </a:schemeClr>
+    </dgm:fillClrLst>
+    <dgm:linClrLst meth="repeat">
+      <a:schemeClr val="dk1"/>
+    </dgm:linClrLst>
+    <dgm:effectClrLst/>
+    <dgm:txLinClrLst/>
+    <dgm:txFillClrLst meth="repeat">
+      <a:schemeClr val="dk1"/>
+    </dgm:txFillClrLst>
+    <dgm:txEffectClrLst/>
+  </dgm:styleLbl>
+  <dgm:styleLbl name="dkBgShp">
+    <dgm:fillClrLst meth="repeat">
+      <a:schemeClr val="accent2">
+        <a:shade val="90000"/>
+      </a:schemeClr>
+    </dgm:fillClrLst>
+    <dgm:linClrLst meth="repeat">
+      <a:schemeClr val="dk1"/>
+    </dgm:linClrLst>
+    <dgm:effectClrLst/>
+    <dgm:txLinClrLst/>
+    <dgm:txFillClrLst meth="repeat">
+      <a:schemeClr val="lt1"/>
+    </dgm:txFillClrLst>
+    <dgm:txEffectClrLst/>
+  </dgm:styleLbl>
+  <dgm:styleLbl name="trBgShp">
+    <dgm:fillClrLst meth="repeat">
+      <a:schemeClr val="accent1">
+        <a:tint val="50000"/>
+        <a:alpha val="40000"/>
+      </a:schemeClr>
+    </dgm:fillClrLst>
+    <dgm:linClrLst meth="repeat">
+      <a:schemeClr val="accent2"/>
+    </dgm:linClrLst>
+    <dgm:effectClrLst/>
+    <dgm:txLinClrLst/>
+    <dgm:txFillClrLst meth="repeat">
+      <a:schemeClr val="lt1"/>
+    </dgm:txFillClrLst>
+    <dgm:txEffectClrLst/>
+  </dgm:styleLbl>
+  <dgm:styleLbl name="fgShp">
+    <dgm:fillClrLst meth="repeat">
+      <a:schemeClr val="accent2">
+        <a:tint val="40000"/>
+      </a:schemeClr>
+    </dgm:fillClrLst>
+    <dgm:linClrLst meth="repeat">
+      <a:schemeClr val="lt1"/>
+    </dgm:linClrLst>
+    <dgm:effectClrLst/>
+    <dgm:txLinClrLst/>
+    <dgm:txFillClrLst meth="repeat">
+      <a:schemeClr val="dk1"/>
+    </dgm:txFillClrLst>
+    <dgm:txEffectClrLst/>
+  </dgm:styleLbl>
+  <dgm:styleLbl name="revTx">
+    <dgm:fillClrLst meth="repeat">
+      <a:schemeClr val="lt1">
+        <a:alpha val="0"/>
+      </a:schemeClr>
+    </dgm:fillClrLst>
+    <dgm:linClrLst meth="repeat">
+      <a:schemeClr val="dk1">
+        <a:alpha val="0"/>
+      </a:schemeClr>
+    </dgm:linClrLst>
+    <dgm:effectClrLst/>
+    <dgm:txLinClrLst/>
+    <dgm:txFillClrLst meth="repeat">
+      <a:schemeClr val="tx1"/>
+    </dgm:txFillClrLst>
+    <dgm:txEffectClrLst/>
+  </dgm:styleLbl>
+</dgm:colorsDef>
+</file>
+
+<file path=ppt/diagrams/data1.xml><?xml version="1.0" encoding="utf-8"?>
+<dgm:dataModel xmlns:dgm="http://schemas.openxmlformats.org/drawingml/2006/diagram" xmlns:a="http://schemas.openxmlformats.org/drawingml/2006/main">
+  <dgm:ptLst>
+    <dgm:pt modelId="{3419DC42-4822-4699-A147-26A8BDFA4B64}" type="doc">
+      <dgm:prSet loTypeId="urn:microsoft.com/office/officeart/2005/8/layout/vList2" loCatId="Inbox" qsTypeId="urn:microsoft.com/office/officeart/2005/8/quickstyle/simple1" qsCatId="simple" csTypeId="urn:microsoft.com/office/officeart/2005/8/colors/accent3_2" csCatId="accent3" phldr="1"/>
+      <dgm:spPr/>
+      <dgm:t>
+        <a:bodyPr/>
+        <a:lstStyle/>
+        <a:p>
+          <a:endParaRPr lang="en-US"/>
+        </a:p>
+      </dgm:t>
+    </dgm:pt>
+    <dgm:pt modelId="{347BAD59-9C74-4539-8F05-7AC3ADBE9081}">
+      <dgm:prSet custT="1"/>
+      <dgm:spPr/>
+      <dgm:t>
+        <a:bodyPr/>
+        <a:lstStyle/>
+        <a:p>
+          <a:r>
+            <a:rPr lang="en-US" sz="1600" b="1" dirty="0"/>
+            <a:t>Q1 (10 Pts): Detectives Cipher</a:t>
+          </a:r>
+        </a:p>
+        <a:p>
+          <a:r>
+            <a:rPr lang="en-US" sz="1100" dirty="0"/>
+            <a:t>Can you crack this ciphertext:</a:t>
+          </a:r>
+        </a:p>
+        <a:p>
+          <a:r>
+            <a:rPr lang="en-US" sz="1100" dirty="0"/>
+            <a:t>Ciphertext: NYOT ASYTG ERZ AGVGR QGETA EUY YOT NEHBGTA LTYOUBH NYTHB YR HBIA SYRHIRGRH, E RGC REHIYR, SYRSGIVGZ IR DILGTHQ, ERZ ZGZISEHGZ HY HBG FTYFYAIHIYR HBEH EDD KGR ETG STGEHGZ GMOED.</a:t>
+          </a:r>
+        </a:p>
+      </dgm:t>
+    </dgm:pt>
+    <dgm:pt modelId="{8361E152-E0B7-47F4-966B-49D491A2F6E5}" type="parTrans" cxnId="{290428DF-0A4E-47CE-875B-3320BFC770B5}">
+      <dgm:prSet/>
+      <dgm:spPr/>
+      <dgm:t>
+        <a:bodyPr/>
+        <a:lstStyle/>
+        <a:p>
+          <a:endParaRPr lang="en-US"/>
+        </a:p>
+      </dgm:t>
+    </dgm:pt>
+    <dgm:pt modelId="{F0FCCD03-E0D3-472F-A2FE-F6A3D8E2CD63}" type="sibTrans" cxnId="{290428DF-0A4E-47CE-875B-3320BFC770B5}">
+      <dgm:prSet/>
+      <dgm:spPr/>
+      <dgm:t>
+        <a:bodyPr/>
+        <a:lstStyle/>
+        <a:p>
+          <a:endParaRPr lang="en-US"/>
+        </a:p>
+      </dgm:t>
+    </dgm:pt>
+    <dgm:pt modelId="{110AEA79-F37B-4405-95D8-E374F24ADAA7}">
+      <dgm:prSet custT="1"/>
+      <dgm:spPr/>
+      <dgm:t>
+        <a:bodyPr/>
+        <a:lstStyle/>
+        <a:p>
+          <a:r>
+            <a:rPr lang="en-US" sz="1600" b="1" dirty="0"/>
+            <a:t>Q2 (15 Pts): Unlucky</a:t>
+          </a:r>
+        </a:p>
+        <a:p>
+          <a:r>
+            <a:rPr lang="en-US" sz="1100" dirty="0"/>
+            <a:t>Can you crack this ciphertext:</a:t>
+          </a:r>
+        </a:p>
+        <a:p>
+          <a:r>
+            <a:rPr lang="en-US" sz="1100" dirty="0"/>
+            <a:t>Ciphertext: </a:t>
+          </a:r>
+          <a:r>
+            <a:rPr lang="en-US" sz="1100" b="0" i="0" dirty="0" err="1"/>
+            <a:t>dvxai</a:t>
+          </a:r>
+          <a:r>
+            <a:rPr lang="en-US" sz="1100" b="0" i="0" dirty="0"/>
+            <a:t> </a:t>
+          </a:r>
+          <a:r>
+            <a:rPr lang="en-US" sz="1100" b="0" i="0" dirty="0" err="1"/>
+            <a:t>elwiwii</a:t>
+          </a:r>
+          <a:r>
+            <a:rPr lang="en-US" sz="1100" b="0" i="0" dirty="0"/>
+            <a:t> </a:t>
+          </a:r>
+          <a:r>
+            <a:rPr lang="en-US" sz="1100" b="0" i="0" dirty="0" err="1"/>
+            <a:t>oceeii</a:t>
+          </a:r>
+          <a:r>
+            <a:rPr lang="en-US" sz="1100" b="0" i="0" dirty="0"/>
+            <a:t> </a:t>
+          </a:r>
+          <a:r>
+            <a:rPr lang="en-US" sz="1100" b="0" i="0" dirty="0" err="1"/>
+            <a:t>ucg</a:t>
+          </a:r>
+          <a:r>
+            <a:rPr lang="en-US" sz="1100" b="0" i="0" dirty="0"/>
+            <a:t> </a:t>
+          </a:r>
+          <a:r>
+            <a:rPr lang="en-US" sz="1100" b="0" i="0" dirty="0" err="1"/>
+            <a:t>wii</a:t>
+          </a:r>
+          <a:r>
+            <a:rPr lang="en-US" sz="1100" b="0" i="0" dirty="0"/>
+            <a:t> </a:t>
+          </a:r>
+          <a:r>
+            <a:rPr lang="en-US" sz="1100" b="0" i="0" dirty="0" err="1"/>
+            <a:t>jftl</a:t>
+          </a:r>
+          <a:r>
+            <a:rPr lang="en-US" sz="1100" b="0" i="0" dirty="0"/>
+            <a:t> </a:t>
+          </a:r>
+          <a:r>
+            <a:rPr lang="en-US" sz="1100" b="0" i="0" dirty="0" err="1"/>
+            <a:t>qvuhxdrvk</a:t>
+          </a:r>
+          <a:r>
+            <a:rPr lang="en-US" sz="1100" b="0" i="0" dirty="0"/>
+            <a:t> </a:t>
+          </a:r>
+          <a:r>
+            <a:rPr lang="en-US" sz="1100" b="0" i="0" dirty="0" err="1"/>
+            <a:t>hwt</a:t>
+          </a:r>
+          <a:r>
+            <a:rPr lang="en-US" sz="1100" b="0" i="0" dirty="0"/>
+            <a:t> </a:t>
+          </a:r>
+          <a:r>
+            <a:rPr lang="en-US" sz="1100" b="0" i="0" dirty="0" err="1"/>
+            <a:t>tyyoht</a:t>
+          </a:r>
+          <a:r>
+            <a:rPr lang="en-US" sz="1100" b="0" i="0" dirty="0"/>
+            <a:t> "</a:t>
+          </a:r>
+          <a:r>
+            <a:rPr lang="en-US" sz="1100" b="0" i="0" dirty="0" err="1"/>
+            <a:t>hviivvmen</a:t>
+          </a:r>
+          <a:r>
+            <a:rPr lang="en-US" sz="1100" b="0" i="0" dirty="0"/>
+            <a:t>" </a:t>
+          </a:r>
+          <a:r>
+            <a:rPr lang="en-US" sz="1100" b="0" i="0" dirty="0" err="1"/>
+            <a:t>wc</a:t>
+          </a:r>
+          <a:r>
+            <a:rPr lang="en-US" sz="1100" b="0" i="0" dirty="0"/>
+            <a:t> </a:t>
+          </a:r>
+          <a:r>
+            <a:rPr lang="en-US" sz="1100" b="0" i="0" dirty="0" err="1"/>
+            <a:t>ilvpf</a:t>
+          </a:r>
+          <a:r>
+            <a:rPr lang="en-US" sz="1100" b="0" i="0" dirty="0"/>
+            <a:t> </a:t>
+          </a:r>
+          <a:r>
+            <a:rPr lang="en-US" sz="1100" b="0" i="0" dirty="0" err="1"/>
+            <a:t>adkj</a:t>
+          </a:r>
+          <a:r>
+            <a:rPr lang="en-US" sz="1100" b="0" i="0" dirty="0"/>
+            <a:t>, </a:t>
+          </a:r>
+          <a:r>
+            <a:rPr lang="en-US" sz="1100" b="0" i="0" dirty="0" err="1"/>
+            <a:t>avt</a:t>
+          </a:r>
+          <a:r>
+            <a:rPr lang="en-US" sz="1100" b="0" i="0" dirty="0"/>
+            <a:t> </a:t>
+          </a:r>
+          <a:r>
+            <a:rPr lang="en-US" sz="1100" b="0" i="0" dirty="0" err="1"/>
+            <a:t>rejl</a:t>
+          </a:r>
+          <a:r>
+            <a:rPr lang="en-US" sz="1100" b="0" i="0" dirty="0"/>
+            <a:t> </a:t>
+          </a:r>
+          <a:r>
+            <a:rPr lang="en-US" sz="1100" b="0" i="0" dirty="0" err="1"/>
+            <a:t>kph</a:t>
+          </a:r>
+          <a:r>
+            <a:rPr lang="en-US" sz="1100" b="0" i="0" dirty="0"/>
+            <a:t> </a:t>
+          </a:r>
+          <a:r>
+            <a:rPr lang="en-US" sz="1100" b="0" i="0" dirty="0" err="1"/>
+            <a:t>lvsr</a:t>
+          </a:r>
+          <a:r>
+            <a:rPr lang="en-US" sz="1100" b="0" i="0" dirty="0"/>
+            <a:t> </a:t>
+          </a:r>
+          <a:r>
+            <a:rPr lang="en-US" sz="1100" b="0" i="0" dirty="0" err="1"/>
+            <a:t>ph</a:t>
+          </a:r>
+          <a:r>
+            <a:rPr lang="en-US" sz="1100" b="0" i="0" dirty="0"/>
+            <a:t> </a:t>
+          </a:r>
+          <a:r>
+            <a:rPr lang="en-US" sz="1100" b="0" i="0" dirty="0" err="1"/>
+            <a:t>ee</a:t>
+          </a:r>
+          <a:r>
+            <a:rPr lang="en-US" sz="1100" b="0" i="0" dirty="0"/>
+            <a:t> </a:t>
+          </a:r>
+          <a:r>
+            <a:rPr lang="en-US" sz="1100" b="0" i="0" dirty="0" err="1"/>
+            <a:t>pbhieejs</a:t>
+          </a:r>
+          <a:r>
+            <a:rPr lang="en-US" sz="1100" b="0" i="0" dirty="0"/>
+            <a:t> du </a:t>
+          </a:r>
+          <a:r>
+            <a:rPr lang="en-US" sz="1100" b="0" i="0" dirty="0" err="1"/>
+            <a:t>pzasgpp</a:t>
+          </a:r>
+          <a:r>
+            <a:rPr lang="en-US" sz="1100" b="0" i="0" dirty="0"/>
+            <a:t> "</a:t>
+          </a:r>
+          <a:r>
+            <a:rPr lang="en-US" sz="1100" b="0" i="0" dirty="0" err="1"/>
+            <a:t>ulpjvkzuu</a:t>
+          </a:r>
+          <a:r>
+            <a:rPr lang="en-US" sz="1100" b="0" i="0" dirty="0"/>
+            <a:t>." iwi </a:t>
+          </a:r>
+          <a:r>
+            <a:rPr lang="en-US" sz="1100" b="0" i="0" dirty="0" err="1"/>
+            <a:t>klfb</a:t>
+          </a:r>
+          <a:r>
+            <a:rPr lang="en-US" sz="1100" b="0" i="0" dirty="0"/>
+            <a:t> </a:t>
+          </a:r>
+          <a:r>
+            <a:rPr lang="en-US" sz="1100" b="0" i="0" dirty="0" err="1"/>
+            <a:t>qyx</a:t>
+          </a:r>
+          <a:r>
+            <a:rPr lang="en-US" sz="1100" b="0" i="0" dirty="0"/>
+            <a:t> </a:t>
+          </a:r>
+          <a:r>
+            <a:rPr lang="en-US" sz="1100" b="0" i="0" dirty="0" err="1"/>
+            <a:t>oos</a:t>
+          </a:r>
+          <a:r>
+            <a:rPr lang="en-US" sz="1100" b="0" i="0" dirty="0"/>
+            <a:t> </a:t>
+          </a:r>
+          <a:r>
+            <a:rPr lang="en-US" sz="1100" b="0" i="0" dirty="0" err="1"/>
+            <a:t>qivu</a:t>
+          </a:r>
+          <a:r>
+            <a:rPr lang="en-US" sz="1100" b="0" i="0" dirty="0"/>
+            <a:t> </a:t>
+          </a:r>
+          <a:r>
+            <a:rPr lang="en-US" sz="1100" b="0" i="0" dirty="0" err="1"/>
+            <a:t>wc</a:t>
+          </a:r>
+          <a:r>
+            <a:rPr lang="en-US" sz="1100" b="0" i="0" dirty="0"/>
+            <a:t> </a:t>
+          </a:r>
+          <a:r>
+            <a:rPr lang="en-US" sz="1100" b="0" i="0" dirty="0" err="1"/>
+            <a:t>jwv</a:t>
+          </a:r>
+          <a:r>
+            <a:rPr lang="en-US" sz="1100" b="0" i="0" dirty="0"/>
+            <a:t> mcg beef </a:t>
+          </a:r>
+          <a:r>
+            <a:rPr lang="en-US" sz="1100" b="0" i="0" dirty="0" err="1"/>
+            <a:t>mtpvj</a:t>
+          </a:r>
+          <a:r>
+            <a:rPr lang="en-US" sz="1100" b="0" i="0" dirty="0"/>
+            <a:t> </a:t>
+          </a:r>
+          <a:r>
+            <a:rPr lang="en-US" sz="1100" b="0" i="0" dirty="0" err="1"/>
+            <a:t>pb</a:t>
+          </a:r>
+          <a:r>
+            <a:rPr lang="en-US" sz="1100" b="0" i="0" dirty="0"/>
+            <a:t> </a:t>
+          </a:r>
+          <a:r>
+            <a:rPr lang="en-US" sz="1100" b="0" i="0" dirty="0" err="1"/>
+            <a:t>tckzustgmen</a:t>
+          </a:r>
+          <a:r>
+            <a:rPr lang="en-US" sz="1100" b="0" i="0" dirty="0"/>
+            <a:t>.</a:t>
+          </a:r>
+          <a:endParaRPr lang="en-US" sz="1100" dirty="0"/>
+        </a:p>
+      </dgm:t>
+    </dgm:pt>
+    <dgm:pt modelId="{72BC29DE-8B98-4091-A01F-AE6759793BB9}" type="parTrans" cxnId="{19C7014E-1FF8-4FDD-A421-FE342653015D}">
+      <dgm:prSet/>
+      <dgm:spPr/>
+      <dgm:t>
+        <a:bodyPr/>
+        <a:lstStyle/>
+        <a:p>
+          <a:endParaRPr lang="en-US"/>
+        </a:p>
+      </dgm:t>
+    </dgm:pt>
+    <dgm:pt modelId="{BCC4C920-E8AB-404F-899F-45AFCD63D291}" type="sibTrans" cxnId="{19C7014E-1FF8-4FDD-A421-FE342653015D}">
+      <dgm:prSet/>
+      <dgm:spPr/>
+      <dgm:t>
+        <a:bodyPr/>
+        <a:lstStyle/>
+        <a:p>
+          <a:endParaRPr lang="en-US"/>
+        </a:p>
+      </dgm:t>
+    </dgm:pt>
+    <dgm:pt modelId="{3AF6C46E-AB8B-4344-B24B-8B0E10F09453}">
+      <dgm:prSet custT="1"/>
+      <dgm:spPr/>
+      <dgm:t>
+        <a:bodyPr/>
+        <a:lstStyle/>
+        <a:p>
+          <a:r>
+            <a:rPr lang="en-US" sz="1600" b="1" dirty="0"/>
+            <a:t>Q3 (15 Pts): Hold On To The</a:t>
+          </a:r>
+        </a:p>
+        <a:p>
+          <a:r>
+            <a:rPr lang="en-US" sz="1100" dirty="0"/>
+            <a:t>Can you crack this ciphertext:</a:t>
+          </a:r>
+        </a:p>
+        <a:p>
+          <a:r>
+            <a:rPr lang="en-US" sz="1100" b="0" i="0" dirty="0"/>
+            <a:t>T </a:t>
+          </a:r>
+          <a:r>
+            <a:rPr lang="en-US" sz="1100" b="0" i="0" dirty="0" err="1"/>
+            <a:t>ai</a:t>
+          </a:r>
+          <a:r>
+            <a:rPr lang="en-US" sz="1100" b="0" i="0" dirty="0"/>
+            <a:t> h </a:t>
+          </a:r>
+          <a:r>
+            <a:rPr lang="en-US" sz="1100" b="0" i="0" dirty="0" err="1"/>
+            <a:t>lcir</a:t>
+          </a:r>
+          <a:r>
+            <a:rPr lang="en-US" sz="1100" b="0" i="0" dirty="0"/>
+            <a:t> </a:t>
+          </a:r>
+          <a:r>
+            <a:rPr lang="en-US" sz="1100" b="0" i="0" dirty="0" err="1"/>
+            <a:t>ieatsn</a:t>
+          </a:r>
+          <a:r>
+            <a:rPr lang="en-US" sz="1100" b="0" i="0" dirty="0"/>
+            <a:t> t </a:t>
+          </a:r>
+          <a:r>
+            <a:rPr lang="en-US" sz="1100" b="0" i="0" dirty="0" err="1"/>
+            <a:t>dtr.vuhsi</a:t>
+          </a:r>
+          <a:r>
+            <a:rPr lang="en-US" sz="1100" b="0" i="0" dirty="0"/>
+            <a:t> </a:t>
+          </a:r>
+          <a:r>
+            <a:rPr lang="en-US" sz="1100" b="0" i="0" dirty="0" err="1"/>
+            <a:t>rcycpe.Terifnecpe</a:t>
+          </a:r>
+          <a:r>
+            <a:rPr lang="en-US" sz="1100" b="0" i="0" dirty="0"/>
+            <a:t> </a:t>
+          </a:r>
+          <a:r>
+            <a:rPr lang="en-US" sz="1100" b="0" i="0" dirty="0" err="1"/>
+            <a:t>sdfntl</a:t>
+          </a:r>
+          <a:r>
+            <a:rPr lang="en-US" sz="1100" b="0" i="0" dirty="0"/>
+            <a:t> o </a:t>
+          </a:r>
+          <a:r>
+            <a:rPr lang="en-US" sz="1100" b="0" i="0" dirty="0" err="1"/>
+            <a:t>eskonadqieabthre</a:t>
+          </a:r>
+          <a:r>
+            <a:rPr lang="en-US" sz="1100" b="0" i="0" dirty="0"/>
+            <a:t> </a:t>
+          </a:r>
+          <a:r>
+            <a:rPr lang="en-US" sz="1100" b="0" i="0" dirty="0" err="1"/>
+            <a:t>ocak</a:t>
+          </a:r>
+          <a:r>
+            <a:rPr lang="en-US" sz="1100" b="0" i="0" dirty="0"/>
+            <a:t> </a:t>
+          </a:r>
+          <a:r>
+            <a:rPr lang="en-US" sz="1100" b="0" i="0" dirty="0" err="1"/>
+            <a:t>aefnistkirhae</a:t>
+          </a:r>
+          <a:r>
+            <a:rPr lang="en-US" sz="1100" b="0" i="0" dirty="0"/>
+            <a:t> </a:t>
+          </a:r>
+          <a:r>
+            <a:rPr lang="en-US" sz="1100" b="0" i="0" dirty="0" err="1"/>
+            <a:t>hieiyll</a:t>
+          </a:r>
+          <a:r>
+            <a:rPr lang="en-US" sz="1100" b="0" i="0" dirty="0"/>
+            <a:t> </a:t>
+          </a:r>
+          <a:r>
+            <a:rPr lang="en-US" sz="1100" b="0" i="0" dirty="0" err="1"/>
+            <a:t>wnu</a:t>
+          </a:r>
+          <a:r>
+            <a:rPr lang="en-US" sz="1100" b="0" i="0" dirty="0"/>
+            <a:t> </a:t>
+          </a:r>
+          <a:r>
+            <a:rPr lang="en-US" sz="1100" b="0" i="0" dirty="0" err="1"/>
+            <a:t>iar</a:t>
+          </a:r>
+          <a:r>
+            <a:rPr lang="en-US" sz="1100" b="0" i="0" dirty="0"/>
+            <a:t> </a:t>
+          </a:r>
+          <a:r>
+            <a:rPr lang="en-US" sz="1100" b="0" i="0" dirty="0" err="1"/>
+            <a:t>cH</a:t>
+          </a:r>
+          <a:r>
+            <a:rPr lang="en-US" sz="1100" b="0" i="0" dirty="0"/>
+            <a:t> !</a:t>
+          </a:r>
+          <a:endParaRPr lang="en-US" sz="1100" dirty="0"/>
+        </a:p>
+      </dgm:t>
+    </dgm:pt>
+    <dgm:pt modelId="{B5D7B338-26C7-4393-B747-726AF4BA165A}" type="parTrans" cxnId="{8773A551-C236-4DBC-A373-7A328F79B9B6}">
+      <dgm:prSet/>
+      <dgm:spPr/>
+      <dgm:t>
+        <a:bodyPr/>
+        <a:lstStyle/>
+        <a:p>
+          <a:endParaRPr lang="en-US"/>
+        </a:p>
+      </dgm:t>
+    </dgm:pt>
+    <dgm:pt modelId="{24CA3307-1E4D-4447-8B93-7FECFD25178F}" type="sibTrans" cxnId="{8773A551-C236-4DBC-A373-7A328F79B9B6}">
+      <dgm:prSet/>
+      <dgm:spPr/>
+      <dgm:t>
+        <a:bodyPr/>
+        <a:lstStyle/>
+        <a:p>
+          <a:endParaRPr lang="en-US"/>
+        </a:p>
+      </dgm:t>
+    </dgm:pt>
+    <dgm:pt modelId="{49F7B4EE-5C83-43C7-81E0-A446E56B5914}">
+      <dgm:prSet custT="1"/>
+      <dgm:spPr/>
+      <dgm:t>
+        <a:bodyPr/>
+        <a:lstStyle/>
+        <a:p>
+          <a:r>
+            <a:rPr lang="en-US" sz="1600" b="1" dirty="0"/>
+            <a:t>Q4 (20 Pts): Play This Way</a:t>
+          </a:r>
+        </a:p>
+        <a:p>
+          <a:r>
+            <a:rPr lang="en-US" sz="1100" dirty="0"/>
+            <a:t>Can you crack this ciphertext:</a:t>
+          </a:r>
+        </a:p>
+        <a:p>
+          <a:r>
+            <a:rPr lang="en-US" sz="1100" b="0" i="0" dirty="0" err="1"/>
+            <a:t>Siht</a:t>
+          </a:r>
+          <a:r>
+            <a:rPr lang="en-US" sz="1100" b="0" i="0" dirty="0"/>
+            <a:t> </a:t>
+          </a:r>
+          <a:r>
+            <a:rPr lang="en-US" sz="1100" b="0" i="0" dirty="0" err="1"/>
+            <a:t>dhnkbu</a:t>
+          </a:r>
+          <a:r>
+            <a:rPr lang="en-US" sz="1100" b="0" i="0" dirty="0"/>
+            <a:t> </a:t>
+          </a:r>
+          <a:r>
+            <a:rPr lang="en-US" sz="1100" b="0" i="0" dirty="0" err="1"/>
+            <a:t>ht</a:t>
+          </a:r>
+          <a:r>
+            <a:rPr lang="en-US" sz="1100" b="0" i="0" dirty="0"/>
+            <a:t> </a:t>
+          </a:r>
+          <a:r>
+            <a:rPr lang="en-US" sz="1100" b="0" i="0" dirty="0" err="1"/>
+            <a:t>eagkohudov</a:t>
+          </a:r>
+          <a:r>
+            <a:rPr lang="en-US" sz="1100" b="0" i="0" dirty="0"/>
+            <a:t> </a:t>
+          </a:r>
+          <a:r>
+            <a:rPr lang="en-US" sz="1100" b="0" i="0" dirty="0" err="1"/>
+            <a:t>zatw</a:t>
+          </a:r>
+          <a:r>
+            <a:rPr lang="en-US" sz="1100" b="0" i="0" dirty="0"/>
+            <a:t> </a:t>
+          </a:r>
+          <a:r>
+            <a:rPr lang="en-US" sz="1100" b="0" i="0" dirty="0" err="1"/>
+            <a:t>iommhdqpy</a:t>
+          </a:r>
+          <a:r>
+            <a:rPr lang="en-US" sz="1100" b="0" i="0" dirty="0"/>
+            <a:t>. Oi </a:t>
+          </a:r>
+          <a:r>
+            <a:rPr lang="en-US" sz="1100" b="0" i="0" dirty="0" err="1"/>
+            <a:t>vpt</a:t>
+          </a:r>
+          <a:r>
+            <a:rPr lang="en-US" sz="1100" b="0" i="0" dirty="0"/>
+            <a:t> </a:t>
+          </a:r>
+          <a:r>
+            <a:rPr lang="en-US" sz="1100" b="0" i="0" dirty="0" err="1"/>
+            <a:t>dbs</a:t>
+          </a:r>
+          <a:r>
+            <a:rPr lang="en-US" sz="1100" b="0" i="0" dirty="0"/>
+            <a:t> </a:t>
+          </a:r>
+          <a:r>
+            <a:rPr lang="en-US" sz="1100" b="0" i="0" dirty="0" err="1"/>
+            <a:t>xpmza</a:t>
+          </a:r>
+          <a:r>
+            <a:rPr lang="en-US" sz="1100" b="0" i="0" dirty="0"/>
+            <a:t> oy G </a:t>
+          </a:r>
+          <a:r>
+            <a:rPr lang="en-US" sz="1100" b="0" i="0" dirty="0" err="1"/>
+            <a:t>yfom</a:t>
+          </a:r>
+          <a:r>
+            <a:rPr lang="en-US" sz="1100" b="0" i="0" dirty="0"/>
+            <a:t> aa </a:t>
+          </a:r>
+          <a:r>
+            <a:rPr lang="en-US" sz="1100" b="0" i="0" dirty="0" err="1"/>
+            <a:t>zbud</a:t>
+          </a:r>
+          <a:r>
+            <a:rPr lang="en-US" sz="1100" b="0" i="0" dirty="0"/>
+            <a:t> </a:t>
+          </a:r>
+          <a:r>
+            <a:rPr lang="en-US" sz="1100" b="0" i="0" dirty="0" err="1"/>
+            <a:t>onlubyyae</a:t>
+          </a:r>
+          <a:r>
+            <a:rPr lang="en-US" sz="1100" b="0" i="0" dirty="0"/>
+            <a:t>! </a:t>
+          </a:r>
+          <a:r>
+            <a:rPr lang="en-US" sz="1100" b="0" i="0" dirty="0" err="1"/>
+            <a:t>Poc</a:t>
+          </a:r>
+          <a:r>
+            <a:rPr lang="en-US" sz="1100" b="0" i="0" dirty="0"/>
+            <a:t> </a:t>
+          </a:r>
+          <a:r>
+            <a:rPr lang="en-US" sz="1100" b="0" i="0" dirty="0" err="1"/>
+            <a:t>khoz</a:t>
+          </a:r>
+          <a:r>
+            <a:rPr lang="en-US" sz="1100" b="0" i="0" dirty="0"/>
+            <a:t> </a:t>
+          </a:r>
+          <a:r>
+            <a:rPr lang="en-US" sz="1100" b="0" i="0" dirty="0" err="1"/>
+            <a:t>zfcr</a:t>
+          </a:r>
+          <a:r>
+            <a:rPr lang="en-US" sz="1100" b="0" i="0" dirty="0"/>
+            <a:t> </a:t>
+          </a:r>
+          <a:r>
+            <a:rPr lang="en-US" sz="1100" b="0" i="0" dirty="0" err="1"/>
+            <a:t>okhis</a:t>
+          </a:r>
+          <a:r>
+            <a:rPr lang="en-US" sz="1100" b="0" i="0" dirty="0"/>
+            <a:t> ca </a:t>
+          </a:r>
+          <a:r>
+            <a:rPr lang="en-US" sz="1100" b="0" i="0" dirty="0" err="1"/>
+            <a:t>qtakqp</a:t>
+          </a:r>
+          <a:r>
+            <a:rPr lang="en-US" sz="1100" b="0" i="0" dirty="0"/>
+            <a:t> (ops </a:t>
+          </a:r>
+          <a:r>
+            <a:rPr lang="en-US" sz="1100" b="0" i="0" dirty="0" err="1"/>
+            <a:t>omy</a:t>
+          </a:r>
+          <a:r>
+            <a:rPr lang="en-US" sz="1100" b="0" i="0" dirty="0"/>
+            <a:t> li </a:t>
+          </a:r>
+          <a:r>
+            <a:rPr lang="en-US" sz="1100" b="0" i="0" dirty="0" err="1"/>
+            <a:t>dnqsuc</a:t>
+          </a:r>
+          <a:r>
+            <a:rPr lang="en-US" sz="1100" b="0" i="0" dirty="0"/>
+            <a:t>) </a:t>
+          </a:r>
+          <a:r>
+            <a:rPr lang="en-US" sz="1100" b="0" i="0" dirty="0" err="1"/>
+            <a:t>ht</a:t>
+          </a:r>
+          <a:r>
+            <a:rPr lang="en-US" sz="1100" b="0" i="0" dirty="0"/>
+            <a:t> </a:t>
+          </a:r>
+          <a:r>
+            <a:rPr lang="en-US" sz="1100" b="0" i="0" dirty="0" err="1"/>
+            <a:t>sidq</a:t>
+          </a:r>
+          <a:r>
+            <a:rPr lang="en-US" sz="1100" b="0" i="0" dirty="0"/>
+            <a:t> </a:t>
+          </a:r>
+          <a:r>
+            <a:rPr lang="en-US" sz="1100" b="0" i="0" dirty="0" err="1"/>
+            <a:t>sia</a:t>
+          </a:r>
+          <a:r>
+            <a:rPr lang="en-US" sz="1100" b="0" i="0" dirty="0"/>
+            <a:t> </a:t>
+          </a:r>
+          <a:r>
+            <a:rPr lang="en-US" sz="1100" b="0" i="0" dirty="0" err="1"/>
+            <a:t>pduudt</a:t>
+          </a:r>
+          <a:r>
+            <a:rPr lang="en-US" sz="1100" b="0" i="0" dirty="0"/>
+            <a:t> G </a:t>
+          </a:r>
+          <a:r>
+            <a:rPr lang="en-US" sz="1100" b="0" i="0" dirty="0" err="1"/>
+            <a:t>ht</a:t>
+          </a:r>
+          <a:r>
+            <a:rPr lang="en-US" sz="1100" b="0" i="0" dirty="0"/>
+            <a:t> </a:t>
+          </a:r>
+          <a:r>
+            <a:rPr lang="en-US" sz="1100" b="0" i="0" dirty="0" err="1"/>
+            <a:t>ogyyhoh!W</a:t>
+          </a:r>
+          <a:endParaRPr lang="en-US" sz="1100" dirty="0"/>
+        </a:p>
+      </dgm:t>
+    </dgm:pt>
+    <dgm:pt modelId="{8FC2F6A1-77A2-4547-B087-39AE80629569}" type="parTrans" cxnId="{BB53AF3D-982F-4C46-B081-0A40C06F56FB}">
+      <dgm:prSet/>
+      <dgm:spPr/>
+      <dgm:t>
+        <a:bodyPr/>
+        <a:lstStyle/>
+        <a:p>
+          <a:endParaRPr lang="en-US"/>
+        </a:p>
+      </dgm:t>
+    </dgm:pt>
+    <dgm:pt modelId="{9B9DE966-CA2C-495E-B69C-8EE9B288CBB6}" type="sibTrans" cxnId="{BB53AF3D-982F-4C46-B081-0A40C06F56FB}">
+      <dgm:prSet/>
+      <dgm:spPr/>
+      <dgm:t>
+        <a:bodyPr/>
+        <a:lstStyle/>
+        <a:p>
+          <a:endParaRPr lang="en-US"/>
+        </a:p>
+      </dgm:t>
+    </dgm:pt>
+    <dgm:pt modelId="{FE0C498D-40D5-48D9-A120-2E71934A6820}" type="pres">
+      <dgm:prSet presAssocID="{3419DC42-4822-4699-A147-26A8BDFA4B64}" presName="linear" presStyleCnt="0">
+        <dgm:presLayoutVars>
+          <dgm:animLvl val="lvl"/>
+          <dgm:resizeHandles val="exact"/>
+        </dgm:presLayoutVars>
+      </dgm:prSet>
+      <dgm:spPr/>
+    </dgm:pt>
+    <dgm:pt modelId="{036E1D01-BE9A-44C8-A9C7-DBDB05E9508A}" type="pres">
+      <dgm:prSet presAssocID="{347BAD59-9C74-4539-8F05-7AC3ADBE9081}" presName="parentText" presStyleLbl="node1" presStyleIdx="0" presStyleCnt="4">
+        <dgm:presLayoutVars>
+          <dgm:chMax val="0"/>
+          <dgm:bulletEnabled val="1"/>
+        </dgm:presLayoutVars>
+      </dgm:prSet>
+      <dgm:spPr/>
+    </dgm:pt>
+    <dgm:pt modelId="{FD461155-CECA-4985-9427-AA26D513CFA8}" type="pres">
+      <dgm:prSet presAssocID="{F0FCCD03-E0D3-472F-A2FE-F6A3D8E2CD63}" presName="spacer" presStyleCnt="0"/>
+      <dgm:spPr/>
+    </dgm:pt>
+    <dgm:pt modelId="{723F807A-CDEC-42E5-90F1-CE23D9E131FB}" type="pres">
+      <dgm:prSet presAssocID="{110AEA79-F37B-4405-95D8-E374F24ADAA7}" presName="parentText" presStyleLbl="node1" presStyleIdx="1" presStyleCnt="4">
+        <dgm:presLayoutVars>
+          <dgm:chMax val="0"/>
+          <dgm:bulletEnabled val="1"/>
+        </dgm:presLayoutVars>
+      </dgm:prSet>
+      <dgm:spPr/>
+    </dgm:pt>
+    <dgm:pt modelId="{96F7FCED-1E62-44DB-859E-A87281FB202C}" type="pres">
+      <dgm:prSet presAssocID="{BCC4C920-E8AB-404F-899F-45AFCD63D291}" presName="spacer" presStyleCnt="0"/>
+      <dgm:spPr/>
+    </dgm:pt>
+    <dgm:pt modelId="{2DDC8770-B46D-45ED-B159-C721B763696D}" type="pres">
+      <dgm:prSet presAssocID="{3AF6C46E-AB8B-4344-B24B-8B0E10F09453}" presName="parentText" presStyleLbl="node1" presStyleIdx="2" presStyleCnt="4">
+        <dgm:presLayoutVars>
+          <dgm:chMax val="0"/>
+          <dgm:bulletEnabled val="1"/>
+        </dgm:presLayoutVars>
+      </dgm:prSet>
+      <dgm:spPr/>
+    </dgm:pt>
+    <dgm:pt modelId="{87512A99-9054-468B-B19B-560EFFF98031}" type="pres">
+      <dgm:prSet presAssocID="{24CA3307-1E4D-4447-8B93-7FECFD25178F}" presName="spacer" presStyleCnt="0"/>
+      <dgm:spPr/>
+    </dgm:pt>
+    <dgm:pt modelId="{1CAD2E5D-5606-4A01-962D-B9EEB6E57436}" type="pres">
+      <dgm:prSet presAssocID="{49F7B4EE-5C83-43C7-81E0-A446E56B5914}" presName="parentText" presStyleLbl="node1" presStyleIdx="3" presStyleCnt="4">
+        <dgm:presLayoutVars>
+          <dgm:chMax val="0"/>
+          <dgm:bulletEnabled val="1"/>
+        </dgm:presLayoutVars>
+      </dgm:prSet>
+      <dgm:spPr/>
+    </dgm:pt>
+  </dgm:ptLst>
+  <dgm:cxnLst>
+    <dgm:cxn modelId="{EC5DD11B-CDC1-4384-AC37-468DE94435F3}" type="presOf" srcId="{110AEA79-F37B-4405-95D8-E374F24ADAA7}" destId="{723F807A-CDEC-42E5-90F1-CE23D9E131FB}" srcOrd="0" destOrd="0" presId="urn:microsoft.com/office/officeart/2005/8/layout/vList2"/>
+    <dgm:cxn modelId="{6976A72C-AF39-4172-B14C-2E1CCD4FA649}" type="presOf" srcId="{3419DC42-4822-4699-A147-26A8BDFA4B64}" destId="{FE0C498D-40D5-48D9-A120-2E71934A6820}" srcOrd="0" destOrd="0" presId="urn:microsoft.com/office/officeart/2005/8/layout/vList2"/>
+    <dgm:cxn modelId="{BB53AF3D-982F-4C46-B081-0A40C06F56FB}" srcId="{3419DC42-4822-4699-A147-26A8BDFA4B64}" destId="{49F7B4EE-5C83-43C7-81E0-A446E56B5914}" srcOrd="3" destOrd="0" parTransId="{8FC2F6A1-77A2-4547-B087-39AE80629569}" sibTransId="{9B9DE966-CA2C-495E-B69C-8EE9B288CBB6}"/>
+    <dgm:cxn modelId="{A4F0E65D-E83B-4CD1-AC76-60BB9DDA9D58}" type="presOf" srcId="{3AF6C46E-AB8B-4344-B24B-8B0E10F09453}" destId="{2DDC8770-B46D-45ED-B159-C721B763696D}" srcOrd="0" destOrd="0" presId="urn:microsoft.com/office/officeart/2005/8/layout/vList2"/>
+    <dgm:cxn modelId="{C99CAE6B-6B57-48B7-8D35-204904C2C132}" type="presOf" srcId="{49F7B4EE-5C83-43C7-81E0-A446E56B5914}" destId="{1CAD2E5D-5606-4A01-962D-B9EEB6E57436}" srcOrd="0" destOrd="0" presId="urn:microsoft.com/office/officeart/2005/8/layout/vList2"/>
+    <dgm:cxn modelId="{19C7014E-1FF8-4FDD-A421-FE342653015D}" srcId="{3419DC42-4822-4699-A147-26A8BDFA4B64}" destId="{110AEA79-F37B-4405-95D8-E374F24ADAA7}" srcOrd="1" destOrd="0" parTransId="{72BC29DE-8B98-4091-A01F-AE6759793BB9}" sibTransId="{BCC4C920-E8AB-404F-899F-45AFCD63D291}"/>
+    <dgm:cxn modelId="{8773A551-C236-4DBC-A373-7A328F79B9B6}" srcId="{3419DC42-4822-4699-A147-26A8BDFA4B64}" destId="{3AF6C46E-AB8B-4344-B24B-8B0E10F09453}" srcOrd="2" destOrd="0" parTransId="{B5D7B338-26C7-4393-B747-726AF4BA165A}" sibTransId="{24CA3307-1E4D-4447-8B93-7FECFD25178F}"/>
+    <dgm:cxn modelId="{35E10FA6-3CBC-4631-93C5-DA7783B7F7DE}" type="presOf" srcId="{347BAD59-9C74-4539-8F05-7AC3ADBE9081}" destId="{036E1D01-BE9A-44C8-A9C7-DBDB05E9508A}" srcOrd="0" destOrd="0" presId="urn:microsoft.com/office/officeart/2005/8/layout/vList2"/>
+    <dgm:cxn modelId="{290428DF-0A4E-47CE-875B-3320BFC770B5}" srcId="{3419DC42-4822-4699-A147-26A8BDFA4B64}" destId="{347BAD59-9C74-4539-8F05-7AC3ADBE9081}" srcOrd="0" destOrd="0" parTransId="{8361E152-E0B7-47F4-966B-49D491A2F6E5}" sibTransId="{F0FCCD03-E0D3-472F-A2FE-F6A3D8E2CD63}"/>
+    <dgm:cxn modelId="{CA313D47-5905-45BE-A828-99C803165DCD}" type="presParOf" srcId="{FE0C498D-40D5-48D9-A120-2E71934A6820}" destId="{036E1D01-BE9A-44C8-A9C7-DBDB05E9508A}" srcOrd="0" destOrd="0" presId="urn:microsoft.com/office/officeart/2005/8/layout/vList2"/>
+    <dgm:cxn modelId="{2101C9DC-87BE-4DEE-BD97-3404F177D813}" type="presParOf" srcId="{FE0C498D-40D5-48D9-A120-2E71934A6820}" destId="{FD461155-CECA-4985-9427-AA26D513CFA8}" srcOrd="1" destOrd="0" presId="urn:microsoft.com/office/officeart/2005/8/layout/vList2"/>
+    <dgm:cxn modelId="{9A809273-CAD7-4081-B0CD-598F1D5CA030}" type="presParOf" srcId="{FE0C498D-40D5-48D9-A120-2E71934A6820}" destId="{723F807A-CDEC-42E5-90F1-CE23D9E131FB}" srcOrd="2" destOrd="0" presId="urn:microsoft.com/office/officeart/2005/8/layout/vList2"/>
+    <dgm:cxn modelId="{9FF2C836-AD9A-4F16-AD42-C046C45E3B2C}" type="presParOf" srcId="{FE0C498D-40D5-48D9-A120-2E71934A6820}" destId="{96F7FCED-1E62-44DB-859E-A87281FB202C}" srcOrd="3" destOrd="0" presId="urn:microsoft.com/office/officeart/2005/8/layout/vList2"/>
+    <dgm:cxn modelId="{952CAB43-7363-4713-B295-6D333BAD4E66}" type="presParOf" srcId="{FE0C498D-40D5-48D9-A120-2E71934A6820}" destId="{2DDC8770-B46D-45ED-B159-C721B763696D}" srcOrd="4" destOrd="0" presId="urn:microsoft.com/office/officeart/2005/8/layout/vList2"/>
+    <dgm:cxn modelId="{AA81D8B2-E63A-4A93-808A-52112DD05390}" type="presParOf" srcId="{FE0C498D-40D5-48D9-A120-2E71934A6820}" destId="{87512A99-9054-468B-B19B-560EFFF98031}" srcOrd="5" destOrd="0" presId="urn:microsoft.com/office/officeart/2005/8/layout/vList2"/>
+    <dgm:cxn modelId="{39518DB7-D927-4091-A9D8-76D52AD46FEE}" type="presParOf" srcId="{FE0C498D-40D5-48D9-A120-2E71934A6820}" destId="{1CAD2E5D-5606-4A01-962D-B9EEB6E57436}" srcOrd="6" destOrd="0" presId="urn:microsoft.com/office/officeart/2005/8/layout/vList2"/>
+  </dgm:cxnLst>
+  <dgm:bg/>
+  <dgm:whole/>
+  <dgm:extLst>
+    <a:ext uri="http://schemas.microsoft.com/office/drawing/2008/diagram">
+      <dsp:dataModelExt xmlns:dsp="http://schemas.microsoft.com/office/drawing/2008/diagram" relId="rId6" minVer="http://schemas.openxmlformats.org/drawingml/2006/diagram"/>
+    </a:ext>
+  </dgm:extLst>
+</dgm:dataModel>
+</file>
+
+<file path=ppt/diagrams/data2.xml><?xml version="1.0" encoding="utf-8"?>
+<dgm:dataModel xmlns:dgm="http://schemas.openxmlformats.org/drawingml/2006/diagram" xmlns:a="http://schemas.openxmlformats.org/drawingml/2006/main">
+  <dgm:ptLst>
+    <dgm:pt modelId="{422A857E-FCBE-42BE-BF9D-2DC4FA69F5B4}" type="doc">
+      <dgm:prSet loTypeId="urn:microsoft.com/office/officeart/2005/8/layout/vList2" loCatId="Inbox" qsTypeId="urn:microsoft.com/office/officeart/2005/8/quickstyle/simple1" qsCatId="simple" csTypeId="urn:microsoft.com/office/officeart/2005/8/colors/colorful1" csCatId="colorful" phldr="1"/>
+      <dgm:spPr/>
+      <dgm:t>
+        <a:bodyPr/>
+        <a:lstStyle/>
+        <a:p>
+          <a:endParaRPr lang="en-US"/>
+        </a:p>
+      </dgm:t>
+    </dgm:pt>
+    <dgm:pt modelId="{BE81F2BA-0853-4362-91C6-B7D266FAC49A}">
+      <dgm:prSet custT="1"/>
+      <dgm:spPr/>
+      <dgm:t>
+        <a:bodyPr/>
+        <a:lstStyle/>
+        <a:p>
+          <a:r>
+            <a:rPr lang="en-US" sz="1800" b="1" dirty="0"/>
+            <a:t>Q1 (5 Pts): Disguised From Detective</a:t>
+          </a:r>
+        </a:p>
+        <a:p>
+          <a:r>
+            <a:rPr lang="en-US" sz="1400" b="0" i="0" dirty="0"/>
+            <a:t>What is another word for a "UI redress attack“?</a:t>
+          </a:r>
+          <a:endParaRPr lang="en-US" sz="1400" dirty="0"/>
+        </a:p>
+      </dgm:t>
+    </dgm:pt>
+    <dgm:pt modelId="{AEB7A8AC-D3E7-43F8-B4D7-433D4EEC3414}" type="parTrans" cxnId="{C62C0931-C081-4189-82D0-72D500A57A49}">
+      <dgm:prSet/>
+      <dgm:spPr/>
+      <dgm:t>
+        <a:bodyPr/>
+        <a:lstStyle/>
+        <a:p>
+          <a:endParaRPr lang="en-US"/>
+        </a:p>
+      </dgm:t>
+    </dgm:pt>
+    <dgm:pt modelId="{2CAB2865-F78D-4057-A1FE-05E57C39B597}" type="sibTrans" cxnId="{C62C0931-C081-4189-82D0-72D500A57A49}">
+      <dgm:prSet/>
+      <dgm:spPr/>
+      <dgm:t>
+        <a:bodyPr/>
+        <a:lstStyle/>
+        <a:p>
+          <a:endParaRPr lang="en-US"/>
+        </a:p>
+      </dgm:t>
+    </dgm:pt>
+    <dgm:pt modelId="{1E568541-E563-4FE3-9510-6384DB1FFDC3}">
+      <dgm:prSet custT="1"/>
+      <dgm:spPr/>
+      <dgm:t>
+        <a:bodyPr/>
+        <a:lstStyle/>
+        <a:p>
+          <a:r>
+            <a:rPr lang="en-US" sz="1800" b="1" dirty="0"/>
+            <a:t>Q2 (5 Pts): Look In the Mirror</a:t>
+          </a:r>
+        </a:p>
+        <a:p>
+          <a:r>
+            <a:rPr lang="en-US" sz="1400" b="0" i="0" dirty="0"/>
+            <a:t>What kind of XSS occurs when an attacker injects browser executable code within a single HTTP response?</a:t>
+          </a:r>
+          <a:endParaRPr lang="en-US" sz="1400" dirty="0"/>
+        </a:p>
+      </dgm:t>
+    </dgm:pt>
+    <dgm:pt modelId="{62C71D30-232A-4315-97E7-555346366120}" type="parTrans" cxnId="{2AAC2868-2B05-4CE1-A92B-740863890B7F}">
+      <dgm:prSet/>
+      <dgm:spPr/>
+      <dgm:t>
+        <a:bodyPr/>
+        <a:lstStyle/>
+        <a:p>
+          <a:endParaRPr lang="en-US"/>
+        </a:p>
+      </dgm:t>
+    </dgm:pt>
+    <dgm:pt modelId="{21DE662E-9800-4167-8BB4-65FA5CF16FC6}" type="sibTrans" cxnId="{2AAC2868-2B05-4CE1-A92B-740863890B7F}">
+      <dgm:prSet/>
+      <dgm:spPr/>
+      <dgm:t>
+        <a:bodyPr/>
+        <a:lstStyle/>
+        <a:p>
+          <a:endParaRPr lang="en-US"/>
+        </a:p>
+      </dgm:t>
+    </dgm:pt>
+    <dgm:pt modelId="{A60211D8-7C28-432A-A54B-490645E06EDF}">
+      <dgm:prSet custT="1"/>
+      <dgm:spPr/>
+      <dgm:t>
+        <a:bodyPr/>
+        <a:lstStyle/>
+        <a:p>
+          <a:r>
+            <a:rPr lang="en-US" sz="1800" b="1" dirty="0"/>
+            <a:t>Q3 (5 Pts): Valentines</a:t>
+          </a:r>
+        </a:p>
+        <a:p>
+          <a:r>
+            <a:rPr lang="en-US" sz="1400" b="0" i="0" dirty="0"/>
+            <a:t>What was the virus that spread through email back around May 5th, 2000?</a:t>
+          </a:r>
+          <a:endParaRPr lang="en-US" sz="1400" dirty="0"/>
+        </a:p>
+      </dgm:t>
+    </dgm:pt>
+    <dgm:pt modelId="{CA4287FF-5092-4430-9936-030F94349A9E}" type="parTrans" cxnId="{482194E7-0436-4953-9641-5F7DCEC8D727}">
+      <dgm:prSet/>
+      <dgm:spPr/>
+      <dgm:t>
+        <a:bodyPr/>
+        <a:lstStyle/>
+        <a:p>
+          <a:endParaRPr lang="en-US"/>
+        </a:p>
+      </dgm:t>
+    </dgm:pt>
+    <dgm:pt modelId="{424E381A-5EFD-47BB-8FC3-37B7E21B8D51}" type="sibTrans" cxnId="{482194E7-0436-4953-9641-5F7DCEC8D727}">
+      <dgm:prSet/>
+      <dgm:spPr/>
+      <dgm:t>
+        <a:bodyPr/>
+        <a:lstStyle/>
+        <a:p>
+          <a:endParaRPr lang="en-US"/>
+        </a:p>
+      </dgm:t>
+    </dgm:pt>
+    <dgm:pt modelId="{F2D41061-118F-4FAB-92DB-858328A4BADA}">
+      <dgm:prSet custT="1"/>
+      <dgm:spPr/>
+      <dgm:t>
+        <a:bodyPr/>
+        <a:lstStyle/>
+        <a:p>
+          <a:r>
+            <a:rPr lang="en-US" sz="1800" b="1" dirty="0"/>
+            <a:t>Q4 (5 Pts): </a:t>
+          </a:r>
+          <a:r>
+            <a:rPr lang="en-US" sz="1800" b="1" dirty="0" err="1"/>
+            <a:t>Poppin</a:t>
+          </a:r>
+          <a:r>
+            <a:rPr lang="en-US" sz="1800" b="1" dirty="0"/>
+            <a:t> Caps</a:t>
+          </a:r>
+        </a:p>
+        <a:p>
+          <a:r>
+            <a:rPr lang="en-US" sz="1400" b="0" i="0" dirty="0"/>
+            <a:t>What utility is used to sniff packets?</a:t>
+          </a:r>
+          <a:endParaRPr lang="en-US" sz="1400" dirty="0"/>
+        </a:p>
+      </dgm:t>
+    </dgm:pt>
+    <dgm:pt modelId="{A9D7D40E-F09D-43D2-94AA-F4271233EC24}" type="parTrans" cxnId="{07D663F8-9EFA-49F9-B76D-7DFC0C860A9F}">
+      <dgm:prSet/>
+      <dgm:spPr/>
+      <dgm:t>
+        <a:bodyPr/>
+        <a:lstStyle/>
+        <a:p>
+          <a:endParaRPr lang="en-US"/>
+        </a:p>
+      </dgm:t>
+    </dgm:pt>
+    <dgm:pt modelId="{F72D6849-A7C8-4CF7-BE36-3E878CAFF0B8}" type="sibTrans" cxnId="{07D663F8-9EFA-49F9-B76D-7DFC0C860A9F}">
+      <dgm:prSet/>
+      <dgm:spPr/>
+      <dgm:t>
+        <a:bodyPr/>
+        <a:lstStyle/>
+        <a:p>
+          <a:endParaRPr lang="en-US"/>
+        </a:p>
+      </dgm:t>
+    </dgm:pt>
+    <dgm:pt modelId="{552BBCED-D41D-4C09-9496-AEF1F4F5B13A}" type="pres">
+      <dgm:prSet presAssocID="{422A857E-FCBE-42BE-BF9D-2DC4FA69F5B4}" presName="linear" presStyleCnt="0">
+        <dgm:presLayoutVars>
+          <dgm:animLvl val="lvl"/>
+          <dgm:resizeHandles val="exact"/>
+        </dgm:presLayoutVars>
+      </dgm:prSet>
+      <dgm:spPr/>
+    </dgm:pt>
+    <dgm:pt modelId="{C0020BCC-D6B9-4A7D-A2A0-D8249AF17774}" type="pres">
+      <dgm:prSet presAssocID="{BE81F2BA-0853-4362-91C6-B7D266FAC49A}" presName="parentText" presStyleLbl="node1" presStyleIdx="0" presStyleCnt="4">
+        <dgm:presLayoutVars>
+          <dgm:chMax val="0"/>
+          <dgm:bulletEnabled val="1"/>
+        </dgm:presLayoutVars>
+      </dgm:prSet>
+      <dgm:spPr/>
+    </dgm:pt>
+    <dgm:pt modelId="{BE36FF04-F519-48EF-A339-9049B1C64274}" type="pres">
+      <dgm:prSet presAssocID="{2CAB2865-F78D-4057-A1FE-05E57C39B597}" presName="spacer" presStyleCnt="0"/>
+      <dgm:spPr/>
+    </dgm:pt>
+    <dgm:pt modelId="{688DB039-8E92-479B-9FC4-B3EDD5F8FC33}" type="pres">
+      <dgm:prSet presAssocID="{1E568541-E563-4FE3-9510-6384DB1FFDC3}" presName="parentText" presStyleLbl="node1" presStyleIdx="1" presStyleCnt="4">
+        <dgm:presLayoutVars>
+          <dgm:chMax val="0"/>
+          <dgm:bulletEnabled val="1"/>
+        </dgm:presLayoutVars>
+      </dgm:prSet>
+      <dgm:spPr/>
+    </dgm:pt>
+    <dgm:pt modelId="{15CDB3EC-4373-4119-B042-FC3F045CD5E0}" type="pres">
+      <dgm:prSet presAssocID="{21DE662E-9800-4167-8BB4-65FA5CF16FC6}" presName="spacer" presStyleCnt="0"/>
+      <dgm:spPr/>
+    </dgm:pt>
+    <dgm:pt modelId="{8975A83F-A87F-4059-933D-5F0B29A5BF59}" type="pres">
+      <dgm:prSet presAssocID="{A60211D8-7C28-432A-A54B-490645E06EDF}" presName="parentText" presStyleLbl="node1" presStyleIdx="2" presStyleCnt="4">
+        <dgm:presLayoutVars>
+          <dgm:chMax val="0"/>
+          <dgm:bulletEnabled val="1"/>
+        </dgm:presLayoutVars>
+      </dgm:prSet>
+      <dgm:spPr/>
+    </dgm:pt>
+    <dgm:pt modelId="{E4C92E62-96CE-4734-A0FB-280CB9908DA9}" type="pres">
+      <dgm:prSet presAssocID="{424E381A-5EFD-47BB-8FC3-37B7E21B8D51}" presName="spacer" presStyleCnt="0"/>
+      <dgm:spPr/>
+    </dgm:pt>
+    <dgm:pt modelId="{A4E70348-6FC7-4E4B-8023-BDBA56AF1F7D}" type="pres">
+      <dgm:prSet presAssocID="{F2D41061-118F-4FAB-92DB-858328A4BADA}" presName="parentText" presStyleLbl="node1" presStyleIdx="3" presStyleCnt="4">
+        <dgm:presLayoutVars>
+          <dgm:chMax val="0"/>
+          <dgm:bulletEnabled val="1"/>
+        </dgm:presLayoutVars>
+      </dgm:prSet>
+      <dgm:spPr/>
+    </dgm:pt>
+  </dgm:ptLst>
+  <dgm:cxnLst>
+    <dgm:cxn modelId="{4D552B0F-C3C4-4C25-BF09-4C09B9922608}" type="presOf" srcId="{1E568541-E563-4FE3-9510-6384DB1FFDC3}" destId="{688DB039-8E92-479B-9FC4-B3EDD5F8FC33}" srcOrd="0" destOrd="0" presId="urn:microsoft.com/office/officeart/2005/8/layout/vList2"/>
+    <dgm:cxn modelId="{C62C0931-C081-4189-82D0-72D500A57A49}" srcId="{422A857E-FCBE-42BE-BF9D-2DC4FA69F5B4}" destId="{BE81F2BA-0853-4362-91C6-B7D266FAC49A}" srcOrd="0" destOrd="0" parTransId="{AEB7A8AC-D3E7-43F8-B4D7-433D4EEC3414}" sibTransId="{2CAB2865-F78D-4057-A1FE-05E57C39B597}"/>
+    <dgm:cxn modelId="{2AAC2868-2B05-4CE1-A92B-740863890B7F}" srcId="{422A857E-FCBE-42BE-BF9D-2DC4FA69F5B4}" destId="{1E568541-E563-4FE3-9510-6384DB1FFDC3}" srcOrd="1" destOrd="0" parTransId="{62C71D30-232A-4315-97E7-555346366120}" sibTransId="{21DE662E-9800-4167-8BB4-65FA5CF16FC6}"/>
+    <dgm:cxn modelId="{9B67CF85-1B78-4967-9D52-F5FC27711607}" type="presOf" srcId="{422A857E-FCBE-42BE-BF9D-2DC4FA69F5B4}" destId="{552BBCED-D41D-4C09-9496-AEF1F4F5B13A}" srcOrd="0" destOrd="0" presId="urn:microsoft.com/office/officeart/2005/8/layout/vList2"/>
+    <dgm:cxn modelId="{E9E317B2-D19D-4B13-A314-6360A4209205}" type="presOf" srcId="{A60211D8-7C28-432A-A54B-490645E06EDF}" destId="{8975A83F-A87F-4059-933D-5F0B29A5BF59}" srcOrd="0" destOrd="0" presId="urn:microsoft.com/office/officeart/2005/8/layout/vList2"/>
+    <dgm:cxn modelId="{12AB6AE3-3F62-4A8E-8DC5-5020611ADF98}" type="presOf" srcId="{BE81F2BA-0853-4362-91C6-B7D266FAC49A}" destId="{C0020BCC-D6B9-4A7D-A2A0-D8249AF17774}" srcOrd="0" destOrd="0" presId="urn:microsoft.com/office/officeart/2005/8/layout/vList2"/>
+    <dgm:cxn modelId="{482194E7-0436-4953-9641-5F7DCEC8D727}" srcId="{422A857E-FCBE-42BE-BF9D-2DC4FA69F5B4}" destId="{A60211D8-7C28-432A-A54B-490645E06EDF}" srcOrd="2" destOrd="0" parTransId="{CA4287FF-5092-4430-9936-030F94349A9E}" sibTransId="{424E381A-5EFD-47BB-8FC3-37B7E21B8D51}"/>
+    <dgm:cxn modelId="{CCBA9FE8-4281-412E-914A-EE21C79B7BEA}" type="presOf" srcId="{F2D41061-118F-4FAB-92DB-858328A4BADA}" destId="{A4E70348-6FC7-4E4B-8023-BDBA56AF1F7D}" srcOrd="0" destOrd="0" presId="urn:microsoft.com/office/officeart/2005/8/layout/vList2"/>
+    <dgm:cxn modelId="{07D663F8-9EFA-49F9-B76D-7DFC0C860A9F}" srcId="{422A857E-FCBE-42BE-BF9D-2DC4FA69F5B4}" destId="{F2D41061-118F-4FAB-92DB-858328A4BADA}" srcOrd="3" destOrd="0" parTransId="{A9D7D40E-F09D-43D2-94AA-F4271233EC24}" sibTransId="{F72D6849-A7C8-4CF7-BE36-3E878CAFF0B8}"/>
+    <dgm:cxn modelId="{26256335-3406-4F70-B2ED-3F5237EAF956}" type="presParOf" srcId="{552BBCED-D41D-4C09-9496-AEF1F4F5B13A}" destId="{C0020BCC-D6B9-4A7D-A2A0-D8249AF17774}" srcOrd="0" destOrd="0" presId="urn:microsoft.com/office/officeart/2005/8/layout/vList2"/>
+    <dgm:cxn modelId="{261FBA0E-7752-4C5D-82B7-771B6D1A59CA}" type="presParOf" srcId="{552BBCED-D41D-4C09-9496-AEF1F4F5B13A}" destId="{BE36FF04-F519-48EF-A339-9049B1C64274}" srcOrd="1" destOrd="0" presId="urn:microsoft.com/office/officeart/2005/8/layout/vList2"/>
+    <dgm:cxn modelId="{2BCCC0E5-C991-45C3-8036-B07DD2272949}" type="presParOf" srcId="{552BBCED-D41D-4C09-9496-AEF1F4F5B13A}" destId="{688DB039-8E92-479B-9FC4-B3EDD5F8FC33}" srcOrd="2" destOrd="0" presId="urn:microsoft.com/office/officeart/2005/8/layout/vList2"/>
+    <dgm:cxn modelId="{518F523C-07DE-466E-9C44-AE6B47093BB9}" type="presParOf" srcId="{552BBCED-D41D-4C09-9496-AEF1F4F5B13A}" destId="{15CDB3EC-4373-4119-B042-FC3F045CD5E0}" srcOrd="3" destOrd="0" presId="urn:microsoft.com/office/officeart/2005/8/layout/vList2"/>
+    <dgm:cxn modelId="{81AD00D3-E0F8-4C7E-90F7-E6EBCFFE3C6C}" type="presParOf" srcId="{552BBCED-D41D-4C09-9496-AEF1F4F5B13A}" destId="{8975A83F-A87F-4059-933D-5F0B29A5BF59}" srcOrd="4" destOrd="0" presId="urn:microsoft.com/office/officeart/2005/8/layout/vList2"/>
+    <dgm:cxn modelId="{C118DC24-05B7-4314-9C92-93A43B7544CB}" type="presParOf" srcId="{552BBCED-D41D-4C09-9496-AEF1F4F5B13A}" destId="{E4C92E62-96CE-4734-A0FB-280CB9908DA9}" srcOrd="5" destOrd="0" presId="urn:microsoft.com/office/officeart/2005/8/layout/vList2"/>
+    <dgm:cxn modelId="{4740ED82-46DD-4049-A0AC-D66886A2391D}" type="presParOf" srcId="{552BBCED-D41D-4C09-9496-AEF1F4F5B13A}" destId="{A4E70348-6FC7-4E4B-8023-BDBA56AF1F7D}" srcOrd="6" destOrd="0" presId="urn:microsoft.com/office/officeart/2005/8/layout/vList2"/>
+  </dgm:cxnLst>
+  <dgm:bg/>
+  <dgm:whole/>
+  <dgm:extLst>
+    <a:ext uri="http://schemas.microsoft.com/office/drawing/2008/diagram">
+      <dsp:dataModelExt xmlns:dsp="http://schemas.microsoft.com/office/drawing/2008/diagram" relId="rId6" minVer="http://schemas.openxmlformats.org/drawingml/2006/diagram"/>
+    </a:ext>
+  </dgm:extLst>
+</dgm:dataModel>
+</file>
+
+<file path=ppt/diagrams/drawing1.xml><?xml version="1.0" encoding="utf-8"?>
+<dsp:drawing xmlns:dgm="http://schemas.openxmlformats.org/drawingml/2006/diagram" xmlns:dsp="http://schemas.microsoft.com/office/drawing/2008/diagram" xmlns:a="http://schemas.openxmlformats.org/drawingml/2006/main">
+  <dsp:spTree>
+    <dsp:nvGrpSpPr>
+      <dsp:cNvPr id="0" name=""/>
+      <dsp:cNvGrpSpPr/>
+    </dsp:nvGrpSpPr>
+    <dsp:grpSpPr/>
+    <dsp:sp modelId="{036E1D01-BE9A-44C8-A9C7-DBDB05E9508A}">
+      <dsp:nvSpPr>
+        <dsp:cNvPr id="0" name=""/>
+        <dsp:cNvSpPr/>
+      </dsp:nvSpPr>
+      <dsp:spPr>
+        <a:xfrm>
+          <a:off x="0" y="253"/>
+          <a:ext cx="5924550" cy="1146782"/>
+        </a:xfrm>
+        <a:prstGeom prst="roundRect">
+          <a:avLst/>
+        </a:prstGeom>
+        <a:solidFill>
+          <a:schemeClr val="accent3">
+            <a:hueOff val="0"/>
+            <a:satOff val="0"/>
+            <a:lumOff val="0"/>
+            <a:alphaOff val="0"/>
+          </a:schemeClr>
+        </a:solidFill>
+        <a:ln w="19050" cap="flat" cmpd="sng" algn="ctr">
+          <a:solidFill>
+            <a:schemeClr val="lt1">
+              <a:hueOff val="0"/>
+              <a:satOff val="0"/>
+              <a:lumOff val="0"/>
+              <a:alphaOff val="0"/>
+            </a:schemeClr>
+          </a:solidFill>
+          <a:prstDash val="solid"/>
+        </a:ln>
+        <a:effectLst/>
+      </dsp:spPr>
+      <dsp:style>
+        <a:lnRef idx="2">
+          <a:scrgbClr r="0" g="0" b="0"/>
+        </a:lnRef>
+        <a:fillRef idx="1">
+          <a:scrgbClr r="0" g="0" b="0"/>
+        </a:fillRef>
+        <a:effectRef idx="0">
+          <a:scrgbClr r="0" g="0" b="0"/>
+        </a:effectRef>
+        <a:fontRef idx="minor">
+          <a:schemeClr val="lt1"/>
+        </a:fontRef>
+      </dsp:style>
+      <dsp:txBody>
+        <a:bodyPr spcFirstLastPara="0" vert="horz" wrap="square" lIns="60960" tIns="60960" rIns="60960" bIns="60960" numCol="1" spcCol="1270" anchor="ctr" anchorCtr="0">
+          <a:noAutofit/>
+        </a:bodyPr>
+        <a:lstStyle/>
+        <a:p>
+          <a:pPr marL="0" lvl="0" indent="0" algn="l" defTabSz="711200">
+            <a:lnSpc>
+              <a:spcPct val="90000"/>
+            </a:lnSpc>
+            <a:spcBef>
+              <a:spcPct val="0"/>
+            </a:spcBef>
+            <a:spcAft>
+              <a:spcPct val="35000"/>
+            </a:spcAft>
+            <a:buNone/>
+          </a:pPr>
+          <a:r>
+            <a:rPr lang="en-US" sz="1600" b="1" kern="1200" dirty="0"/>
+            <a:t>Q1 (10 Pts): Detectives Cipher</a:t>
+          </a:r>
+        </a:p>
+        <a:p>
+          <a:pPr marL="0" lvl="0" indent="0" algn="l" defTabSz="711200">
+            <a:lnSpc>
+              <a:spcPct val="90000"/>
+            </a:lnSpc>
+            <a:spcBef>
+              <a:spcPct val="0"/>
+            </a:spcBef>
+            <a:spcAft>
+              <a:spcPct val="35000"/>
+            </a:spcAft>
+            <a:buNone/>
+          </a:pPr>
+          <a:r>
+            <a:rPr lang="en-US" sz="1100" kern="1200" dirty="0"/>
+            <a:t>Can you crack this ciphertext:</a:t>
+          </a:r>
+        </a:p>
+        <a:p>
+          <a:pPr marL="0" lvl="0" indent="0" algn="l" defTabSz="711200">
+            <a:lnSpc>
+              <a:spcPct val="90000"/>
+            </a:lnSpc>
+            <a:spcBef>
+              <a:spcPct val="0"/>
+            </a:spcBef>
+            <a:spcAft>
+              <a:spcPct val="35000"/>
+            </a:spcAft>
+            <a:buNone/>
+          </a:pPr>
+          <a:r>
+            <a:rPr lang="en-US" sz="1100" kern="1200" dirty="0"/>
+            <a:t>Ciphertext: NYOT ASYTG ERZ AGVGR QGETA EUY YOT NEHBGTA LTYOUBH NYTHB YR HBIA SYRHIRGRH, E RGC REHIYR, SYRSGIVGZ IR DILGTHQ, ERZ ZGZISEHGZ HY HBG FTYFYAIHIYR HBEH EDD KGR ETG STGEHGZ GMOED.</a:t>
+          </a:r>
+        </a:p>
+      </dsp:txBody>
+      <dsp:txXfrm>
+        <a:off x="55981" y="56234"/>
+        <a:ext cx="5812588" cy="1034820"/>
+      </dsp:txXfrm>
+    </dsp:sp>
+    <dsp:sp modelId="{723F807A-CDEC-42E5-90F1-CE23D9E131FB}">
+      <dsp:nvSpPr>
+        <dsp:cNvPr id="0" name=""/>
+        <dsp:cNvSpPr/>
+      </dsp:nvSpPr>
+      <dsp:spPr>
+        <a:xfrm>
+          <a:off x="0" y="1160873"/>
+          <a:ext cx="5924550" cy="1146782"/>
+        </a:xfrm>
+        <a:prstGeom prst="roundRect">
+          <a:avLst/>
+        </a:prstGeom>
+        <a:solidFill>
+          <a:schemeClr val="accent3">
+            <a:hueOff val="0"/>
+            <a:satOff val="0"/>
+            <a:lumOff val="0"/>
+            <a:alphaOff val="0"/>
+          </a:schemeClr>
+        </a:solidFill>
+        <a:ln w="19050" cap="flat" cmpd="sng" algn="ctr">
+          <a:solidFill>
+            <a:schemeClr val="lt1">
+              <a:hueOff val="0"/>
+              <a:satOff val="0"/>
+              <a:lumOff val="0"/>
+              <a:alphaOff val="0"/>
+            </a:schemeClr>
+          </a:solidFill>
+          <a:prstDash val="solid"/>
+        </a:ln>
+        <a:effectLst/>
+      </dsp:spPr>
+      <dsp:style>
+        <a:lnRef idx="2">
+          <a:scrgbClr r="0" g="0" b="0"/>
+        </a:lnRef>
+        <a:fillRef idx="1">
+          <a:scrgbClr r="0" g="0" b="0"/>
+        </a:fillRef>
+        <a:effectRef idx="0">
+          <a:scrgbClr r="0" g="0" b="0"/>
+        </a:effectRef>
+        <a:fontRef idx="minor">
+          <a:schemeClr val="lt1"/>
+        </a:fontRef>
+      </dsp:style>
+      <dsp:txBody>
+        <a:bodyPr spcFirstLastPara="0" vert="horz" wrap="square" lIns="60960" tIns="60960" rIns="60960" bIns="60960" numCol="1" spcCol="1270" anchor="ctr" anchorCtr="0">
+          <a:noAutofit/>
+        </a:bodyPr>
+        <a:lstStyle/>
+        <a:p>
+          <a:pPr marL="0" lvl="0" indent="0" algn="l" defTabSz="711200">
+            <a:lnSpc>
+              <a:spcPct val="90000"/>
+            </a:lnSpc>
+            <a:spcBef>
+              <a:spcPct val="0"/>
+            </a:spcBef>
+            <a:spcAft>
+              <a:spcPct val="35000"/>
+            </a:spcAft>
+            <a:buNone/>
+          </a:pPr>
+          <a:r>
+            <a:rPr lang="en-US" sz="1600" b="1" kern="1200" dirty="0"/>
+            <a:t>Q2 (15 Pts): Unlucky</a:t>
+          </a:r>
+        </a:p>
+        <a:p>
+          <a:pPr marL="0" lvl="0" indent="0" algn="l" defTabSz="711200">
+            <a:lnSpc>
+              <a:spcPct val="90000"/>
+            </a:lnSpc>
+            <a:spcBef>
+              <a:spcPct val="0"/>
+            </a:spcBef>
+            <a:spcAft>
+              <a:spcPct val="35000"/>
+            </a:spcAft>
+            <a:buNone/>
+          </a:pPr>
+          <a:r>
+            <a:rPr lang="en-US" sz="1100" kern="1200" dirty="0"/>
+            <a:t>Can you crack this ciphertext:</a:t>
+          </a:r>
+        </a:p>
+        <a:p>
+          <a:pPr marL="0" lvl="0" indent="0" algn="l" defTabSz="711200">
+            <a:lnSpc>
+              <a:spcPct val="90000"/>
+            </a:lnSpc>
+            <a:spcBef>
+              <a:spcPct val="0"/>
+            </a:spcBef>
+            <a:spcAft>
+              <a:spcPct val="35000"/>
+            </a:spcAft>
+            <a:buNone/>
+          </a:pPr>
+          <a:r>
+            <a:rPr lang="en-US" sz="1100" kern="1200" dirty="0"/>
+            <a:t>Ciphertext: </a:t>
+          </a:r>
+          <a:r>
+            <a:rPr lang="en-US" sz="1100" b="0" i="0" kern="1200" dirty="0" err="1"/>
+            <a:t>dvxai</a:t>
+          </a:r>
+          <a:r>
+            <a:rPr lang="en-US" sz="1100" b="0" i="0" kern="1200" dirty="0"/>
+            <a:t> </a:t>
+          </a:r>
+          <a:r>
+            <a:rPr lang="en-US" sz="1100" b="0" i="0" kern="1200" dirty="0" err="1"/>
+            <a:t>elwiwii</a:t>
+          </a:r>
+          <a:r>
+            <a:rPr lang="en-US" sz="1100" b="0" i="0" kern="1200" dirty="0"/>
+            <a:t> </a:t>
+          </a:r>
+          <a:r>
+            <a:rPr lang="en-US" sz="1100" b="0" i="0" kern="1200" dirty="0" err="1"/>
+            <a:t>oceeii</a:t>
+          </a:r>
+          <a:r>
+            <a:rPr lang="en-US" sz="1100" b="0" i="0" kern="1200" dirty="0"/>
+            <a:t> </a:t>
+          </a:r>
+          <a:r>
+            <a:rPr lang="en-US" sz="1100" b="0" i="0" kern="1200" dirty="0" err="1"/>
+            <a:t>ucg</a:t>
+          </a:r>
+          <a:r>
+            <a:rPr lang="en-US" sz="1100" b="0" i="0" kern="1200" dirty="0"/>
+            <a:t> </a:t>
+          </a:r>
+          <a:r>
+            <a:rPr lang="en-US" sz="1100" b="0" i="0" kern="1200" dirty="0" err="1"/>
+            <a:t>wii</a:t>
+          </a:r>
+          <a:r>
+            <a:rPr lang="en-US" sz="1100" b="0" i="0" kern="1200" dirty="0"/>
+            <a:t> </a:t>
+          </a:r>
+          <a:r>
+            <a:rPr lang="en-US" sz="1100" b="0" i="0" kern="1200" dirty="0" err="1"/>
+            <a:t>jftl</a:t>
+          </a:r>
+          <a:r>
+            <a:rPr lang="en-US" sz="1100" b="0" i="0" kern="1200" dirty="0"/>
+            <a:t> </a:t>
+          </a:r>
+          <a:r>
+            <a:rPr lang="en-US" sz="1100" b="0" i="0" kern="1200" dirty="0" err="1"/>
+            <a:t>qvuhxdrvk</a:t>
+          </a:r>
+          <a:r>
+            <a:rPr lang="en-US" sz="1100" b="0" i="0" kern="1200" dirty="0"/>
+            <a:t> </a:t>
+          </a:r>
+          <a:r>
+            <a:rPr lang="en-US" sz="1100" b="0" i="0" kern="1200" dirty="0" err="1"/>
+            <a:t>hwt</a:t>
+          </a:r>
+          <a:r>
+            <a:rPr lang="en-US" sz="1100" b="0" i="0" kern="1200" dirty="0"/>
+            <a:t> </a:t>
+          </a:r>
+          <a:r>
+            <a:rPr lang="en-US" sz="1100" b="0" i="0" kern="1200" dirty="0" err="1"/>
+            <a:t>tyyoht</a:t>
+          </a:r>
+          <a:r>
+            <a:rPr lang="en-US" sz="1100" b="0" i="0" kern="1200" dirty="0"/>
+            <a:t> "</a:t>
+          </a:r>
+          <a:r>
+            <a:rPr lang="en-US" sz="1100" b="0" i="0" kern="1200" dirty="0" err="1"/>
+            <a:t>hviivvmen</a:t>
+          </a:r>
+          <a:r>
+            <a:rPr lang="en-US" sz="1100" b="0" i="0" kern="1200" dirty="0"/>
+            <a:t>" </a:t>
+          </a:r>
+          <a:r>
+            <a:rPr lang="en-US" sz="1100" b="0" i="0" kern="1200" dirty="0" err="1"/>
+            <a:t>wc</a:t>
+          </a:r>
+          <a:r>
+            <a:rPr lang="en-US" sz="1100" b="0" i="0" kern="1200" dirty="0"/>
+            <a:t> </a:t>
+          </a:r>
+          <a:r>
+            <a:rPr lang="en-US" sz="1100" b="0" i="0" kern="1200" dirty="0" err="1"/>
+            <a:t>ilvpf</a:t>
+          </a:r>
+          <a:r>
+            <a:rPr lang="en-US" sz="1100" b="0" i="0" kern="1200" dirty="0"/>
+            <a:t> </a:t>
+          </a:r>
+          <a:r>
+            <a:rPr lang="en-US" sz="1100" b="0" i="0" kern="1200" dirty="0" err="1"/>
+            <a:t>adkj</a:t>
+          </a:r>
+          <a:r>
+            <a:rPr lang="en-US" sz="1100" b="0" i="0" kern="1200" dirty="0"/>
+            <a:t>, </a:t>
+          </a:r>
+          <a:r>
+            <a:rPr lang="en-US" sz="1100" b="0" i="0" kern="1200" dirty="0" err="1"/>
+            <a:t>avt</a:t>
+          </a:r>
+          <a:r>
+            <a:rPr lang="en-US" sz="1100" b="0" i="0" kern="1200" dirty="0"/>
+            <a:t> </a:t>
+          </a:r>
+          <a:r>
+            <a:rPr lang="en-US" sz="1100" b="0" i="0" kern="1200" dirty="0" err="1"/>
+            <a:t>rejl</a:t>
+          </a:r>
+          <a:r>
+            <a:rPr lang="en-US" sz="1100" b="0" i="0" kern="1200" dirty="0"/>
+            <a:t> </a:t>
+          </a:r>
+          <a:r>
+            <a:rPr lang="en-US" sz="1100" b="0" i="0" kern="1200" dirty="0" err="1"/>
+            <a:t>kph</a:t>
+          </a:r>
+          <a:r>
+            <a:rPr lang="en-US" sz="1100" b="0" i="0" kern="1200" dirty="0"/>
+            <a:t> </a:t>
+          </a:r>
+          <a:r>
+            <a:rPr lang="en-US" sz="1100" b="0" i="0" kern="1200" dirty="0" err="1"/>
+            <a:t>lvsr</a:t>
+          </a:r>
+          <a:r>
+            <a:rPr lang="en-US" sz="1100" b="0" i="0" kern="1200" dirty="0"/>
+            <a:t> </a:t>
+          </a:r>
+          <a:r>
+            <a:rPr lang="en-US" sz="1100" b="0" i="0" kern="1200" dirty="0" err="1"/>
+            <a:t>ph</a:t>
+          </a:r>
+          <a:r>
+            <a:rPr lang="en-US" sz="1100" b="0" i="0" kern="1200" dirty="0"/>
+            <a:t> </a:t>
+          </a:r>
+          <a:r>
+            <a:rPr lang="en-US" sz="1100" b="0" i="0" kern="1200" dirty="0" err="1"/>
+            <a:t>ee</a:t>
+          </a:r>
+          <a:r>
+            <a:rPr lang="en-US" sz="1100" b="0" i="0" kern="1200" dirty="0"/>
+            <a:t> </a:t>
+          </a:r>
+          <a:r>
+            <a:rPr lang="en-US" sz="1100" b="0" i="0" kern="1200" dirty="0" err="1"/>
+            <a:t>pbhieejs</a:t>
+          </a:r>
+          <a:r>
+            <a:rPr lang="en-US" sz="1100" b="0" i="0" kern="1200" dirty="0"/>
+            <a:t> du </a:t>
+          </a:r>
+          <a:r>
+            <a:rPr lang="en-US" sz="1100" b="0" i="0" kern="1200" dirty="0" err="1"/>
+            <a:t>pzasgpp</a:t>
+          </a:r>
+          <a:r>
+            <a:rPr lang="en-US" sz="1100" b="0" i="0" kern="1200" dirty="0"/>
+            <a:t> "</a:t>
+          </a:r>
+          <a:r>
+            <a:rPr lang="en-US" sz="1100" b="0" i="0" kern="1200" dirty="0" err="1"/>
+            <a:t>ulpjvkzuu</a:t>
+          </a:r>
+          <a:r>
+            <a:rPr lang="en-US" sz="1100" b="0" i="0" kern="1200" dirty="0"/>
+            <a:t>." iwi </a:t>
+          </a:r>
+          <a:r>
+            <a:rPr lang="en-US" sz="1100" b="0" i="0" kern="1200" dirty="0" err="1"/>
+            <a:t>klfb</a:t>
+          </a:r>
+          <a:r>
+            <a:rPr lang="en-US" sz="1100" b="0" i="0" kern="1200" dirty="0"/>
+            <a:t> </a:t>
+          </a:r>
+          <a:r>
+            <a:rPr lang="en-US" sz="1100" b="0" i="0" kern="1200" dirty="0" err="1"/>
+            <a:t>qyx</a:t>
+          </a:r>
+          <a:r>
+            <a:rPr lang="en-US" sz="1100" b="0" i="0" kern="1200" dirty="0"/>
+            <a:t> </a:t>
+          </a:r>
+          <a:r>
+            <a:rPr lang="en-US" sz="1100" b="0" i="0" kern="1200" dirty="0" err="1"/>
+            <a:t>oos</a:t>
+          </a:r>
+          <a:r>
+            <a:rPr lang="en-US" sz="1100" b="0" i="0" kern="1200" dirty="0"/>
+            <a:t> </a:t>
+          </a:r>
+          <a:r>
+            <a:rPr lang="en-US" sz="1100" b="0" i="0" kern="1200" dirty="0" err="1"/>
+            <a:t>qivu</a:t>
+          </a:r>
+          <a:r>
+            <a:rPr lang="en-US" sz="1100" b="0" i="0" kern="1200" dirty="0"/>
+            <a:t> </a:t>
+          </a:r>
+          <a:r>
+            <a:rPr lang="en-US" sz="1100" b="0" i="0" kern="1200" dirty="0" err="1"/>
+            <a:t>wc</a:t>
+          </a:r>
+          <a:r>
+            <a:rPr lang="en-US" sz="1100" b="0" i="0" kern="1200" dirty="0"/>
+            <a:t> </a:t>
+          </a:r>
+          <a:r>
+            <a:rPr lang="en-US" sz="1100" b="0" i="0" kern="1200" dirty="0" err="1"/>
+            <a:t>jwv</a:t>
+          </a:r>
+          <a:r>
+            <a:rPr lang="en-US" sz="1100" b="0" i="0" kern="1200" dirty="0"/>
+            <a:t> mcg beef </a:t>
+          </a:r>
+          <a:r>
+            <a:rPr lang="en-US" sz="1100" b="0" i="0" kern="1200" dirty="0" err="1"/>
+            <a:t>mtpvj</a:t>
+          </a:r>
+          <a:r>
+            <a:rPr lang="en-US" sz="1100" b="0" i="0" kern="1200" dirty="0"/>
+            <a:t> </a:t>
+          </a:r>
+          <a:r>
+            <a:rPr lang="en-US" sz="1100" b="0" i="0" kern="1200" dirty="0" err="1"/>
+            <a:t>pb</a:t>
+          </a:r>
+          <a:r>
+            <a:rPr lang="en-US" sz="1100" b="0" i="0" kern="1200" dirty="0"/>
+            <a:t> </a:t>
+          </a:r>
+          <a:r>
+            <a:rPr lang="en-US" sz="1100" b="0" i="0" kern="1200" dirty="0" err="1"/>
+            <a:t>tckzustgmen</a:t>
+          </a:r>
+          <a:r>
+            <a:rPr lang="en-US" sz="1100" b="0" i="0" kern="1200" dirty="0"/>
+            <a:t>.</a:t>
+          </a:r>
+          <a:endParaRPr lang="en-US" sz="1100" kern="1200" dirty="0"/>
+        </a:p>
+      </dsp:txBody>
+      <dsp:txXfrm>
+        <a:off x="55981" y="1216854"/>
+        <a:ext cx="5812588" cy="1034820"/>
+      </dsp:txXfrm>
+    </dsp:sp>
+    <dsp:sp modelId="{2DDC8770-B46D-45ED-B159-C721B763696D}">
+      <dsp:nvSpPr>
+        <dsp:cNvPr id="0" name=""/>
+        <dsp:cNvSpPr/>
+      </dsp:nvSpPr>
+      <dsp:spPr>
+        <a:xfrm>
+          <a:off x="0" y="2321493"/>
+          <a:ext cx="5924550" cy="1146782"/>
+        </a:xfrm>
+        <a:prstGeom prst="roundRect">
+          <a:avLst/>
+        </a:prstGeom>
+        <a:solidFill>
+          <a:schemeClr val="accent3">
+            <a:hueOff val="0"/>
+            <a:satOff val="0"/>
+            <a:lumOff val="0"/>
+            <a:alphaOff val="0"/>
+          </a:schemeClr>
+        </a:solidFill>
+        <a:ln w="19050" cap="flat" cmpd="sng" algn="ctr">
+          <a:solidFill>
+            <a:schemeClr val="lt1">
+              <a:hueOff val="0"/>
+              <a:satOff val="0"/>
+              <a:lumOff val="0"/>
+              <a:alphaOff val="0"/>
+            </a:schemeClr>
+          </a:solidFill>
+          <a:prstDash val="solid"/>
+        </a:ln>
+        <a:effectLst/>
+      </dsp:spPr>
+      <dsp:style>
+        <a:lnRef idx="2">
+          <a:scrgbClr r="0" g="0" b="0"/>
+        </a:lnRef>
+        <a:fillRef idx="1">
+          <a:scrgbClr r="0" g="0" b="0"/>
+        </a:fillRef>
+        <a:effectRef idx="0">
+          <a:scrgbClr r="0" g="0" b="0"/>
+        </a:effectRef>
+        <a:fontRef idx="minor">
+          <a:schemeClr val="lt1"/>
+        </a:fontRef>
+      </dsp:style>
+      <dsp:txBody>
+        <a:bodyPr spcFirstLastPara="0" vert="horz" wrap="square" lIns="60960" tIns="60960" rIns="60960" bIns="60960" numCol="1" spcCol="1270" anchor="ctr" anchorCtr="0">
+          <a:noAutofit/>
+        </a:bodyPr>
+        <a:lstStyle/>
+        <a:p>
+          <a:pPr marL="0" lvl="0" indent="0" algn="l" defTabSz="711200">
+            <a:lnSpc>
+              <a:spcPct val="90000"/>
+            </a:lnSpc>
+            <a:spcBef>
+              <a:spcPct val="0"/>
+            </a:spcBef>
+            <a:spcAft>
+              <a:spcPct val="35000"/>
+            </a:spcAft>
+            <a:buNone/>
+          </a:pPr>
+          <a:r>
+            <a:rPr lang="en-US" sz="1600" b="1" kern="1200" dirty="0"/>
+            <a:t>Q3 (15 Pts): Hold On To The</a:t>
+          </a:r>
+        </a:p>
+        <a:p>
+          <a:pPr marL="0" lvl="0" indent="0" algn="l" defTabSz="711200">
+            <a:lnSpc>
+              <a:spcPct val="90000"/>
+            </a:lnSpc>
+            <a:spcBef>
+              <a:spcPct val="0"/>
+            </a:spcBef>
+            <a:spcAft>
+              <a:spcPct val="35000"/>
+            </a:spcAft>
+            <a:buNone/>
+          </a:pPr>
+          <a:r>
+            <a:rPr lang="en-US" sz="1100" kern="1200" dirty="0"/>
+            <a:t>Can you crack this ciphertext:</a:t>
+          </a:r>
+        </a:p>
+        <a:p>
+          <a:pPr marL="0" lvl="0" indent="0" algn="l" defTabSz="711200">
+            <a:lnSpc>
+              <a:spcPct val="90000"/>
+            </a:lnSpc>
+            <a:spcBef>
+              <a:spcPct val="0"/>
+            </a:spcBef>
+            <a:spcAft>
+              <a:spcPct val="35000"/>
+            </a:spcAft>
+            <a:buNone/>
+          </a:pPr>
+          <a:r>
+            <a:rPr lang="en-US" sz="1100" b="0" i="0" kern="1200" dirty="0"/>
+            <a:t>T </a:t>
+          </a:r>
+          <a:r>
+            <a:rPr lang="en-US" sz="1100" b="0" i="0" kern="1200" dirty="0" err="1"/>
+            <a:t>ai</a:t>
+          </a:r>
+          <a:r>
+            <a:rPr lang="en-US" sz="1100" b="0" i="0" kern="1200" dirty="0"/>
+            <a:t> h </a:t>
+          </a:r>
+          <a:r>
+            <a:rPr lang="en-US" sz="1100" b="0" i="0" kern="1200" dirty="0" err="1"/>
+            <a:t>lcir</a:t>
+          </a:r>
+          <a:r>
+            <a:rPr lang="en-US" sz="1100" b="0" i="0" kern="1200" dirty="0"/>
+            <a:t> </a:t>
+          </a:r>
+          <a:r>
+            <a:rPr lang="en-US" sz="1100" b="0" i="0" kern="1200" dirty="0" err="1"/>
+            <a:t>ieatsn</a:t>
+          </a:r>
+          <a:r>
+            <a:rPr lang="en-US" sz="1100" b="0" i="0" kern="1200" dirty="0"/>
+            <a:t> t </a:t>
+          </a:r>
+          <a:r>
+            <a:rPr lang="en-US" sz="1100" b="0" i="0" kern="1200" dirty="0" err="1"/>
+            <a:t>dtr.vuhsi</a:t>
+          </a:r>
+          <a:r>
+            <a:rPr lang="en-US" sz="1100" b="0" i="0" kern="1200" dirty="0"/>
+            <a:t> </a:t>
+          </a:r>
+          <a:r>
+            <a:rPr lang="en-US" sz="1100" b="0" i="0" kern="1200" dirty="0" err="1"/>
+            <a:t>rcycpe.Terifnecpe</a:t>
+          </a:r>
+          <a:r>
+            <a:rPr lang="en-US" sz="1100" b="0" i="0" kern="1200" dirty="0"/>
+            <a:t> </a:t>
+          </a:r>
+          <a:r>
+            <a:rPr lang="en-US" sz="1100" b="0" i="0" kern="1200" dirty="0" err="1"/>
+            <a:t>sdfntl</a:t>
+          </a:r>
+          <a:r>
+            <a:rPr lang="en-US" sz="1100" b="0" i="0" kern="1200" dirty="0"/>
+            <a:t> o </a:t>
+          </a:r>
+          <a:r>
+            <a:rPr lang="en-US" sz="1100" b="0" i="0" kern="1200" dirty="0" err="1"/>
+            <a:t>eskonadqieabthre</a:t>
+          </a:r>
+          <a:r>
+            <a:rPr lang="en-US" sz="1100" b="0" i="0" kern="1200" dirty="0"/>
+            <a:t> </a:t>
+          </a:r>
+          <a:r>
+            <a:rPr lang="en-US" sz="1100" b="0" i="0" kern="1200" dirty="0" err="1"/>
+            <a:t>ocak</a:t>
+          </a:r>
+          <a:r>
+            <a:rPr lang="en-US" sz="1100" b="0" i="0" kern="1200" dirty="0"/>
+            <a:t> </a:t>
+          </a:r>
+          <a:r>
+            <a:rPr lang="en-US" sz="1100" b="0" i="0" kern="1200" dirty="0" err="1"/>
+            <a:t>aefnistkirhae</a:t>
+          </a:r>
+          <a:r>
+            <a:rPr lang="en-US" sz="1100" b="0" i="0" kern="1200" dirty="0"/>
+            <a:t> </a:t>
+          </a:r>
+          <a:r>
+            <a:rPr lang="en-US" sz="1100" b="0" i="0" kern="1200" dirty="0" err="1"/>
+            <a:t>hieiyll</a:t>
+          </a:r>
+          <a:r>
+            <a:rPr lang="en-US" sz="1100" b="0" i="0" kern="1200" dirty="0"/>
+            <a:t> </a:t>
+          </a:r>
+          <a:r>
+            <a:rPr lang="en-US" sz="1100" b="0" i="0" kern="1200" dirty="0" err="1"/>
+            <a:t>wnu</a:t>
+          </a:r>
+          <a:r>
+            <a:rPr lang="en-US" sz="1100" b="0" i="0" kern="1200" dirty="0"/>
+            <a:t> </a:t>
+          </a:r>
+          <a:r>
+            <a:rPr lang="en-US" sz="1100" b="0" i="0" kern="1200" dirty="0" err="1"/>
+            <a:t>iar</a:t>
+          </a:r>
+          <a:r>
+            <a:rPr lang="en-US" sz="1100" b="0" i="0" kern="1200" dirty="0"/>
+            <a:t> </a:t>
+          </a:r>
+          <a:r>
+            <a:rPr lang="en-US" sz="1100" b="0" i="0" kern="1200" dirty="0" err="1"/>
+            <a:t>cH</a:t>
+          </a:r>
+          <a:r>
+            <a:rPr lang="en-US" sz="1100" b="0" i="0" kern="1200" dirty="0"/>
+            <a:t> !</a:t>
+          </a:r>
+          <a:endParaRPr lang="en-US" sz="1100" kern="1200" dirty="0"/>
+        </a:p>
+      </dsp:txBody>
+      <dsp:txXfrm>
+        <a:off x="55981" y="2377474"/>
+        <a:ext cx="5812588" cy="1034820"/>
+      </dsp:txXfrm>
+    </dsp:sp>
+    <dsp:sp modelId="{1CAD2E5D-5606-4A01-962D-B9EEB6E57436}">
+      <dsp:nvSpPr>
+        <dsp:cNvPr id="0" name=""/>
+        <dsp:cNvSpPr/>
+      </dsp:nvSpPr>
+      <dsp:spPr>
+        <a:xfrm>
+          <a:off x="0" y="3482114"/>
+          <a:ext cx="5924550" cy="1146782"/>
+        </a:xfrm>
+        <a:prstGeom prst="roundRect">
+          <a:avLst/>
+        </a:prstGeom>
+        <a:solidFill>
+          <a:schemeClr val="accent3">
+            <a:hueOff val="0"/>
+            <a:satOff val="0"/>
+            <a:lumOff val="0"/>
+            <a:alphaOff val="0"/>
+          </a:schemeClr>
+        </a:solidFill>
+        <a:ln w="19050" cap="flat" cmpd="sng" algn="ctr">
+          <a:solidFill>
+            <a:schemeClr val="lt1">
+              <a:hueOff val="0"/>
+              <a:satOff val="0"/>
+              <a:lumOff val="0"/>
+              <a:alphaOff val="0"/>
+            </a:schemeClr>
+          </a:solidFill>
+          <a:prstDash val="solid"/>
+        </a:ln>
+        <a:effectLst/>
+      </dsp:spPr>
+      <dsp:style>
+        <a:lnRef idx="2">
+          <a:scrgbClr r="0" g="0" b="0"/>
+        </a:lnRef>
+        <a:fillRef idx="1">
+          <a:scrgbClr r="0" g="0" b="0"/>
+        </a:fillRef>
+        <a:effectRef idx="0">
+          <a:scrgbClr r="0" g="0" b="0"/>
+        </a:effectRef>
+        <a:fontRef idx="minor">
+          <a:schemeClr val="lt1"/>
+        </a:fontRef>
+      </dsp:style>
+      <dsp:txBody>
+        <a:bodyPr spcFirstLastPara="0" vert="horz" wrap="square" lIns="60960" tIns="60960" rIns="60960" bIns="60960" numCol="1" spcCol="1270" anchor="ctr" anchorCtr="0">
+          <a:noAutofit/>
+        </a:bodyPr>
+        <a:lstStyle/>
+        <a:p>
+          <a:pPr marL="0" lvl="0" indent="0" algn="l" defTabSz="711200">
+            <a:lnSpc>
+              <a:spcPct val="90000"/>
+            </a:lnSpc>
+            <a:spcBef>
+              <a:spcPct val="0"/>
+            </a:spcBef>
+            <a:spcAft>
+              <a:spcPct val="35000"/>
+            </a:spcAft>
+            <a:buNone/>
+          </a:pPr>
+          <a:r>
+            <a:rPr lang="en-US" sz="1600" b="1" kern="1200" dirty="0"/>
+            <a:t>Q4 (20 Pts): Play This Way</a:t>
+          </a:r>
+        </a:p>
+        <a:p>
+          <a:pPr marL="0" lvl="0" indent="0" algn="l" defTabSz="711200">
+            <a:lnSpc>
+              <a:spcPct val="90000"/>
+            </a:lnSpc>
+            <a:spcBef>
+              <a:spcPct val="0"/>
+            </a:spcBef>
+            <a:spcAft>
+              <a:spcPct val="35000"/>
+            </a:spcAft>
+            <a:buNone/>
+          </a:pPr>
+          <a:r>
+            <a:rPr lang="en-US" sz="1100" kern="1200" dirty="0"/>
+            <a:t>Can you crack this ciphertext:</a:t>
+          </a:r>
+        </a:p>
+        <a:p>
+          <a:pPr marL="0" lvl="0" indent="0" algn="l" defTabSz="711200">
+            <a:lnSpc>
+              <a:spcPct val="90000"/>
+            </a:lnSpc>
+            <a:spcBef>
+              <a:spcPct val="0"/>
+            </a:spcBef>
+            <a:spcAft>
+              <a:spcPct val="35000"/>
+            </a:spcAft>
+            <a:buNone/>
+          </a:pPr>
+          <a:r>
+            <a:rPr lang="en-US" sz="1100" b="0" i="0" kern="1200" dirty="0" err="1"/>
+            <a:t>Siht</a:t>
+          </a:r>
+          <a:r>
+            <a:rPr lang="en-US" sz="1100" b="0" i="0" kern="1200" dirty="0"/>
+            <a:t> </a:t>
+          </a:r>
+          <a:r>
+            <a:rPr lang="en-US" sz="1100" b="0" i="0" kern="1200" dirty="0" err="1"/>
+            <a:t>dhnkbu</a:t>
+          </a:r>
+          <a:r>
+            <a:rPr lang="en-US" sz="1100" b="0" i="0" kern="1200" dirty="0"/>
+            <a:t> </a:t>
+          </a:r>
+          <a:r>
+            <a:rPr lang="en-US" sz="1100" b="0" i="0" kern="1200" dirty="0" err="1"/>
+            <a:t>ht</a:t>
+          </a:r>
+          <a:r>
+            <a:rPr lang="en-US" sz="1100" b="0" i="0" kern="1200" dirty="0"/>
+            <a:t> </a:t>
+          </a:r>
+          <a:r>
+            <a:rPr lang="en-US" sz="1100" b="0" i="0" kern="1200" dirty="0" err="1"/>
+            <a:t>eagkohudov</a:t>
+          </a:r>
+          <a:r>
+            <a:rPr lang="en-US" sz="1100" b="0" i="0" kern="1200" dirty="0"/>
+            <a:t> </a:t>
+          </a:r>
+          <a:r>
+            <a:rPr lang="en-US" sz="1100" b="0" i="0" kern="1200" dirty="0" err="1"/>
+            <a:t>zatw</a:t>
+          </a:r>
+          <a:r>
+            <a:rPr lang="en-US" sz="1100" b="0" i="0" kern="1200" dirty="0"/>
+            <a:t> </a:t>
+          </a:r>
+          <a:r>
+            <a:rPr lang="en-US" sz="1100" b="0" i="0" kern="1200" dirty="0" err="1"/>
+            <a:t>iommhdqpy</a:t>
+          </a:r>
+          <a:r>
+            <a:rPr lang="en-US" sz="1100" b="0" i="0" kern="1200" dirty="0"/>
+            <a:t>. Oi </a:t>
+          </a:r>
+          <a:r>
+            <a:rPr lang="en-US" sz="1100" b="0" i="0" kern="1200" dirty="0" err="1"/>
+            <a:t>vpt</a:t>
+          </a:r>
+          <a:r>
+            <a:rPr lang="en-US" sz="1100" b="0" i="0" kern="1200" dirty="0"/>
+            <a:t> </a:t>
+          </a:r>
+          <a:r>
+            <a:rPr lang="en-US" sz="1100" b="0" i="0" kern="1200" dirty="0" err="1"/>
+            <a:t>dbs</a:t>
+          </a:r>
+          <a:r>
+            <a:rPr lang="en-US" sz="1100" b="0" i="0" kern="1200" dirty="0"/>
+            <a:t> </a:t>
+          </a:r>
+          <a:r>
+            <a:rPr lang="en-US" sz="1100" b="0" i="0" kern="1200" dirty="0" err="1"/>
+            <a:t>xpmza</a:t>
+          </a:r>
+          <a:r>
+            <a:rPr lang="en-US" sz="1100" b="0" i="0" kern="1200" dirty="0"/>
+            <a:t> oy G </a:t>
+          </a:r>
+          <a:r>
+            <a:rPr lang="en-US" sz="1100" b="0" i="0" kern="1200" dirty="0" err="1"/>
+            <a:t>yfom</a:t>
+          </a:r>
+          <a:r>
+            <a:rPr lang="en-US" sz="1100" b="0" i="0" kern="1200" dirty="0"/>
+            <a:t> aa </a:t>
+          </a:r>
+          <a:r>
+            <a:rPr lang="en-US" sz="1100" b="0" i="0" kern="1200" dirty="0" err="1"/>
+            <a:t>zbud</a:t>
+          </a:r>
+          <a:r>
+            <a:rPr lang="en-US" sz="1100" b="0" i="0" kern="1200" dirty="0"/>
+            <a:t> </a:t>
+          </a:r>
+          <a:r>
+            <a:rPr lang="en-US" sz="1100" b="0" i="0" kern="1200" dirty="0" err="1"/>
+            <a:t>onlubyyae</a:t>
+          </a:r>
+          <a:r>
+            <a:rPr lang="en-US" sz="1100" b="0" i="0" kern="1200" dirty="0"/>
+            <a:t>! </a:t>
+          </a:r>
+          <a:r>
+            <a:rPr lang="en-US" sz="1100" b="0" i="0" kern="1200" dirty="0" err="1"/>
+            <a:t>Poc</a:t>
+          </a:r>
+          <a:r>
+            <a:rPr lang="en-US" sz="1100" b="0" i="0" kern="1200" dirty="0"/>
+            <a:t> </a:t>
+          </a:r>
+          <a:r>
+            <a:rPr lang="en-US" sz="1100" b="0" i="0" kern="1200" dirty="0" err="1"/>
+            <a:t>khoz</a:t>
+          </a:r>
+          <a:r>
+            <a:rPr lang="en-US" sz="1100" b="0" i="0" kern="1200" dirty="0"/>
+            <a:t> </a:t>
+          </a:r>
+          <a:r>
+            <a:rPr lang="en-US" sz="1100" b="0" i="0" kern="1200" dirty="0" err="1"/>
+            <a:t>zfcr</a:t>
+          </a:r>
+          <a:r>
+            <a:rPr lang="en-US" sz="1100" b="0" i="0" kern="1200" dirty="0"/>
+            <a:t> </a:t>
+          </a:r>
+          <a:r>
+            <a:rPr lang="en-US" sz="1100" b="0" i="0" kern="1200" dirty="0" err="1"/>
+            <a:t>okhis</a:t>
+          </a:r>
+          <a:r>
+            <a:rPr lang="en-US" sz="1100" b="0" i="0" kern="1200" dirty="0"/>
+            <a:t> ca </a:t>
+          </a:r>
+          <a:r>
+            <a:rPr lang="en-US" sz="1100" b="0" i="0" kern="1200" dirty="0" err="1"/>
+            <a:t>qtakqp</a:t>
+          </a:r>
+          <a:r>
+            <a:rPr lang="en-US" sz="1100" b="0" i="0" kern="1200" dirty="0"/>
+            <a:t> (ops </a:t>
+          </a:r>
+          <a:r>
+            <a:rPr lang="en-US" sz="1100" b="0" i="0" kern="1200" dirty="0" err="1"/>
+            <a:t>omy</a:t>
+          </a:r>
+          <a:r>
+            <a:rPr lang="en-US" sz="1100" b="0" i="0" kern="1200" dirty="0"/>
+            <a:t> li </a:t>
+          </a:r>
+          <a:r>
+            <a:rPr lang="en-US" sz="1100" b="0" i="0" kern="1200" dirty="0" err="1"/>
+            <a:t>dnqsuc</a:t>
+          </a:r>
+          <a:r>
+            <a:rPr lang="en-US" sz="1100" b="0" i="0" kern="1200" dirty="0"/>
+            <a:t>) </a:t>
+          </a:r>
+          <a:r>
+            <a:rPr lang="en-US" sz="1100" b="0" i="0" kern="1200" dirty="0" err="1"/>
+            <a:t>ht</a:t>
+          </a:r>
+          <a:r>
+            <a:rPr lang="en-US" sz="1100" b="0" i="0" kern="1200" dirty="0"/>
+            <a:t> </a:t>
+          </a:r>
+          <a:r>
+            <a:rPr lang="en-US" sz="1100" b="0" i="0" kern="1200" dirty="0" err="1"/>
+            <a:t>sidq</a:t>
+          </a:r>
+          <a:r>
+            <a:rPr lang="en-US" sz="1100" b="0" i="0" kern="1200" dirty="0"/>
+            <a:t> </a:t>
+          </a:r>
+          <a:r>
+            <a:rPr lang="en-US" sz="1100" b="0" i="0" kern="1200" dirty="0" err="1"/>
+            <a:t>sia</a:t>
+          </a:r>
+          <a:r>
+            <a:rPr lang="en-US" sz="1100" b="0" i="0" kern="1200" dirty="0"/>
+            <a:t> </a:t>
+          </a:r>
+          <a:r>
+            <a:rPr lang="en-US" sz="1100" b="0" i="0" kern="1200" dirty="0" err="1"/>
+            <a:t>pduudt</a:t>
+          </a:r>
+          <a:r>
+            <a:rPr lang="en-US" sz="1100" b="0" i="0" kern="1200" dirty="0"/>
+            <a:t> G </a:t>
+          </a:r>
+          <a:r>
+            <a:rPr lang="en-US" sz="1100" b="0" i="0" kern="1200" dirty="0" err="1"/>
+            <a:t>ht</a:t>
+          </a:r>
+          <a:r>
+            <a:rPr lang="en-US" sz="1100" b="0" i="0" kern="1200" dirty="0"/>
+            <a:t> </a:t>
+          </a:r>
+          <a:r>
+            <a:rPr lang="en-US" sz="1100" b="0" i="0" kern="1200" dirty="0" err="1"/>
+            <a:t>ogyyhoh!W</a:t>
+          </a:r>
+          <a:endParaRPr lang="en-US" sz="1100" kern="1200" dirty="0"/>
+        </a:p>
+      </dsp:txBody>
+      <dsp:txXfrm>
+        <a:off x="55981" y="3538095"/>
+        <a:ext cx="5812588" cy="1034820"/>
+      </dsp:txXfrm>
+    </dsp:sp>
+  </dsp:spTree>
+</dsp:drawing>
+</file>
+
+<file path=ppt/diagrams/drawing2.xml><?xml version="1.0" encoding="utf-8"?>
+<dsp:drawing xmlns:dgm="http://schemas.openxmlformats.org/drawingml/2006/diagram" xmlns:dsp="http://schemas.microsoft.com/office/drawing/2008/diagram" xmlns:a="http://schemas.openxmlformats.org/drawingml/2006/main">
+  <dsp:spTree>
+    <dsp:nvGrpSpPr>
+      <dsp:cNvPr id="0" name=""/>
+      <dsp:cNvGrpSpPr/>
+    </dsp:nvGrpSpPr>
+    <dsp:grpSpPr/>
+    <dsp:sp modelId="{C0020BCC-D6B9-4A7D-A2A0-D8249AF17774}">
+      <dsp:nvSpPr>
+        <dsp:cNvPr id="0" name=""/>
+        <dsp:cNvSpPr/>
+      </dsp:nvSpPr>
+      <dsp:spPr>
+        <a:xfrm>
+          <a:off x="0" y="17775"/>
+          <a:ext cx="5924550" cy="1029600"/>
+        </a:xfrm>
+        <a:prstGeom prst="roundRect">
+          <a:avLst/>
+        </a:prstGeom>
+        <a:solidFill>
+          <a:schemeClr val="accent2">
+            <a:hueOff val="0"/>
+            <a:satOff val="0"/>
+            <a:lumOff val="0"/>
+            <a:alphaOff val="0"/>
+          </a:schemeClr>
+        </a:solidFill>
+        <a:ln w="19050" cap="flat" cmpd="sng" algn="ctr">
+          <a:solidFill>
+            <a:schemeClr val="lt1">
+              <a:hueOff val="0"/>
+              <a:satOff val="0"/>
+              <a:lumOff val="0"/>
+              <a:alphaOff val="0"/>
+            </a:schemeClr>
+          </a:solidFill>
+          <a:prstDash val="solid"/>
+        </a:ln>
+        <a:effectLst/>
+      </dsp:spPr>
+      <dsp:style>
+        <a:lnRef idx="2">
+          <a:scrgbClr r="0" g="0" b="0"/>
+        </a:lnRef>
+        <a:fillRef idx="1">
+          <a:scrgbClr r="0" g="0" b="0"/>
+        </a:fillRef>
+        <a:effectRef idx="0">
+          <a:scrgbClr r="0" g="0" b="0"/>
+        </a:effectRef>
+        <a:fontRef idx="minor">
+          <a:schemeClr val="lt1"/>
+        </a:fontRef>
+      </dsp:style>
+      <dsp:txBody>
+        <a:bodyPr spcFirstLastPara="0" vert="horz" wrap="square" lIns="68580" tIns="68580" rIns="68580" bIns="68580" numCol="1" spcCol="1270" anchor="ctr" anchorCtr="0">
+          <a:noAutofit/>
+        </a:bodyPr>
+        <a:lstStyle/>
+        <a:p>
+          <a:pPr marL="0" lvl="0" indent="0" algn="l" defTabSz="800100">
+            <a:lnSpc>
+              <a:spcPct val="90000"/>
+            </a:lnSpc>
+            <a:spcBef>
+              <a:spcPct val="0"/>
+            </a:spcBef>
+            <a:spcAft>
+              <a:spcPct val="35000"/>
+            </a:spcAft>
+            <a:buNone/>
+          </a:pPr>
+          <a:r>
+            <a:rPr lang="en-US" sz="1800" b="1" kern="1200" dirty="0"/>
+            <a:t>Q1 (5 Pts): Disguised From Detective</a:t>
+          </a:r>
+        </a:p>
+        <a:p>
+          <a:pPr marL="0" lvl="0" indent="0" algn="l" defTabSz="800100">
+            <a:lnSpc>
+              <a:spcPct val="90000"/>
+            </a:lnSpc>
+            <a:spcBef>
+              <a:spcPct val="0"/>
+            </a:spcBef>
+            <a:spcAft>
+              <a:spcPct val="35000"/>
+            </a:spcAft>
+            <a:buNone/>
+          </a:pPr>
+          <a:r>
+            <a:rPr lang="en-US" sz="1400" b="0" i="0" kern="1200" dirty="0"/>
+            <a:t>What is another word for a "UI redress attack“?</a:t>
+          </a:r>
+          <a:endParaRPr lang="en-US" sz="1400" kern="1200" dirty="0"/>
+        </a:p>
+      </dsp:txBody>
+      <dsp:txXfrm>
+        <a:off x="50261" y="68036"/>
+        <a:ext cx="5824028" cy="929078"/>
+      </dsp:txXfrm>
+    </dsp:sp>
+    <dsp:sp modelId="{688DB039-8E92-479B-9FC4-B3EDD5F8FC33}">
+      <dsp:nvSpPr>
+        <dsp:cNvPr id="0" name=""/>
+        <dsp:cNvSpPr/>
+      </dsp:nvSpPr>
+      <dsp:spPr>
+        <a:xfrm>
+          <a:off x="0" y="1205775"/>
+          <a:ext cx="5924550" cy="1029600"/>
+        </a:xfrm>
+        <a:prstGeom prst="roundRect">
+          <a:avLst/>
+        </a:prstGeom>
+        <a:solidFill>
+          <a:schemeClr val="accent3">
+            <a:hueOff val="0"/>
+            <a:satOff val="0"/>
+            <a:lumOff val="0"/>
+            <a:alphaOff val="0"/>
+          </a:schemeClr>
+        </a:solidFill>
+        <a:ln w="19050" cap="flat" cmpd="sng" algn="ctr">
+          <a:solidFill>
+            <a:schemeClr val="lt1">
+              <a:hueOff val="0"/>
+              <a:satOff val="0"/>
+              <a:lumOff val="0"/>
+              <a:alphaOff val="0"/>
+            </a:schemeClr>
+          </a:solidFill>
+          <a:prstDash val="solid"/>
+        </a:ln>
+        <a:effectLst/>
+      </dsp:spPr>
+      <dsp:style>
+        <a:lnRef idx="2">
+          <a:scrgbClr r="0" g="0" b="0"/>
+        </a:lnRef>
+        <a:fillRef idx="1">
+          <a:scrgbClr r="0" g="0" b="0"/>
+        </a:fillRef>
+        <a:effectRef idx="0">
+          <a:scrgbClr r="0" g="0" b="0"/>
+        </a:effectRef>
+        <a:fontRef idx="minor">
+          <a:schemeClr val="lt1"/>
+        </a:fontRef>
+      </dsp:style>
+      <dsp:txBody>
+        <a:bodyPr spcFirstLastPara="0" vert="horz" wrap="square" lIns="68580" tIns="68580" rIns="68580" bIns="68580" numCol="1" spcCol="1270" anchor="ctr" anchorCtr="0">
+          <a:noAutofit/>
+        </a:bodyPr>
+        <a:lstStyle/>
+        <a:p>
+          <a:pPr marL="0" lvl="0" indent="0" algn="l" defTabSz="800100">
+            <a:lnSpc>
+              <a:spcPct val="90000"/>
+            </a:lnSpc>
+            <a:spcBef>
+              <a:spcPct val="0"/>
+            </a:spcBef>
+            <a:spcAft>
+              <a:spcPct val="35000"/>
+            </a:spcAft>
+            <a:buNone/>
+          </a:pPr>
+          <a:r>
+            <a:rPr lang="en-US" sz="1800" b="1" kern="1200" dirty="0"/>
+            <a:t>Q2 (5 Pts): Look In the Mirror</a:t>
+          </a:r>
+        </a:p>
+        <a:p>
+          <a:pPr marL="0" lvl="0" indent="0" algn="l" defTabSz="800100">
+            <a:lnSpc>
+              <a:spcPct val="90000"/>
+            </a:lnSpc>
+            <a:spcBef>
+              <a:spcPct val="0"/>
+            </a:spcBef>
+            <a:spcAft>
+              <a:spcPct val="35000"/>
+            </a:spcAft>
+            <a:buNone/>
+          </a:pPr>
+          <a:r>
+            <a:rPr lang="en-US" sz="1400" b="0" i="0" kern="1200" dirty="0"/>
+            <a:t>What kind of XSS occurs when an attacker injects browser executable code within a single HTTP response?</a:t>
+          </a:r>
+          <a:endParaRPr lang="en-US" sz="1400" kern="1200" dirty="0"/>
+        </a:p>
+      </dsp:txBody>
+      <dsp:txXfrm>
+        <a:off x="50261" y="1256036"/>
+        <a:ext cx="5824028" cy="929078"/>
+      </dsp:txXfrm>
+    </dsp:sp>
+    <dsp:sp modelId="{8975A83F-A87F-4059-933D-5F0B29A5BF59}">
+      <dsp:nvSpPr>
+        <dsp:cNvPr id="0" name=""/>
+        <dsp:cNvSpPr/>
+      </dsp:nvSpPr>
+      <dsp:spPr>
+        <a:xfrm>
+          <a:off x="0" y="2393775"/>
+          <a:ext cx="5924550" cy="1029600"/>
+        </a:xfrm>
+        <a:prstGeom prst="roundRect">
+          <a:avLst/>
+        </a:prstGeom>
+        <a:solidFill>
+          <a:schemeClr val="accent4">
+            <a:hueOff val="0"/>
+            <a:satOff val="0"/>
+            <a:lumOff val="0"/>
+            <a:alphaOff val="0"/>
+          </a:schemeClr>
+        </a:solidFill>
+        <a:ln w="19050" cap="flat" cmpd="sng" algn="ctr">
+          <a:solidFill>
+            <a:schemeClr val="lt1">
+              <a:hueOff val="0"/>
+              <a:satOff val="0"/>
+              <a:lumOff val="0"/>
+              <a:alphaOff val="0"/>
+            </a:schemeClr>
+          </a:solidFill>
+          <a:prstDash val="solid"/>
+        </a:ln>
+        <a:effectLst/>
+      </dsp:spPr>
+      <dsp:style>
+        <a:lnRef idx="2">
+          <a:scrgbClr r="0" g="0" b="0"/>
+        </a:lnRef>
+        <a:fillRef idx="1">
+          <a:scrgbClr r="0" g="0" b="0"/>
+        </a:fillRef>
+        <a:effectRef idx="0">
+          <a:scrgbClr r="0" g="0" b="0"/>
+        </a:effectRef>
+        <a:fontRef idx="minor">
+          <a:schemeClr val="lt1"/>
+        </a:fontRef>
+      </dsp:style>
+      <dsp:txBody>
+        <a:bodyPr spcFirstLastPara="0" vert="horz" wrap="square" lIns="68580" tIns="68580" rIns="68580" bIns="68580" numCol="1" spcCol="1270" anchor="ctr" anchorCtr="0">
+          <a:noAutofit/>
+        </a:bodyPr>
+        <a:lstStyle/>
+        <a:p>
+          <a:pPr marL="0" lvl="0" indent="0" algn="l" defTabSz="800100">
+            <a:lnSpc>
+              <a:spcPct val="90000"/>
+            </a:lnSpc>
+            <a:spcBef>
+              <a:spcPct val="0"/>
+            </a:spcBef>
+            <a:spcAft>
+              <a:spcPct val="35000"/>
+            </a:spcAft>
+            <a:buNone/>
+          </a:pPr>
+          <a:r>
+            <a:rPr lang="en-US" sz="1800" b="1" kern="1200" dirty="0"/>
+            <a:t>Q3 (5 Pts): Valentines</a:t>
+          </a:r>
+        </a:p>
+        <a:p>
+          <a:pPr marL="0" lvl="0" indent="0" algn="l" defTabSz="800100">
+            <a:lnSpc>
+              <a:spcPct val="90000"/>
+            </a:lnSpc>
+            <a:spcBef>
+              <a:spcPct val="0"/>
+            </a:spcBef>
+            <a:spcAft>
+              <a:spcPct val="35000"/>
+            </a:spcAft>
+            <a:buNone/>
+          </a:pPr>
+          <a:r>
+            <a:rPr lang="en-US" sz="1400" b="0" i="0" kern="1200" dirty="0"/>
+            <a:t>What was the virus that spread through email back around May 5th, 2000?</a:t>
+          </a:r>
+          <a:endParaRPr lang="en-US" sz="1400" kern="1200" dirty="0"/>
+        </a:p>
+      </dsp:txBody>
+      <dsp:txXfrm>
+        <a:off x="50261" y="2444036"/>
+        <a:ext cx="5824028" cy="929078"/>
+      </dsp:txXfrm>
+    </dsp:sp>
+    <dsp:sp modelId="{A4E70348-6FC7-4E4B-8023-BDBA56AF1F7D}">
+      <dsp:nvSpPr>
+        <dsp:cNvPr id="0" name=""/>
+        <dsp:cNvSpPr/>
+      </dsp:nvSpPr>
+      <dsp:spPr>
+        <a:xfrm>
+          <a:off x="0" y="3581775"/>
+          <a:ext cx="5924550" cy="1029600"/>
+        </a:xfrm>
+        <a:prstGeom prst="roundRect">
+          <a:avLst/>
+        </a:prstGeom>
+        <a:solidFill>
+          <a:schemeClr val="accent5">
+            <a:hueOff val="0"/>
+            <a:satOff val="0"/>
+            <a:lumOff val="0"/>
+            <a:alphaOff val="0"/>
+          </a:schemeClr>
+        </a:solidFill>
+        <a:ln w="19050" cap="flat" cmpd="sng" algn="ctr">
+          <a:solidFill>
+            <a:schemeClr val="lt1">
+              <a:hueOff val="0"/>
+              <a:satOff val="0"/>
+              <a:lumOff val="0"/>
+              <a:alphaOff val="0"/>
+            </a:schemeClr>
+          </a:solidFill>
+          <a:prstDash val="solid"/>
+        </a:ln>
+        <a:effectLst/>
+      </dsp:spPr>
+      <dsp:style>
+        <a:lnRef idx="2">
+          <a:scrgbClr r="0" g="0" b="0"/>
+        </a:lnRef>
+        <a:fillRef idx="1">
+          <a:scrgbClr r="0" g="0" b="0"/>
+        </a:fillRef>
+        <a:effectRef idx="0">
+          <a:scrgbClr r="0" g="0" b="0"/>
+        </a:effectRef>
+        <a:fontRef idx="minor">
+          <a:schemeClr val="lt1"/>
+        </a:fontRef>
+      </dsp:style>
+      <dsp:txBody>
+        <a:bodyPr spcFirstLastPara="0" vert="horz" wrap="square" lIns="68580" tIns="68580" rIns="68580" bIns="68580" numCol="1" spcCol="1270" anchor="ctr" anchorCtr="0">
+          <a:noAutofit/>
+        </a:bodyPr>
+        <a:lstStyle/>
+        <a:p>
+          <a:pPr marL="0" lvl="0" indent="0" algn="l" defTabSz="800100">
+            <a:lnSpc>
+              <a:spcPct val="90000"/>
+            </a:lnSpc>
+            <a:spcBef>
+              <a:spcPct val="0"/>
+            </a:spcBef>
+            <a:spcAft>
+              <a:spcPct val="35000"/>
+            </a:spcAft>
+            <a:buNone/>
+          </a:pPr>
+          <a:r>
+            <a:rPr lang="en-US" sz="1800" b="1" kern="1200" dirty="0"/>
+            <a:t>Q4 (5 Pts): </a:t>
+          </a:r>
+          <a:r>
+            <a:rPr lang="en-US" sz="1800" b="1" kern="1200" dirty="0" err="1"/>
+            <a:t>Poppin</a:t>
+          </a:r>
+          <a:r>
+            <a:rPr lang="en-US" sz="1800" b="1" kern="1200" dirty="0"/>
+            <a:t> Caps</a:t>
+          </a:r>
+        </a:p>
+        <a:p>
+          <a:pPr marL="0" lvl="0" indent="0" algn="l" defTabSz="800100">
+            <a:lnSpc>
+              <a:spcPct val="90000"/>
+            </a:lnSpc>
+            <a:spcBef>
+              <a:spcPct val="0"/>
+            </a:spcBef>
+            <a:spcAft>
+              <a:spcPct val="35000"/>
+            </a:spcAft>
+            <a:buNone/>
+          </a:pPr>
+          <a:r>
+            <a:rPr lang="en-US" sz="1400" b="0" i="0" kern="1200" dirty="0"/>
+            <a:t>What utility is used to sniff packets?</a:t>
+          </a:r>
+          <a:endParaRPr lang="en-US" sz="1400" kern="1200" dirty="0"/>
+        </a:p>
+      </dsp:txBody>
+      <dsp:txXfrm>
+        <a:off x="50261" y="3632036"/>
+        <a:ext cx="5824028" cy="929078"/>
+      </dsp:txXfrm>
+    </dsp:sp>
+  </dsp:spTree>
+</dsp:drawing>
+</file>
+
+<file path=ppt/diagrams/layout1.xml><?xml version="1.0" encoding="utf-8"?>
+<dgm:layoutDef xmlns:dgm="http://schemas.openxmlformats.org/drawingml/2006/diagram" xmlns:a="http://schemas.openxmlformats.org/drawingml/2006/main" uniqueId="urn:microsoft.com/office/officeart/2005/8/layout/vList2">
+  <dgm:title val=""/>
+  <dgm:desc val=""/>
+  <dgm:catLst>
+    <dgm:cat type="list" pri="3000"/>
+    <dgm:cat type="convert" pri="1000"/>
+  </dgm:catLst>
+  <dgm:sampData>
+    <dgm:dataModel>
+      <dgm:ptLst>
+        <dgm:pt modelId="0" type="doc"/>
+        <dgm:pt modelId="1">
+          <dgm:prSet phldr="1"/>
+        </dgm:pt>
+        <dgm:pt modelId="11">
+          <dgm:prSet phldr="1"/>
+        </dgm:pt>
+        <dgm:pt modelId="2">
+          <dgm:prSet phldr="1"/>
+        </dgm:pt>
+        <dgm:pt modelId="21">
+          <dgm:prSet phldr="1"/>
+        </dgm:pt>
+      </dgm:ptLst>
+      <dgm:cxnLst>
+        <dgm:cxn modelId="4" srcId="0" destId="1" srcOrd="0" destOrd="0"/>
+        <dgm:cxn modelId="5" srcId="0" destId="2" srcOrd="1" destOrd="0"/>
+        <dgm:cxn modelId="12" srcId="1" destId="11" srcOrd="0" destOrd="0"/>
+        <dgm:cxn modelId="23" srcId="2" destId="21" srcOrd="0" destOrd="0"/>
+      </dgm:cxnLst>
+      <dgm:bg/>
+      <dgm:whole/>
+    </dgm:dataModel>
+  </dgm:sampData>
+  <dgm:styleData>
+    <dgm:dataModel>
+      <dgm:ptLst>
+        <dgm:pt modelId="0" type="doc"/>
+        <dgm:pt modelId="1"/>
+        <dgm:pt modelId="2"/>
+      </dgm:ptLst>
+      <dgm:cxnLst>
+        <dgm:cxn modelId="3" srcId="0" destId="1" srcOrd="0" destOrd="0"/>
+        <dgm:cxn modelId="4" srcId="0" destId="2" srcOrd="1" destOrd="0"/>
+      </dgm:cxnLst>
+      <dgm:bg/>
+      <dgm:whole/>
+    </dgm:dataModel>
+  </dgm:styleData>
+  <dgm:clrData>
+    <dgm:dataModel>
+      <dgm:ptLst>
+        <dgm:pt modelId="0" type="doc"/>
+        <dgm:pt modelId="1"/>
+        <dgm:pt modelId="2"/>
+        <dgm:pt modelId="3"/>
+        <dgm:pt modelId="4"/>
+      </dgm:ptLst>
+      <dgm:cxnLst>
+        <dgm:cxn modelId="5" srcId="0" destId="1" srcOrd="0" destOrd="0"/>
+        <dgm:cxn modelId="6" srcId="0" destId="2" srcOrd="1" destOrd="0"/>
+        <dgm:cxn modelId="7" srcId="0" destId="3" srcOrd="2" destOrd="0"/>
+        <dgm:cxn modelId="8" srcId="0" destId="4" srcOrd="3" destOrd="0"/>
+      </dgm:cxnLst>
+      <dgm:bg/>
+      <dgm:whole/>
+    </dgm:dataModel>
+  </dgm:clrData>
+  <dgm:layoutNode name="linear">
+    <dgm:varLst>
+      <dgm:animLvl val="lvl"/>
+      <dgm:resizeHandles val="exact"/>
+    </dgm:varLst>
+    <dgm:alg type="lin">
+      <dgm:param type="linDir" val="fromT"/>
+      <dgm:param type="vertAlign" val="mid"/>
+    </dgm:alg>
+    <dgm:shape xmlns:r="http://schemas.openxmlformats.org/officeDocument/2006/relationships" r:blip="">
+      <dgm:adjLst/>
+    </dgm:shape>
+    <dgm:presOf/>
+    <dgm:constrLst>
+      <dgm:constr type="w" for="ch" forName="parentText" refType="w"/>
+      <dgm:constr type="h" for="ch" forName="parentText" refType="primFontSz" refFor="ch" refForName="parentText" fact="0.52"/>
+      <dgm:constr type="w" for="ch" forName="childText" refType="w"/>
+      <dgm:constr type="h" for="ch" forName="childText" refType="primFontSz" refFor="ch" refForName="parentText" fact="0.46"/>
+      <dgm:constr type="h" for="ch" forName="parentText" op="equ"/>
+      <dgm:constr type="primFontSz" for="ch" forName="parentText" op="equ" val="65"/>
+      <dgm:constr type="primFontSz" for="ch" forName="childText" refType="primFontSz" refFor="ch" refForName="parentText" op="equ"/>
+      <dgm:constr type="h" for="ch" forName="spacer" refType="primFontSz" refFor="ch" refForName="parentText" fact="0.08"/>
+    </dgm:constrLst>
+    <dgm:ruleLst>
+      <dgm:rule type="primFontSz" for="ch" forName="parentText" val="5" fact="NaN" max="NaN"/>
+    </dgm:ruleLst>
+    <dgm:forEach name="Name0" axis="ch" ptType="node">
+      <dgm:layoutNode name="parentText" styleLbl="node1">
+        <dgm:varLst>
+          <dgm:chMax val="0"/>
+          <dgm:bulletEnabled val="1"/>
+        </dgm:varLst>
+        <dgm:alg type="tx">
+          <dgm:param type="parTxLTRAlign" val="l"/>
+          <dgm:param type="parTxRTLAlign" val="r"/>
+        </dgm:alg>
+        <dgm:shape xmlns:r="http://schemas.openxmlformats.org/officeDocument/2006/relationships" type="roundRect" r:blip="">
+          <dgm:adjLst/>
+        </dgm:shape>
+        <dgm:presOf axis="self"/>
+        <dgm:constrLst>
+          <dgm:constr type="tMarg" refType="primFontSz" fact="0.3"/>
+          <dgm:constr type="bMarg" refType="primFontSz" fact="0.3"/>
+          <dgm:constr type="lMarg" refType="primFontSz" fact="0.3"/>
+          <dgm:constr type="rMarg" refType="primFontSz" fact="0.3"/>
+        </dgm:constrLst>
+        <dgm:ruleLst>
+          <dgm:rule type="h" val="INF" fact="NaN" max="NaN"/>
+        </dgm:ruleLst>
+      </dgm:layoutNode>
+      <dgm:choose name="Name1">
+        <dgm:if name="Name2" axis="ch" ptType="node" func="cnt" op="gte" val="1">
+          <dgm:layoutNode name="childText" styleLbl="revTx">
+            <dgm:varLst>
+              <dgm:bulletEnabled val="1"/>
+            </dgm:varLst>
+            <dgm:alg type="tx">
+              <dgm:param type="stBulletLvl" val="1"/>
+              <dgm:param type="lnSpAfChP" val="20"/>
+            </dgm:alg>
+            <dgm:shape xmlns:r="http://schemas.openxmlformats.org/officeDocument/2006/relationships" type="rect" r:blip="">
+              <dgm:adjLst/>
+            </dgm:shape>
+            <dgm:presOf axis="des" ptType="node"/>
+            <dgm:constrLst>
+              <dgm:constr type="tMarg" refType="primFontSz" fact="0.1"/>
+              <dgm:constr type="bMarg" refType="primFontSz" fact="0.1"/>
+              <dgm:constr type="lMarg" refType="w" fact="0.09"/>
+            </dgm:constrLst>
+            <dgm:ruleLst>
+              <dgm:rule type="h" val="INF" fact="NaN" max="NaN"/>
+            </dgm:ruleLst>
+          </dgm:layoutNode>
+        </dgm:if>
+        <dgm:else name="Name3">
+          <dgm:choose name="Name4">
+            <dgm:if name="Name5" axis="par ch" ptType="doc node" func="cnt" op="gte" val="2">
+              <dgm:forEach name="Name6" axis="followSib" ptType="sibTrans" cnt="1">
+                <dgm:layoutNode name="spacer">
+                  <dgm:alg type="sp"/>
+                  <dgm:shape xmlns:r="http://schemas.openxmlformats.org/officeDocument/2006/relationships" r:blip="">
+                    <dgm:adjLst/>
+                  </dgm:shape>
+                  <dgm:presOf/>
+                  <dgm:constrLst/>
+                  <dgm:ruleLst/>
+                </dgm:layoutNode>
+              </dgm:forEach>
+            </dgm:if>
+            <dgm:else name="Name7"/>
+          </dgm:choose>
+        </dgm:else>
+      </dgm:choose>
+    </dgm:forEach>
+  </dgm:layoutNode>
+</dgm:layoutDef>
+</file>
+
+<file path=ppt/diagrams/layout2.xml><?xml version="1.0" encoding="utf-8"?>
+<dgm:layoutDef xmlns:dgm="http://schemas.openxmlformats.org/drawingml/2006/diagram" xmlns:a="http://schemas.openxmlformats.org/drawingml/2006/main" uniqueId="urn:microsoft.com/office/officeart/2005/8/layout/vList2">
+  <dgm:title val=""/>
+  <dgm:desc val=""/>
+  <dgm:catLst>
+    <dgm:cat type="list" pri="3000"/>
+    <dgm:cat type="convert" pri="1000"/>
+  </dgm:catLst>
+  <dgm:sampData>
+    <dgm:dataModel>
+      <dgm:ptLst>
+        <dgm:pt modelId="0" type="doc"/>
+        <dgm:pt modelId="1">
+          <dgm:prSet phldr="1"/>
+        </dgm:pt>
+        <dgm:pt modelId="11">
+          <dgm:prSet phldr="1"/>
+        </dgm:pt>
+        <dgm:pt modelId="2">
+          <dgm:prSet phldr="1"/>
+        </dgm:pt>
+        <dgm:pt modelId="21">
+          <dgm:prSet phldr="1"/>
+        </dgm:pt>
+      </dgm:ptLst>
+      <dgm:cxnLst>
+        <dgm:cxn modelId="4" srcId="0" destId="1" srcOrd="0" destOrd="0"/>
+        <dgm:cxn modelId="5" srcId="0" destId="2" srcOrd="1" destOrd="0"/>
+        <dgm:cxn modelId="12" srcId="1" destId="11" srcOrd="0" destOrd="0"/>
+        <dgm:cxn modelId="23" srcId="2" destId="21" srcOrd="0" destOrd="0"/>
+      </dgm:cxnLst>
+      <dgm:bg/>
+      <dgm:whole/>
+    </dgm:dataModel>
+  </dgm:sampData>
+  <dgm:styleData>
+    <dgm:dataModel>
+      <dgm:ptLst>
+        <dgm:pt modelId="0" type="doc"/>
+        <dgm:pt modelId="1"/>
+        <dgm:pt modelId="2"/>
+      </dgm:ptLst>
+      <dgm:cxnLst>
+        <dgm:cxn modelId="3" srcId="0" destId="1" srcOrd="0" destOrd="0"/>
+        <dgm:cxn modelId="4" srcId="0" destId="2" srcOrd="1" destOrd="0"/>
+      </dgm:cxnLst>
+      <dgm:bg/>
+      <dgm:whole/>
+    </dgm:dataModel>
+  </dgm:styleData>
+  <dgm:clrData>
+    <dgm:dataModel>
+      <dgm:ptLst>
+        <dgm:pt modelId="0" type="doc"/>
+        <dgm:pt modelId="1"/>
+        <dgm:pt modelId="2"/>
+        <dgm:pt modelId="3"/>
+        <dgm:pt modelId="4"/>
+      </dgm:ptLst>
+      <dgm:cxnLst>
+        <dgm:cxn modelId="5" srcId="0" destId="1" srcOrd="0" destOrd="0"/>
+        <dgm:cxn modelId="6" srcId="0" destId="2" srcOrd="1" destOrd="0"/>
+        <dgm:cxn modelId="7" srcId="0" destId="3" srcOrd="2" destOrd="0"/>
+        <dgm:cxn modelId="8" srcId="0" destId="4" srcOrd="3" destOrd="0"/>
+      </dgm:cxnLst>
+      <dgm:bg/>
+      <dgm:whole/>
+    </dgm:dataModel>
+  </dgm:clrData>
+  <dgm:layoutNode name="linear">
+    <dgm:varLst>
+      <dgm:animLvl val="lvl"/>
+      <dgm:resizeHandles val="exact"/>
+    </dgm:varLst>
+    <dgm:alg type="lin">
+      <dgm:param type="linDir" val="fromT"/>
+      <dgm:param type="vertAlign" val="mid"/>
+    </dgm:alg>
+    <dgm:shape xmlns:r="http://schemas.openxmlformats.org/officeDocument/2006/relationships" r:blip="">
+      <dgm:adjLst/>
+    </dgm:shape>
+    <dgm:presOf/>
+    <dgm:constrLst>
+      <dgm:constr type="w" for="ch" forName="parentText" refType="w"/>
+      <dgm:constr type="h" for="ch" forName="parentText" refType="primFontSz" refFor="ch" refForName="parentText" fact="0.52"/>
+      <dgm:constr type="w" for="ch" forName="childText" refType="w"/>
+      <dgm:constr type="h" for="ch" forName="childText" refType="primFontSz" refFor="ch" refForName="parentText" fact="0.46"/>
+      <dgm:constr type="h" for="ch" forName="parentText" op="equ"/>
+      <dgm:constr type="primFontSz" for="ch" forName="parentText" op="equ" val="65"/>
+      <dgm:constr type="primFontSz" for="ch" forName="childText" refType="primFontSz" refFor="ch" refForName="parentText" op="equ"/>
+      <dgm:constr type="h" for="ch" forName="spacer" refType="primFontSz" refFor="ch" refForName="parentText" fact="0.08"/>
+    </dgm:constrLst>
+    <dgm:ruleLst>
+      <dgm:rule type="primFontSz" for="ch" forName="parentText" val="5" fact="NaN" max="NaN"/>
+    </dgm:ruleLst>
+    <dgm:forEach name="Name0" axis="ch" ptType="node">
+      <dgm:layoutNode name="parentText" styleLbl="node1">
+        <dgm:varLst>
+          <dgm:chMax val="0"/>
+          <dgm:bulletEnabled val="1"/>
+        </dgm:varLst>
+        <dgm:alg type="tx">
+          <dgm:param type="parTxLTRAlign" val="l"/>
+          <dgm:param type="parTxRTLAlign" val="r"/>
+        </dgm:alg>
+        <dgm:shape xmlns:r="http://schemas.openxmlformats.org/officeDocument/2006/relationships" type="roundRect" r:blip="">
+          <dgm:adjLst/>
+        </dgm:shape>
+        <dgm:presOf axis="self"/>
+        <dgm:constrLst>
+          <dgm:constr type="tMarg" refType="primFontSz" fact="0.3"/>
+          <dgm:constr type="bMarg" refType="primFontSz" fact="0.3"/>
+          <dgm:constr type="lMarg" refType="primFontSz" fact="0.3"/>
+          <dgm:constr type="rMarg" refType="primFontSz" fact="0.3"/>
+        </dgm:constrLst>
+        <dgm:ruleLst>
+          <dgm:rule type="h" val="INF" fact="NaN" max="NaN"/>
+        </dgm:ruleLst>
+      </dgm:layoutNode>
+      <dgm:choose name="Name1">
+        <dgm:if name="Name2" axis="ch" ptType="node" func="cnt" op="gte" val="1">
+          <dgm:layoutNode name="childText" styleLbl="revTx">
+            <dgm:varLst>
+              <dgm:bulletEnabled val="1"/>
+            </dgm:varLst>
+            <dgm:alg type="tx">
+              <dgm:param type="stBulletLvl" val="1"/>
+              <dgm:param type="lnSpAfChP" val="20"/>
+            </dgm:alg>
+            <dgm:shape xmlns:r="http://schemas.openxmlformats.org/officeDocument/2006/relationships" type="rect" r:blip="">
+              <dgm:adjLst/>
+            </dgm:shape>
+            <dgm:presOf axis="des" ptType="node"/>
+            <dgm:constrLst>
+              <dgm:constr type="tMarg" refType="primFontSz" fact="0.1"/>
+              <dgm:constr type="bMarg" refType="primFontSz" fact="0.1"/>
+              <dgm:constr type="lMarg" refType="w" fact="0.09"/>
+            </dgm:constrLst>
+            <dgm:ruleLst>
+              <dgm:rule type="h" val="INF" fact="NaN" max="NaN"/>
+            </dgm:ruleLst>
+          </dgm:layoutNode>
+        </dgm:if>
+        <dgm:else name="Name3">
+          <dgm:choose name="Name4">
+            <dgm:if name="Name5" axis="par ch" ptType="doc node" func="cnt" op="gte" val="2">
+              <dgm:forEach name="Name6" axis="followSib" ptType="sibTrans" cnt="1">
+                <dgm:layoutNode name="spacer">
+                  <dgm:alg type="sp"/>
+                  <dgm:shape xmlns:r="http://schemas.openxmlformats.org/officeDocument/2006/relationships" r:blip="">
+                    <dgm:adjLst/>
+                  </dgm:shape>
+                  <dgm:presOf/>
+                  <dgm:constrLst/>
+                  <dgm:ruleLst/>
+                </dgm:layoutNode>
+              </dgm:forEach>
+            </dgm:if>
+            <dgm:else name="Name7"/>
+          </dgm:choose>
+        </dgm:else>
+      </dgm:choose>
+    </dgm:forEach>
+  </dgm:layoutNode>
+</dgm:layoutDef>
+</file>
+
+<file path=ppt/diagrams/quickStyle1.xml><?xml version="1.0" encoding="utf-8"?>
+<dgm:styleDef xmlns:dgm="http://schemas.openxmlformats.org/drawingml/2006/diagram" xmlns:a="http://schemas.openxmlformats.org/drawingml/2006/main" uniqueId="urn:microsoft.com/office/officeart/2005/8/quickstyle/simple1">
+  <dgm:title val=""/>
+  <dgm:desc val=""/>
+  <dgm:catLst>
+    <dgm:cat type="simple" pri="10100"/>
+  </dgm:catLst>
+  <dgm:scene3d>
+    <a:camera prst="orthographicFront"/>
+    <a:lightRig rig="threePt" dir="t"/>
+  </dgm:scene3d>
+  <dgm:styleLbl name="node0">
+    <dgm:scene3d>
+      <a:camera prst="orthographicFront"/>
+      <a:lightRig rig="threePt" dir="t"/>
+    </dgm:scene3d>
+    <dgm:sp3d/>
+    <dgm:txPr/>
+    <dgm:style>
+      <a:lnRef idx="2">
+        <a:scrgbClr r="0" g="0" b="0"/>
+      </a:lnRef>
+      <a:fillRef idx="1">
+        <a:scrgbClr r="0" g="0" b="0"/>
+      </a:fillRef>
+      <a:effectRef idx="0">
+        <a:scrgbClr r="0" g="0" b="0"/>
+      </a:effectRef>
+      <a:fontRef idx="minor">
+        <a:schemeClr val="lt1"/>
+      </a:fontRef>
+    </dgm:style>
+  </dgm:styleLbl>
+  <dgm:styleLbl name="lnNode1">
+    <dgm:scene3d>
+      <a:camera prst="orthographicFront"/>
+      <a:lightRig rig="threePt" dir="t"/>
+    </dgm:scene3d>
+    <dgm:sp3d/>
+    <dgm:txPr/>
+    <dgm:style>
+      <a:lnRef idx="2">
+        <a:scrgbClr r="0" g="0" b="0"/>
+      </a:lnRef>
+      <a:fillRef idx="1">
+        <a:scrgbClr r="0" g="0" b="0"/>
+      </a:fillRef>
+      <a:effectRef idx="0">
+        <a:scrgbClr r="0" g="0" b="0"/>
+      </a:effectRef>
+      <a:fontRef idx="minor">
+        <a:schemeClr val="lt1"/>
+      </a:fontRef>
+    </dgm:style>
+  </dgm:styleLbl>
+  <dgm:styleLbl name="vennNode1">
+    <dgm:scene3d>
+      <a:camera prst="orthographicFront"/>
+      <a:lightRig rig="threePt" dir="t"/>
+    </dgm:scene3d>
+    <dgm:sp3d/>
+    <dgm:txPr/>
+    <dgm:style>
+      <a:lnRef idx="2">
+        <a:scrgbClr r="0" g="0" b="0"/>
+      </a:lnRef>
+      <a:fillRef idx="1">
+        <a:scrgbClr r="0" g="0" b="0"/>
+      </a:fillRef>
+      <a:effectRef idx="0">
+        <a:scrgbClr r="0" g="0" b="0"/>
+      </a:effectRef>
+      <a:fontRef idx="minor">
+        <a:schemeClr val="tx1"/>
+      </a:fontRef>
+    </dgm:style>
+  </dgm:styleLbl>
+  <dgm:styleLbl name="alignNode1">
+    <dgm:scene3d>
+      <a:camera prst="orthographicFront"/>
+      <a:lightRig rig="threePt" dir="t"/>
+    </dgm:scene3d>
+    <dgm:sp3d/>
+    <dgm:txPr/>
+    <dgm:style>
+      <a:lnRef idx="2">
+        <a:scrgbClr r="0" g="0" b="0"/>
+      </a:lnRef>
+      <a:fillRef idx="1">
+        <a:scrgbClr r="0" g="0" b="0"/>
+      </a:fillRef>
+      <a:effectRef idx="0">
+        <a:scrgbClr r="0" g="0" b="0"/>
+      </a:effectRef>
+      <a:fontRef idx="minor">
+        <a:schemeClr val="lt1"/>
+      </a:fontRef>
+    </dgm:style>
+  </dgm:styleLbl>
+  <dgm:styleLbl name="node1">
+    <dgm:scene3d>
+      <a:camera prst="orthographicFront"/>
+      <a:lightRig rig="threePt" dir="t"/>
+    </dgm:scene3d>
+    <dgm:sp3d/>
+    <dgm:txPr/>
+    <dgm:style>
+      <a:lnRef idx="2">
+        <a:scrgbClr r="0" g="0" b="0"/>
+      </a:lnRef>
+      <a:fillRef idx="1">
+        <a:scrgbClr r="0" g="0" b="0"/>
+      </a:fillRef>
+      <a:effectRef idx="0">
+        <a:scrgbClr r="0" g="0" b="0"/>
+      </a:effectRef>
+      <a:fontRef idx="minor">
+        <a:schemeClr val="lt1"/>
+      </a:fontRef>
+    </dgm:style>
+  </dgm:styleLbl>
+  <dgm:styleLbl name="node2">
+    <dgm:scene3d>
+      <a:camera prst="orthographicFront"/>
+      <a:lightRig rig="threePt" dir="t"/>
+    </dgm:scene3d>
+    <dgm:sp3d/>
+    <dgm:txPr/>
+    <dgm:style>
+      <a:lnRef idx="2">
+        <a:scrgbClr r="0" g="0" b="0"/>
+      </a:lnRef>
+      <a:fillRef idx="1">
+        <a:scrgbClr r="0" g="0" b="0"/>
+      </a:fillRef>
+      <a:effectRef idx="0">
+        <a:scrgbClr r="0" g="0" b="0"/>
+      </a:effectRef>
+      <a:fontRef idx="minor">
+        <a:schemeClr val="lt1"/>
+      </a:fontRef>
+    </dgm:style>
+  </dgm:styleLbl>
+  <dgm:styleLbl name="node3">
+    <dgm:scene3d>
+      <a:camera prst="orthographicFront"/>
+      <a:lightRig rig="threePt" dir="t"/>
+    </dgm:scene3d>
+    <dgm:sp3d/>
+    <dgm:txPr/>
+    <dgm:style>
+      <a:lnRef idx="2">
+        <a:scrgbClr r="0" g="0" b="0"/>
+      </a:lnRef>
+      <a:fillRef idx="1">
+        <a:scrgbClr r="0" g="0" b="0"/>
+      </a:fillRef>
+      <a:effectRef idx="0">
+        <a:scrgbClr r="0" g="0" b="0"/>
+      </a:effectRef>
+      <a:fontRef idx="minor">
+        <a:schemeClr val="lt1"/>
+      </a:fontRef>
+    </dgm:style>
+  </dgm:styleLbl>
+  <dgm:styleLbl name="node4">
+    <dgm:scene3d>
+      <a:camera prst="orthographicFront"/>
+      <a:lightRig rig="threePt" dir="t"/>
+    </dgm:scene3d>
+    <dgm:sp3d/>
+    <dgm:txPr/>
+    <dgm:style>
+      <a:lnRef idx="2">
+        <a:scrgbClr r="0" g="0" b="0"/>
+      </a:lnRef>
+      <a:fillRef idx="1">
+        <a:scrgbClr r="0" g="0" b="0"/>
+      </a:fillRef>
+      <a:effectRef idx="0">
+        <a:scrgbClr r="0" g="0" b="0"/>
+      </a:effectRef>
+      <a:fontRef idx="minor">
+        <a:schemeClr val="lt1"/>
+      </a:fontRef>
+    </dgm:style>
+  </dgm:styleLbl>
+  <dgm:styleLbl name="fgImgPlace1">
+    <dgm:scene3d>
+      <a:camera prst="orthographicFront"/>
+      <a:lightRig rig="threePt" dir="t"/>
+    </dgm:scene3d>
+    <dgm:sp3d/>
+    <dgm:txPr/>
+    <dgm:style>
+      <a:lnRef idx="2">
+        <a:scrgbClr r="0" g="0" b="0"/>
+      </a:lnRef>
+      <a:fillRef idx="1">
+        <a:scrgbClr r="0" g="0" b="0"/>
+      </a:fillRef>
+      <a:effectRef idx="0">
+        <a:scrgbClr r="0" g="0" b="0"/>
+      </a:effectRef>
+      <a:fontRef idx="minor"/>
+    </dgm:style>
+  </dgm:styleLbl>
+  <dgm:styleLbl name="alignImgPlace1">
+    <dgm:scene3d>
+      <a:camera prst="orthographicFront"/>
+      <a:lightRig rig="threePt" dir="t"/>
+    </dgm:scene3d>
+    <dgm:sp3d/>
+    <dgm:txPr/>
+    <dgm:style>
+      <a:lnRef idx="2">
+        <a:scrgbClr r="0" g="0" b="0"/>
+      </a:lnRef>
+      <a:fillRef idx="1">
+        <a:scrgbClr r="0" g="0" b="0"/>
+      </a:fillRef>
+      <a:effectRef idx="0">
+        <a:scrgbClr r="0" g="0" b="0"/>
+      </a:effectRef>
+      <a:fontRef idx="minor"/>
+    </dgm:style>
+  </dgm:styleLbl>
+  <dgm:styleLbl name="bgImgPlace1">
+    <dgm:scene3d>
+      <a:camera prst="orthographicFront"/>
+      <a:lightRig rig="threePt" dir="t"/>
+    </dgm:scene3d>
+    <dgm:sp3d/>
+    <dgm:txPr/>
+    <dgm:style>
+      <a:lnRef idx="2">
+        <a:scrgbClr r="0" g="0" b="0"/>
+      </a:lnRef>
+      <a:fillRef idx="1">
+        <a:scrgbClr r="0" g="0" b="0"/>
+      </a:fillRef>
+      <a:effectRef idx="0">
+        <a:scrgbClr r="0" g="0" b="0"/>
+      </a:effectRef>
+      <a:fontRef idx="minor"/>
+    </dgm:style>
+  </dgm:styleLbl>
+  <dgm:styleLbl name="sibTrans2D1">
+    <dgm:scene3d>
+      <a:camera prst="orthographicFront"/>
+      <a:lightRig rig="threePt" dir="t"/>
+    </dgm:scene3d>
+    <dgm:sp3d/>
+    <dgm:txPr/>
+    <dgm:style>
+      <a:lnRef idx="0">
+        <a:scrgbClr r="0" g="0" b="0"/>
+      </a:lnRef>
+      <a:fillRef idx="1">
+        <a:scrgbClr r="0" g="0" b="0"/>
+      </a:fillRef>
+      <a:effectRef idx="0">
+        <a:scrgbClr r="0" g="0" b="0"/>
+      </a:effectRef>
+      <a:fontRef idx="minor">
+        <a:schemeClr val="lt1"/>
+      </a:fontRef>
+    </dgm:style>
+  </dgm:styleLbl>
+  <dgm:styleLbl name="fgSibTrans2D1">
+    <dgm:scene3d>
+      <a:camera prst="orthographicFront"/>
+      <a:lightRig rig="threePt" dir="t"/>
+    </dgm:scene3d>
+    <dgm:sp3d/>
+    <dgm:txPr/>
+    <dgm:style>
+      <a:lnRef idx="0">
+        <a:scrgbClr r="0" g="0" b="0"/>
+      </a:lnRef>
+      <a:fillRef idx="1">
+        <a:scrgbClr r="0" g="0" b="0"/>
+      </a:fillRef>
+      <a:effectRef idx="0">
+        <a:scrgbClr r="0" g="0" b="0"/>
+      </a:effectRef>
+      <a:fontRef idx="minor">
+        <a:schemeClr val="lt1"/>
+      </a:fontRef>
+    </dgm:style>
+  </dgm:styleLbl>
+  <dgm:styleLbl name="bgSibTrans2D1">
+    <dgm:scene3d>
+      <a:camera prst="orthographicFront"/>
+      <a:lightRig rig="threePt" dir="t"/>
+    </dgm:scene3d>
+    <dgm:sp3d/>
+    <dgm:txPr/>
+    <dgm:style>
+      <a:lnRef idx="0">
+        <a:scrgbClr r="0" g="0" b="0"/>
+      </a:lnRef>
+      <a:fillRef idx="1">
+        <a:scrgbClr r="0" g="0" b="0"/>
+      </a:fillRef>
+      <a:effectRef idx="0">
+        <a:scrgbClr r="0" g="0" b="0"/>
+      </a:effectRef>
+      <a:fontRef idx="minor">
+        <a:schemeClr val="lt1"/>
+      </a:fontRef>
+    </dgm:style>
+  </dgm:styleLbl>
+  <dgm:styleLbl name="sibTrans1D1">
+    <dgm:scene3d>
+      <a:camera prst="orthographicFront"/>
+      <a:lightRig rig="threePt" dir="t"/>
+    </dgm:scene3d>
+    <dgm:sp3d/>
+    <dgm:txPr/>
+    <dgm:style>
+      <a:lnRef idx="1">
+        <a:scrgbClr r="0" g="0" b="0"/>
+      </a:lnRef>
+      <a:fillRef idx="0">
+        <a:scrgbClr r="0" g="0" b="0"/>
+      </a:fillRef>
+      <a:effectRef idx="0">
+        <a:scrgbClr r="0" g="0" b="0"/>
+      </a:effectRef>
+      <a:fontRef idx="minor"/>
+    </dgm:style>
+  </dgm:styleLbl>
+  <dgm:styleLbl name="callout">
+    <dgm:scene3d>
+      <a:camera prst="orthographicFront"/>
+      <a:lightRig rig="threePt" dir="t"/>
+    </dgm:scene3d>
+    <dgm:sp3d/>
+    <dgm:txPr/>
+    <dgm:style>
+      <a:lnRef idx="2">
+        <a:scrgbClr r="0" g="0" b="0"/>
+      </a:lnRef>
+      <a:fillRef idx="1">
+        <a:scrgbClr r="0" g="0" b="0"/>
+      </a:fillRef>
+      <a:effectRef idx="0">
+        <a:scrgbClr r="0" g="0" b="0"/>
+      </a:effectRef>
+      <a:fontRef idx="minor"/>
+    </dgm:style>
+  </dgm:styleLbl>
+  <dgm:styleLbl name="asst0">
+    <dgm:scene3d>
+      <a:camera prst="orthographicFront"/>
+      <a:lightRig rig="threePt" dir="t"/>
+    </dgm:scene3d>
+    <dgm:sp3d/>
+    <dgm:txPr/>
+    <dgm:style>
+      <a:lnRef idx="2">
+        <a:scrgbClr r="0" g="0" b="0"/>
+      </a:lnRef>
+      <a:fillRef idx="1">
+        <a:scrgbClr r="0" g="0" b="0"/>
+      </a:fillRef>
+      <a:effectRef idx="0">
+        <a:scrgbClr r="0" g="0" b="0"/>
+      </a:effectRef>
+      <a:fontRef idx="minor">
+        <a:schemeClr val="lt1"/>
+      </a:fontRef>
+    </dgm:style>
+  </dgm:styleLbl>
+  <dgm:styleLbl name="asst1">
+    <dgm:scene3d>
+      <a:camera prst="orthographicFront"/>
+      <a:lightRig rig="threePt" dir="t"/>
+    </dgm:scene3d>
+    <dgm:sp3d/>
+    <dgm:txPr/>
+    <dgm:style>
+      <a:lnRef idx="2">
+        <a:scrgbClr r="0" g="0" b="0"/>
+      </a:lnRef>
+      <a:fillRef idx="1">
+        <a:scrgbClr r="0" g="0" b="0"/>
+      </a:fillRef>
+      <a:effectRef idx="0">
+        <a:scrgbClr r="0" g="0" b="0"/>
+      </a:effectRef>
+      <a:fontRef idx="minor">
+        <a:schemeClr val="lt1"/>
+      </a:fontRef>
+    </dgm:style>
+  </dgm:styleLbl>
+  <dgm:styleLbl name="asst2">
+    <dgm:scene3d>
+      <a:camera prst="orthographicFront"/>
+      <a:lightRig rig="threePt" dir="t"/>
+    </dgm:scene3d>
+    <dgm:sp3d/>
+    <dgm:txPr/>
+    <dgm:style>
+      <a:lnRef idx="2">
+        <a:scrgbClr r="0" g="0" b="0"/>
+      </a:lnRef>
+      <a:fillRef idx="1">
+        <a:scrgbClr r="0" g="0" b="0"/>
+      </a:fillRef>
+      <a:effectRef idx="0">
+        <a:scrgbClr r="0" g="0" b="0"/>
+      </a:effectRef>
+      <a:fontRef idx="minor">
+        <a:schemeClr val="lt1"/>
+      </a:fontRef>
+    </dgm:style>
+  </dgm:styleLbl>
+  <dgm:styleLbl name="asst3">
+    <dgm:scene3d>
+      <a:camera prst="orthographicFront"/>
+      <a:lightRig rig="threePt" dir="t"/>
+    </dgm:scene3d>
+    <dgm:sp3d/>
+    <dgm:txPr/>
+    <dgm:style>
+      <a:lnRef idx="2">
+        <a:scrgbClr r="0" g="0" b="0"/>
+      </a:lnRef>
+      <a:fillRef idx="1">
+        <a:scrgbClr r="0" g="0" b="0"/>
+      </a:fillRef>
+      <a:effectRef idx="0">
+        <a:scrgbClr r="0" g="0" b="0"/>
+      </a:effectRef>
+      <a:fontRef idx="minor">
+        <a:schemeClr val="lt1"/>
+      </a:fontRef>
+    </dgm:style>
+  </dgm:styleLbl>
+  <dgm:styleLbl name="asst4">
+    <dgm:scene3d>
+      <a:camera prst="orthographicFront"/>
+      <a:lightRig rig="threePt" dir="t"/>
+    </dgm:scene3d>
+    <dgm:sp3d/>
+    <dgm:txPr/>
+    <dgm:style>
+      <a:lnRef idx="2">
+        <a:scrgbClr r="0" g="0" b="0"/>
+      </a:lnRef>
+      <a:fillRef idx="1">
+        <a:scrgbClr r="0" g="0" b="0"/>
+      </a:fillRef>
+      <a:effectRef idx="0">
+        <a:scrgbClr r="0" g="0" b="0"/>
+      </a:effectRef>
+      <a:fontRef idx="minor">
+        <a:schemeClr val="lt1"/>
+      </a:fontRef>
+    </dgm:style>
+  </dgm:styleLbl>
+  <dgm:styleLbl name="parChTrans2D1">
+    <dgm:scene3d>
+      <a:camera prst="orthographicFront"/>
+      <a:lightRig rig="threePt" dir="t"/>
+    </dgm:scene3d>
+    <dgm:sp3d/>
+    <dgm:txPr/>
+    <dgm:style>
+      <a:lnRef idx="2">
+        <a:scrgbClr r="0" g="0" b="0"/>
+      </a:lnRef>
+      <a:fillRef idx="1">
+        <a:scrgbClr r="0" g="0" b="0"/>
+      </a:fillRef>
+      <a:effectRef idx="0">
+        <a:scrgbClr r="0" g="0" b="0"/>
+      </a:effectRef>
+      <a:fontRef idx="minor">
+        <a:schemeClr val="lt1"/>
+      </a:fontRef>
+    </dgm:style>
+  </dgm:styleLbl>
+  <dgm:styleLbl name="parChTrans2D2">
+    <dgm:scene3d>
+      <a:camera prst="orthographicFront"/>
+      <a:lightRig rig="threePt" dir="t"/>
+    </dgm:scene3d>
+    <dgm:sp3d/>
+    <dgm:txPr/>
+    <dgm:style>
+      <a:lnRef idx="2">
+        <a:scrgbClr r="0" g="0" b="0"/>
+      </a:lnRef>
+      <a:fillRef idx="1">
+        <a:scrgbClr r="0" g="0" b="0"/>
+      </a:fillRef>
+      <a:effectRef idx="0">
+        <a:scrgbClr r="0" g="0" b="0"/>
+      </a:effectRef>
+      <a:fontRef idx="minor">
+        <a:schemeClr val="lt1"/>
+      </a:fontRef>
+    </dgm:style>
+  </dgm:styleLbl>
+  <dgm:styleLbl name="parChTrans2D3">
+    <dgm:scene3d>
+      <a:camera prst="orthographicFront"/>
+      <a:lightRig rig="threePt" dir="t"/>
+    </dgm:scene3d>
+    <dgm:sp3d/>
+    <dgm:txPr/>
+    <dgm:style>
+      <a:lnRef idx="2">
+        <a:scrgbClr r="0" g="0" b="0"/>
+      </a:lnRef>
+      <a:fillRef idx="1">
+        <a:scrgbClr r="0" g="0" b="0"/>
+      </a:fillRef>
+      <a:effectRef idx="0">
+        <a:scrgbClr r="0" g="0" b="0"/>
+      </a:effectRef>
+      <a:fontRef idx="minor">
+        <a:schemeClr val="lt1"/>
+      </a:fontRef>
+    </dgm:style>
+  </dgm:styleLbl>
+  <dgm:styleLbl name="parChTrans2D4">
+    <dgm:scene3d>
+      <a:camera prst="orthographicFront"/>
+      <a:lightRig rig="threePt" dir="t"/>
+    </dgm:scene3d>
+    <dgm:sp3d/>
+    <dgm:txPr/>
+    <dgm:style>
+      <a:lnRef idx="2">
+        <a:scrgbClr r="0" g="0" b="0"/>
+      </a:lnRef>
+      <a:fillRef idx="1">
+        <a:scrgbClr r="0" g="0" b="0"/>
+      </a:fillRef>
+      <a:effectRef idx="0">
+        <a:scrgbClr r="0" g="0" b="0"/>
+      </a:effectRef>
+      <a:fontRef idx="minor">
+        <a:schemeClr val="lt1"/>
+      </a:fontRef>
+    </dgm:style>
+  </dgm:styleLbl>
+  <dgm:styleLbl name="parChTrans1D1">
+    <dgm:scene3d>
+      <a:camera prst="orthographicFront"/>
+      <a:lightRig rig="threePt" dir="t"/>
+    </dgm:scene3d>
+    <dgm:sp3d/>
+    <dgm:txPr/>
+    <dgm:style>
+      <a:lnRef idx="2">
+        <a:scrgbClr r="0" g="0" b="0"/>
+      </a:lnRef>
+      <a:fillRef idx="0">
+        <a:scrgbClr r="0" g="0" b="0"/>
+      </a:fillRef>
+      <a:effectRef idx="0">
+        <a:scrgbClr r="0" g="0" b="0"/>
+      </a:effectRef>
+      <a:fontRef idx="minor"/>
+    </dgm:style>
+  </dgm:styleLbl>
+  <dgm:styleLbl name="parChTrans1D2">
+    <dgm:scene3d>
+      <a:camera prst="orthographicFront"/>
+      <a:lightRig rig="threePt" dir="t"/>
+    </dgm:scene3d>
+    <dgm:sp3d/>
+    <dgm:txPr/>
+    <dgm:style>
+      <a:lnRef idx="2">
+        <a:scrgbClr r="0" g="0" b="0"/>
+      </a:lnRef>
+      <a:fillRef idx="0">
+        <a:scrgbClr r="0" g="0" b="0"/>
+      </a:fillRef>
+      <a:effectRef idx="0">
+        <a:scrgbClr r="0" g="0" b="0"/>
+      </a:effectRef>
+      <a:fontRef idx="minor"/>
+    </dgm:style>
+  </dgm:styleLbl>
+  <dgm:styleLbl name="parChTrans1D3">
+    <dgm:scene3d>
+      <a:camera prst="orthographicFront"/>
+      <a:lightRig rig="threePt" dir="t"/>
+    </dgm:scene3d>
+    <dgm:sp3d/>
+    <dgm:txPr/>
+    <dgm:style>
+      <a:lnRef idx="2">
+        <a:scrgbClr r="0" g="0" b="0"/>
+      </a:lnRef>
+      <a:fillRef idx="0">
+        <a:scrgbClr r="0" g="0" b="0"/>
+      </a:fillRef>
+      <a:effectRef idx="0">
+        <a:scrgbClr r="0" g="0" b="0"/>
+      </a:effectRef>
+      <a:fontRef idx="minor"/>
+    </dgm:style>
+  </dgm:styleLbl>
+  <dgm:styleLbl name="parChTrans1D4">
+    <dgm:scene3d>
+      <a:camera prst="orthographicFront"/>
+      <a:lightRig rig="threePt" dir="t"/>
+    </dgm:scene3d>
+    <dgm:sp3d/>
+    <dgm:txPr/>
+    <dgm:style>
+      <a:lnRef idx="2">
+        <a:scrgbClr r="0" g="0" b="0"/>
+      </a:lnRef>
+      <a:fillRef idx="0">
+        <a:scrgbClr r="0" g="0" b="0"/>
+      </a:fillRef>
+      <a:effectRef idx="0">
+        <a:scrgbClr r="0" g="0" b="0"/>
+      </a:effectRef>
+      <a:fontRef idx="minor"/>
+    </dgm:style>
+  </dgm:styleLbl>
+  <dgm:styleLbl name="fgAcc1">
+    <dgm:scene3d>
+      <a:camera prst="orthographicFront"/>
+      <a:lightRig rig="threePt" dir="t"/>
+    </dgm:scene3d>
+    <dgm:sp3d/>
+    <dgm:txPr/>
+    <dgm:style>
+      <a:lnRef idx="2">
+        <a:scrgbClr r="0" g="0" b="0"/>
+      </a:lnRef>
+      <a:fillRef idx="1">
+        <a:scrgbClr r="0" g="0" b="0"/>
+      </a:fillRef>
+      <a:effectRef idx="0">
+        <a:scrgbClr r="0" g="0" b="0"/>
+      </a:effectRef>
+      <a:fontRef idx="minor"/>
+    </dgm:style>
+  </dgm:styleLbl>
+  <dgm:styleLbl name="conFgAcc1">
+    <dgm:scene3d>
+      <a:camera prst="orthographicFront"/>
+      <a:lightRig rig="threePt" dir="t"/>
+    </dgm:scene3d>
+    <dgm:sp3d/>
+    <dgm:txPr/>
+    <dgm:style>
+      <a:lnRef idx="2">
+        <a:scrgbClr r="0" g="0" b="0"/>
+      </a:lnRef>
+      <a:fillRef idx="1">
+        <a:scrgbClr r="0" g="0" b="0"/>
+      </a:fillRef>
+      <a:effectRef idx="0">
+        <a:scrgbClr r="0" g="0" b="0"/>
+      </a:effectRef>
+      <a:fontRef idx="minor"/>
+    </dgm:style>
+  </dgm:styleLbl>
+  <dgm:styleLbl name="alignAcc1">
+    <dgm:scene3d>
+      <a:camera prst="orthographicFront"/>
+      <a:lightRig rig="threePt" dir="t"/>
+    </dgm:scene3d>
+    <dgm:sp3d/>
+    <dgm:txPr/>
+    <dgm:style>
+      <a:lnRef idx="2">
+        <a:scrgbClr r="0" g="0" b="0"/>
+      </a:lnRef>
+      <a:fillRef idx="1">
+        <a:scrgbClr r="0" g="0" b="0"/>
+      </a:fillRef>
+      <a:effectRef idx="0">
+        <a:scrgbClr r="0" g="0" b="0"/>
+      </a:effectRef>
+      <a:fontRef idx="minor"/>
+    </dgm:style>
+  </dgm:styleLbl>
+  <dgm:styleLbl name="trAlignAcc1">
+    <dgm:scene3d>
+      <a:camera prst="orthographicFront"/>
+      <a:lightRig rig="threePt" dir="t"/>
+    </dgm:scene3d>
+    <dgm:sp3d/>
+    <dgm:txPr/>
+    <dgm:style>
+      <a:lnRef idx="1">
+        <a:scrgbClr r="0" g="0" b="0"/>
+      </a:lnRef>
+      <a:fillRef idx="1">
+        <a:scrgbClr r="0" g="0" b="0"/>
+      </a:fillRef>
+      <a:effectRef idx="0">
+        <a:scrgbClr r="0" g="0" b="0"/>
+      </a:effectRef>
+      <a:fontRef idx="minor"/>
+    </dgm:style>
+  </dgm:styleLbl>
+  <dgm:styleLbl name="bgAcc1">
+    <dgm:scene3d>
+      <a:camera prst="orthographicFront"/>
+      <a:lightRig rig="threePt" dir="t"/>
+    </dgm:scene3d>
+    <dgm:sp3d/>
+    <dgm:txPr/>
+    <dgm:style>
+      <a:lnRef idx="2">
+        <a:scrgbClr r="0" g="0" b="0"/>
+      </a:lnRef>
+      <a:fillRef idx="1">
+        <a:scrgbClr r="0" g="0" b="0"/>
+      </a:fillRef>
+      <a:effectRef idx="0">
+        <a:scrgbClr r="0" g="0" b="0"/>
+      </a:effectRef>
+      <a:fontRef idx="minor"/>
+    </dgm:style>
+  </dgm:styleLbl>
+  <dgm:styleLbl name="solidFgAcc1">
+    <dgm:scene3d>
+      <a:camera prst="orthographicFront"/>
+      <a:lightRig rig="threePt" dir="t"/>
+    </dgm:scene3d>
+    <dgm:sp3d/>
+    <dgm:txPr/>
+    <dgm:style>
+      <a:lnRef idx="2">
+        <a:scrgbClr r="0" g="0" b="0"/>
+      </a:lnRef>
+      <a:fillRef idx="1">
+        <a:scrgbClr r="0" g="0" b="0"/>
+      </a:fillRef>
+      <a:effectRef idx="0">
+        <a:scrgbClr r="0" g="0" b="0"/>
+      </a:effectRef>
+      <a:fontRef idx="minor"/>
+    </dgm:style>
+  </dgm:styleLbl>
+  <dgm:styleLbl name="solidAlignAcc1">
+    <dgm:scene3d>
+      <a:camera prst="orthographicFront"/>
+      <a:lightRig rig="threePt" dir="t"/>
+    </dgm:scene3d>
+    <dgm:sp3d/>
+    <dgm:txPr/>
+    <dgm:style>
+      <a:lnRef idx="2">
+        <a:scrgbClr r="0" g="0" b="0"/>
+      </a:lnRef>
+      <a:fillRef idx="1">
+        <a:scrgbClr r="0" g="0" b="0"/>
+      </a:fillRef>
+      <a:effectRef idx="0">
+        <a:scrgbClr r="0" g="0" b="0"/>
+      </a:effectRef>
+      <a:fontRef idx="minor"/>
+    </dgm:style>
+  </dgm:styleLbl>
+  <dgm:styleLbl name="solidBgAcc1">
+    <dgm:scene3d>
+      <a:camera prst="orthographicFront"/>
+      <a:lightRig rig="threePt" dir="t"/>
+    </dgm:scene3d>
+    <dgm:sp3d/>
+    <dgm:txPr/>
+    <dgm:style>
+      <a:lnRef idx="2">
+        <a:scrgbClr r="0" g="0" b="0"/>
+      </a:lnRef>
+      <a:fillRef idx="1">
+        <a:scrgbClr r="0" g="0" b="0"/>
+      </a:fillRef>
+      <a:effectRef idx="0">
+        <a:scrgbClr r="0" g="0" b="0"/>
+      </a:effectRef>
+      <a:fontRef idx="minor"/>
+    </dgm:style>
+  </dgm:styleLbl>
+  <dgm:styleLbl name="fgAccFollowNode1">
+    <dgm:scene3d>
+      <a:camera prst="orthographicFront"/>
+      <a:lightRig rig="threePt" dir="t"/>
+    </dgm:scene3d>
+    <dgm:sp3d/>
+    <dgm:txPr/>
+    <dgm:style>
+      <a:lnRef idx="2">
+        <a:scrgbClr r="0" g="0" b="0"/>
+      </a:lnRef>
+      <a:fillRef idx="1">
+        <a:scrgbClr r="0" g="0" b="0"/>
+      </a:fillRef>
+      <a:effectRef idx="0">
+        <a:scrgbClr r="0" g="0" b="0"/>
+      </a:effectRef>
+      <a:fontRef idx="minor"/>
+    </dgm:style>
+  </dgm:styleLbl>
+  <dgm:styleLbl name="alignAccFollowNode1">
+    <dgm:scene3d>
+      <a:camera prst="orthographicFront"/>
+      <a:lightRig rig="threePt" dir="t"/>
+    </dgm:scene3d>
+    <dgm:sp3d/>
+    <dgm:txPr/>
+    <dgm:style>
+      <a:lnRef idx="2">
+        <a:scrgbClr r="0" g="0" b="0"/>
+      </a:lnRef>
+      <a:fillRef idx="1">
+        <a:scrgbClr r="0" g="0" b="0"/>
+      </a:fillRef>
+      <a:effectRef idx="0">
+        <a:scrgbClr r="0" g="0" b="0"/>
+      </a:effectRef>
+      <a:fontRef idx="minor"/>
+    </dgm:style>
+  </dgm:styleLbl>
+  <dgm:styleLbl name="bgAccFollowNode1">
+    <dgm:scene3d>
+      <a:camera prst="orthographicFront"/>
+      <a:lightRig rig="threePt" dir="t"/>
+    </dgm:scene3d>
+    <dgm:sp3d/>
+    <dgm:txPr/>
+    <dgm:style>
+      <a:lnRef idx="2">
+        <a:scrgbClr r="0" g="0" b="0"/>
+      </a:lnRef>
+      <a:fillRef idx="1">
+        <a:scrgbClr r="0" g="0" b="0"/>
+      </a:fillRef>
+      <a:effectRef idx="0">
+        <a:scrgbClr r="0" g="0" b="0"/>
+      </a:effectRef>
+      <a:fontRef idx="minor"/>
+    </dgm:style>
+  </dgm:styleLbl>
+  <dgm:styleLbl name="fgAcc0">
+    <dgm:scene3d>
+      <a:camera prst="orthographicFront"/>
+      <a:lightRig rig="threePt" dir="t"/>
+    </dgm:scene3d>
+    <dgm:sp3d/>
+    <dgm:txPr/>
+    <dgm:style>
+      <a:lnRef idx="2">
+        <a:scrgbClr r="0" g="0" b="0"/>
+      </a:lnRef>
+      <a:fillRef idx="1">
+        <a:scrgbClr r="0" g="0" b="0"/>
+      </a:fillRef>
+      <a:effectRef idx="0">
+        <a:scrgbClr r="0" g="0" b="0"/>
+      </a:effectRef>
+      <a:fontRef idx="minor"/>
+    </dgm:style>
+  </dgm:styleLbl>
+  <dgm:styleLbl name="fgAcc2">
+    <dgm:scene3d>
+      <a:camera prst="orthographicFront"/>
+      <a:lightRig rig="threePt" dir="t"/>
+    </dgm:scene3d>
+    <dgm:sp3d/>
+    <dgm:txPr/>
+    <dgm:style>
+      <a:lnRef idx="2">
+        <a:scrgbClr r="0" g="0" b="0"/>
+      </a:lnRef>
+      <a:fillRef idx="1">
+        <a:scrgbClr r="0" g="0" b="0"/>
+      </a:fillRef>
+      <a:effectRef idx="0">
+        <a:scrgbClr r="0" g="0" b="0"/>
+      </a:effectRef>
+      <a:fontRef idx="minor"/>
+    </dgm:style>
+  </dgm:styleLbl>
+  <dgm:styleLbl name="fgAcc3">
+    <dgm:scene3d>
+      <a:camera prst="orthographicFront"/>
+      <a:lightRig rig="threePt" dir="t"/>
+    </dgm:scene3d>
+    <dgm:sp3d/>
+    <dgm:txPr/>
+    <dgm:style>
+      <a:lnRef idx="2">
+        <a:scrgbClr r="0" g="0" b="0"/>
+      </a:lnRef>
+      <a:fillRef idx="1">
+        <a:scrgbClr r="0" g="0" b="0"/>
+      </a:fillRef>
+      <a:effectRef idx="0">
+        <a:scrgbClr r="0" g="0" b="0"/>
+      </a:effectRef>
+      <a:fontRef idx="minor"/>
+    </dgm:style>
+  </dgm:styleLbl>
+  <dgm:styleLbl name="fgAcc4">
+    <dgm:scene3d>
+      <a:camera prst="orthographicFront"/>
+      <a:lightRig rig="threePt" dir="t"/>
+    </dgm:scene3d>
+    <dgm:sp3d/>
+    <dgm:txPr/>
+    <dgm:style>
+      <a:lnRef idx="2">
+        <a:scrgbClr r="0" g="0" b="0"/>
+      </a:lnRef>
+      <a:fillRef idx="1">
+        <a:scrgbClr r="0" g="0" b="0"/>
+      </a:fillRef>
+      <a:effectRef idx="0">
+        <a:scrgbClr r="0" g="0" b="0"/>
+      </a:effectRef>
+      <a:fontRef idx="minor"/>
+    </dgm:style>
+  </dgm:styleLbl>
+  <dgm:styleLbl name="bgShp">
+    <dgm:scene3d>
+      <a:camera prst="orthographicFront"/>
+      <a:lightRig rig="threePt" dir="t"/>
+    </dgm:scene3d>
+    <dgm:sp3d/>
+    <dgm:txPr/>
+    <dgm:style>
+      <a:lnRef idx="0">
+        <a:scrgbClr r="0" g="0" b="0"/>
+      </a:lnRef>
+      <a:fillRef idx="1">
+        <a:scrgbClr r="0" g="0" b="0"/>
+      </a:fillRef>
+      <a:effectRef idx="0">
+        <a:scrgbClr r="0" g="0" b="0"/>
+      </a:effectRef>
+      <a:fontRef idx="minor"/>
+    </dgm:style>
+  </dgm:styleLbl>
+  <dgm:styleLbl name="dkBgShp">
+    <dgm:scene3d>
+      <a:camera prst="orthographicFront"/>
+      <a:lightRig rig="threePt" dir="t"/>
+    </dgm:scene3d>
+    <dgm:sp3d/>
+    <dgm:txPr/>
+    <dgm:style>
+      <a:lnRef idx="0">
+        <a:scrgbClr r="0" g="0" b="0"/>
+      </a:lnRef>
+      <a:fillRef idx="1">
+        <a:scrgbClr r="0" g="0" b="0"/>
+      </a:fillRef>
+      <a:effectRef idx="0">
+        <a:scrgbClr r="0" g="0" b="0"/>
+      </a:effectRef>
+      <a:fontRef idx="minor"/>
+    </dgm:style>
+  </dgm:styleLbl>
+  <dgm:styleLbl name="trBgShp">
+    <dgm:scene3d>
+      <a:camera prst="orthographicFront"/>
+      <a:lightRig rig="threePt" dir="t"/>
+    </dgm:scene3d>
+    <dgm:sp3d/>
+    <dgm:txPr/>
+    <dgm:style>
+      <a:lnRef idx="0">
+        <a:scrgbClr r="0" g="0" b="0"/>
+      </a:lnRef>
+      <a:fillRef idx="1">
+        <a:scrgbClr r="0" g="0" b="0"/>
+      </a:fillRef>
+      <a:effectRef idx="0">
+        <a:scrgbClr r="0" g="0" b="0"/>
+      </a:effectRef>
+      <a:fontRef idx="minor"/>
+    </dgm:style>
+  </dgm:styleLbl>
+  <dgm:styleLbl name="fgShp">
+    <dgm:scene3d>
+      <a:camera prst="orthographicFront"/>
+      <a:lightRig rig="threePt" dir="t"/>
+    </dgm:scene3d>
+    <dgm:sp3d/>
+    <dgm:txPr/>
+    <dgm:style>
+      <a:lnRef idx="2">
+        <a:scrgbClr r="0" g="0" b="0"/>
+      </a:lnRef>
+      <a:fillRef idx="1">
+        <a:scrgbClr r="0" g="0" b="0"/>
+      </a:fillRef>
+      <a:effectRef idx="0">
+        <a:scrgbClr r="0" g="0" b="0"/>
+      </a:effectRef>
+      <a:fontRef idx="minor"/>
+    </dgm:style>
+  </dgm:styleLbl>
+  <dgm:styleLbl name="revTx">
+    <dgm:scene3d>
+      <a:camera prst="orthographicFront"/>
+      <a:lightRig rig="threePt" dir="t"/>
+    </dgm:scene3d>
+    <dgm:sp3d/>
+    <dgm:txPr/>
+    <dgm:style>
+      <a:lnRef idx="0">
+        <a:scrgbClr r="0" g="0" b="0"/>
+      </a:lnRef>
+      <a:fillRef idx="0">
+        <a:scrgbClr r="0" g="0" b="0"/>
+      </a:fillRef>
+      <a:effectRef idx="0">
+        <a:scrgbClr r="0" g="0" b="0"/>
+      </a:effectRef>
+      <a:fontRef idx="minor"/>
+    </dgm:style>
+  </dgm:styleLbl>
+</dgm:styleDef>
+</file>
+
+<file path=ppt/diagrams/quickStyle2.xml><?xml version="1.0" encoding="utf-8"?>
+<dgm:styleDef xmlns:dgm="http://schemas.openxmlformats.org/drawingml/2006/diagram" xmlns:a="http://schemas.openxmlformats.org/drawingml/2006/main" uniqueId="urn:microsoft.com/office/officeart/2005/8/quickstyle/simple1">
+  <dgm:title val=""/>
+  <dgm:desc val=""/>
+  <dgm:catLst>
+    <dgm:cat type="simple" pri="10100"/>
+  </dgm:catLst>
+  <dgm:scene3d>
+    <a:camera prst="orthographicFront"/>
+    <a:lightRig rig="threePt" dir="t"/>
+  </dgm:scene3d>
+  <dgm:styleLbl name="node0">
+    <dgm:scene3d>
+      <a:camera prst="orthographicFront"/>
+      <a:lightRig rig="threePt" dir="t"/>
+    </dgm:scene3d>
+    <dgm:sp3d/>
+    <dgm:txPr/>
+    <dgm:style>
+      <a:lnRef idx="2">
+        <a:scrgbClr r="0" g="0" b="0"/>
+      </a:lnRef>
+      <a:fillRef idx="1">
+        <a:scrgbClr r="0" g="0" b="0"/>
+      </a:fillRef>
+      <a:effectRef idx="0">
+        <a:scrgbClr r="0" g="0" b="0"/>
+      </a:effectRef>
+      <a:fontRef idx="minor">
+        <a:schemeClr val="lt1"/>
+      </a:fontRef>
+    </dgm:style>
+  </dgm:styleLbl>
+  <dgm:styleLbl name="lnNode1">
+    <dgm:scene3d>
+      <a:camera prst="orthographicFront"/>
+      <a:lightRig rig="threePt" dir="t"/>
+    </dgm:scene3d>
+    <dgm:sp3d/>
+    <dgm:txPr/>
+    <dgm:style>
+      <a:lnRef idx="2">
+        <a:scrgbClr r="0" g="0" b="0"/>
+      </a:lnRef>
+      <a:fillRef idx="1">
+        <a:scrgbClr r="0" g="0" b="0"/>
+      </a:fillRef>
+      <a:effectRef idx="0">
+        <a:scrgbClr r="0" g="0" b="0"/>
+      </a:effectRef>
+      <a:fontRef idx="minor">
+        <a:schemeClr val="lt1"/>
+      </a:fontRef>
+    </dgm:style>
+  </dgm:styleLbl>
+  <dgm:styleLbl name="vennNode1">
+    <dgm:scene3d>
+      <a:camera prst="orthographicFront"/>
+      <a:lightRig rig="threePt" dir="t"/>
+    </dgm:scene3d>
+    <dgm:sp3d/>
+    <dgm:txPr/>
+    <dgm:style>
+      <a:lnRef idx="2">
+        <a:scrgbClr r="0" g="0" b="0"/>
+      </a:lnRef>
+      <a:fillRef idx="1">
+        <a:scrgbClr r="0" g="0" b="0"/>
+      </a:fillRef>
+      <a:effectRef idx="0">
+        <a:scrgbClr r="0" g="0" b="0"/>
+      </a:effectRef>
+      <a:fontRef idx="minor">
+        <a:schemeClr val="tx1"/>
+      </a:fontRef>
+    </dgm:style>
+  </dgm:styleLbl>
+  <dgm:styleLbl name="alignNode1">
+    <dgm:scene3d>
+      <a:camera prst="orthographicFront"/>
+      <a:lightRig rig="threePt" dir="t"/>
+    </dgm:scene3d>
+    <dgm:sp3d/>
+    <dgm:txPr/>
+    <dgm:style>
+      <a:lnRef idx="2">
+        <a:scrgbClr r="0" g="0" b="0"/>
+      </a:lnRef>
+      <a:fillRef idx="1">
+        <a:scrgbClr r="0" g="0" b="0"/>
+      </a:fillRef>
+      <a:effectRef idx="0">
+        <a:scrgbClr r="0" g="0" b="0"/>
+      </a:effectRef>
+      <a:fontRef idx="minor">
+        <a:schemeClr val="lt1"/>
+      </a:fontRef>
+    </dgm:style>
+  </dgm:styleLbl>
+  <dgm:styleLbl name="node1">
+    <dgm:scene3d>
+      <a:camera prst="orthographicFront"/>
+      <a:lightRig rig="threePt" dir="t"/>
+    </dgm:scene3d>
+    <dgm:sp3d/>
+    <dgm:txPr/>
+    <dgm:style>
+      <a:lnRef idx="2">
+        <a:scrgbClr r="0" g="0" b="0"/>
+      </a:lnRef>
+      <a:fillRef idx="1">
+        <a:scrgbClr r="0" g="0" b="0"/>
+      </a:fillRef>
+      <a:effectRef idx="0">
+        <a:scrgbClr r="0" g="0" b="0"/>
+      </a:effectRef>
+      <a:fontRef idx="minor">
+        <a:schemeClr val="lt1"/>
+      </a:fontRef>
+    </dgm:style>
+  </dgm:styleLbl>
+  <dgm:styleLbl name="node2">
+    <dgm:scene3d>
+      <a:camera prst="orthographicFront"/>
+      <a:lightRig rig="threePt" dir="t"/>
+    </dgm:scene3d>
+    <dgm:sp3d/>
+    <dgm:txPr/>
+    <dgm:style>
+      <a:lnRef idx="2">
+        <a:scrgbClr r="0" g="0" b="0"/>
+      </a:lnRef>
+      <a:fillRef idx="1">
+        <a:scrgbClr r="0" g="0" b="0"/>
+      </a:fillRef>
+      <a:effectRef idx="0">
+        <a:scrgbClr r="0" g="0" b="0"/>
+      </a:effectRef>
+      <a:fontRef idx="minor">
+        <a:schemeClr val="lt1"/>
+      </a:fontRef>
+    </dgm:style>
+  </dgm:styleLbl>
+  <dgm:styleLbl name="node3">
+    <dgm:scene3d>
+      <a:camera prst="orthographicFront"/>
+      <a:lightRig rig="threePt" dir="t"/>
+    </dgm:scene3d>
+    <dgm:sp3d/>
+    <dgm:txPr/>
+    <dgm:style>
+      <a:lnRef idx="2">
+        <a:scrgbClr r="0" g="0" b="0"/>
+      </a:lnRef>
+      <a:fillRef idx="1">
+        <a:scrgbClr r="0" g="0" b="0"/>
+      </a:fillRef>
+      <a:effectRef idx="0">
+        <a:scrgbClr r="0" g="0" b="0"/>
+      </a:effectRef>
+      <a:fontRef idx="minor">
+        <a:schemeClr val="lt1"/>
+      </a:fontRef>
+    </dgm:style>
+  </dgm:styleLbl>
+  <dgm:styleLbl name="node4">
+    <dgm:scene3d>
+      <a:camera prst="orthographicFront"/>
+      <a:lightRig rig="threePt" dir="t"/>
+    </dgm:scene3d>
+    <dgm:sp3d/>
+    <dgm:txPr/>
+    <dgm:style>
+      <a:lnRef idx="2">
+        <a:scrgbClr r="0" g="0" b="0"/>
+      </a:lnRef>
+      <a:fillRef idx="1">
+        <a:scrgbClr r="0" g="0" b="0"/>
+      </a:fillRef>
+      <a:effectRef idx="0">
+        <a:scrgbClr r="0" g="0" b="0"/>
+      </a:effectRef>
+      <a:fontRef idx="minor">
+        <a:schemeClr val="lt1"/>
+      </a:fontRef>
+    </dgm:style>
+  </dgm:styleLbl>
+  <dgm:styleLbl name="fgImgPlace1">
+    <dgm:scene3d>
+      <a:camera prst="orthographicFront"/>
+      <a:lightRig rig="threePt" dir="t"/>
+    </dgm:scene3d>
+    <dgm:sp3d/>
+    <dgm:txPr/>
+    <dgm:style>
+      <a:lnRef idx="2">
+        <a:scrgbClr r="0" g="0" b="0"/>
+      </a:lnRef>
+      <a:fillRef idx="1">
+        <a:scrgbClr r="0" g="0" b="0"/>
+      </a:fillRef>
+      <a:effectRef idx="0">
+        <a:scrgbClr r="0" g="0" b="0"/>
+      </a:effectRef>
+      <a:fontRef idx="minor"/>
+    </dgm:style>
+  </dgm:styleLbl>
+  <dgm:styleLbl name="alignImgPlace1">
+    <dgm:scene3d>
+      <a:camera prst="orthographicFront"/>
+      <a:lightRig rig="threePt" dir="t"/>
+    </dgm:scene3d>
+    <dgm:sp3d/>
+    <dgm:txPr/>
+    <dgm:style>
+      <a:lnRef idx="2">
+        <a:scrgbClr r="0" g="0" b="0"/>
+      </a:lnRef>
+      <a:fillRef idx="1">
+        <a:scrgbClr r="0" g="0" b="0"/>
+      </a:fillRef>
+      <a:effectRef idx="0">
+        <a:scrgbClr r="0" g="0" b="0"/>
+      </a:effectRef>
+      <a:fontRef idx="minor"/>
+    </dgm:style>
+  </dgm:styleLbl>
+  <dgm:styleLbl name="bgImgPlace1">
+    <dgm:scene3d>
+      <a:camera prst="orthographicFront"/>
+      <a:lightRig rig="threePt" dir="t"/>
+    </dgm:scene3d>
+    <dgm:sp3d/>
+    <dgm:txPr/>
+    <dgm:style>
+      <a:lnRef idx="2">
+        <a:scrgbClr r="0" g="0" b="0"/>
+      </a:lnRef>
+      <a:fillRef idx="1">
+        <a:scrgbClr r="0" g="0" b="0"/>
+      </a:fillRef>
+      <a:effectRef idx="0">
+        <a:scrgbClr r="0" g="0" b="0"/>
+      </a:effectRef>
+      <a:fontRef idx="minor"/>
+    </dgm:style>
+  </dgm:styleLbl>
+  <dgm:styleLbl name="sibTrans2D1">
+    <dgm:scene3d>
+      <a:camera prst="orthographicFront"/>
+      <a:lightRig rig="threePt" dir="t"/>
+    </dgm:scene3d>
+    <dgm:sp3d/>
+    <dgm:txPr/>
+    <dgm:style>
+      <a:lnRef idx="0">
+        <a:scrgbClr r="0" g="0" b="0"/>
+      </a:lnRef>
+      <a:fillRef idx="1">
+        <a:scrgbClr r="0" g="0" b="0"/>
+      </a:fillRef>
+      <a:effectRef idx="0">
+        <a:scrgbClr r="0" g="0" b="0"/>
+      </a:effectRef>
+      <a:fontRef idx="minor">
+        <a:schemeClr val="lt1"/>
+      </a:fontRef>
+    </dgm:style>
+  </dgm:styleLbl>
+  <dgm:styleLbl name="fgSibTrans2D1">
+    <dgm:scene3d>
+      <a:camera prst="orthographicFront"/>
+      <a:lightRig rig="threePt" dir="t"/>
+    </dgm:scene3d>
+    <dgm:sp3d/>
+    <dgm:txPr/>
+    <dgm:style>
+      <a:lnRef idx="0">
+        <a:scrgbClr r="0" g="0" b="0"/>
+      </a:lnRef>
+      <a:fillRef idx="1">
+        <a:scrgbClr r="0" g="0" b="0"/>
+      </a:fillRef>
+      <a:effectRef idx="0">
+        <a:scrgbClr r="0" g="0" b="0"/>
+      </a:effectRef>
+      <a:fontRef idx="minor">
+        <a:schemeClr val="lt1"/>
+      </a:fontRef>
+    </dgm:style>
+  </dgm:styleLbl>
+  <dgm:styleLbl name="bgSibTrans2D1">
+    <dgm:scene3d>
+      <a:camera prst="orthographicFront"/>
+      <a:lightRig rig="threePt" dir="t"/>
+    </dgm:scene3d>
+    <dgm:sp3d/>
+    <dgm:txPr/>
+    <dgm:style>
+      <a:lnRef idx="0">
+        <a:scrgbClr r="0" g="0" b="0"/>
+      </a:lnRef>
+      <a:fillRef idx="1">
+        <a:scrgbClr r="0" g="0" b="0"/>
+      </a:fillRef>
+      <a:effectRef idx="0">
+        <a:scrgbClr r="0" g="0" b="0"/>
+      </a:effectRef>
+      <a:fontRef idx="minor">
+        <a:schemeClr val="lt1"/>
+      </a:fontRef>
+    </dgm:style>
+  </dgm:styleLbl>
+  <dgm:styleLbl name="sibTrans1D1">
+    <dgm:scene3d>
+      <a:camera prst="orthographicFront"/>
+      <a:lightRig rig="threePt" dir="t"/>
+    </dgm:scene3d>
+    <dgm:sp3d/>
+    <dgm:txPr/>
+    <dgm:style>
+      <a:lnRef idx="1">
+        <a:scrgbClr r="0" g="0" b="0"/>
+      </a:lnRef>
+      <a:fillRef idx="0">
+        <a:scrgbClr r="0" g="0" b="0"/>
+      </a:fillRef>
+      <a:effectRef idx="0">
+        <a:scrgbClr r="0" g="0" b="0"/>
+      </a:effectRef>
+      <a:fontRef idx="minor"/>
+    </dgm:style>
+  </dgm:styleLbl>
+  <dgm:styleLbl name="callout">
+    <dgm:scene3d>
+      <a:camera prst="orthographicFront"/>
+      <a:lightRig rig="threePt" dir="t"/>
+    </dgm:scene3d>
+    <dgm:sp3d/>
+    <dgm:txPr/>
+    <dgm:style>
+      <a:lnRef idx="2">
+        <a:scrgbClr r="0" g="0" b="0"/>
+      </a:lnRef>
+      <a:fillRef idx="1">
+        <a:scrgbClr r="0" g="0" b="0"/>
+      </a:fillRef>
+      <a:effectRef idx="0">
+        <a:scrgbClr r="0" g="0" b="0"/>
+      </a:effectRef>
+      <a:fontRef idx="minor"/>
+    </dgm:style>
+  </dgm:styleLbl>
+  <dgm:styleLbl name="asst0">
+    <dgm:scene3d>
+      <a:camera prst="orthographicFront"/>
+      <a:lightRig rig="threePt" dir="t"/>
+    </dgm:scene3d>
+    <dgm:sp3d/>
+    <dgm:txPr/>
+    <dgm:style>
+      <a:lnRef idx="2">
+        <a:scrgbClr r="0" g="0" b="0"/>
+      </a:lnRef>
+      <a:fillRef idx="1">
+        <a:scrgbClr r="0" g="0" b="0"/>
+      </a:fillRef>
+      <a:effectRef idx="0">
+        <a:scrgbClr r="0" g="0" b="0"/>
+      </a:effectRef>
+      <a:fontRef idx="minor">
+        <a:schemeClr val="lt1"/>
+      </a:fontRef>
+    </dgm:style>
+  </dgm:styleLbl>
+  <dgm:styleLbl name="asst1">
+    <dgm:scene3d>
+      <a:camera prst="orthographicFront"/>
+      <a:lightRig rig="threePt" dir="t"/>
+    </dgm:scene3d>
+    <dgm:sp3d/>
+    <dgm:txPr/>
+    <dgm:style>
+      <a:lnRef idx="2">
+        <a:scrgbClr r="0" g="0" b="0"/>
+      </a:lnRef>
+      <a:fillRef idx="1">
+        <a:scrgbClr r="0" g="0" b="0"/>
+      </a:fillRef>
+      <a:effectRef idx="0">
+        <a:scrgbClr r="0" g="0" b="0"/>
+      </a:effectRef>
+      <a:fontRef idx="minor">
+        <a:schemeClr val="lt1"/>
+      </a:fontRef>
+    </dgm:style>
+  </dgm:styleLbl>
+  <dgm:styleLbl name="asst2">
+    <dgm:scene3d>
+      <a:camera prst="orthographicFront"/>
+      <a:lightRig rig="threePt" dir="t"/>
+    </dgm:scene3d>
+    <dgm:sp3d/>
+    <dgm:txPr/>
+    <dgm:style>
+      <a:lnRef idx="2">
+        <a:scrgbClr r="0" g="0" b="0"/>
+      </a:lnRef>
+      <a:fillRef idx="1">
+        <a:scrgbClr r="0" g="0" b="0"/>
+      </a:fillRef>
+      <a:effectRef idx="0">
+        <a:scrgbClr r="0" g="0" b="0"/>
+      </a:effectRef>
+      <a:fontRef idx="minor">
+        <a:schemeClr val="lt1"/>
+      </a:fontRef>
+    </dgm:style>
+  </dgm:styleLbl>
+  <dgm:styleLbl name="asst3">
+    <dgm:scene3d>
+      <a:camera prst="orthographicFront"/>
+      <a:lightRig rig="threePt" dir="t"/>
+    </dgm:scene3d>
+    <dgm:sp3d/>
+    <dgm:txPr/>
+    <dgm:style>
+      <a:lnRef idx="2">
+        <a:scrgbClr r="0" g="0" b="0"/>
+      </a:lnRef>
+      <a:fillRef idx="1">
+        <a:scrgbClr r="0" g="0" b="0"/>
+      </a:fillRef>
+      <a:effectRef idx="0">
+        <a:scrgbClr r="0" g="0" b="0"/>
+      </a:effectRef>
+      <a:fontRef idx="minor">
+        <a:schemeClr val="lt1"/>
+      </a:fontRef>
+    </dgm:style>
+  </dgm:styleLbl>
+  <dgm:styleLbl name="asst4">
+    <dgm:scene3d>
+      <a:camera prst="orthographicFront"/>
+      <a:lightRig rig="threePt" dir="t"/>
+    </dgm:scene3d>
+    <dgm:sp3d/>
+    <dgm:txPr/>
+    <dgm:style>
+      <a:lnRef idx="2">
+        <a:scrgbClr r="0" g="0" b="0"/>
+      </a:lnRef>
+      <a:fillRef idx="1">
+        <a:scrgbClr r="0" g="0" b="0"/>
+      </a:fillRef>
+      <a:effectRef idx="0">
+        <a:scrgbClr r="0" g="0" b="0"/>
+      </a:effectRef>
+      <a:fontRef idx="minor">
+        <a:schemeClr val="lt1"/>
+      </a:fontRef>
+    </dgm:style>
+  </dgm:styleLbl>
+  <dgm:styleLbl name="parChTrans2D1">
+    <dgm:scene3d>
+      <a:camera prst="orthographicFront"/>
+      <a:lightRig rig="threePt" dir="t"/>
+    </dgm:scene3d>
+    <dgm:sp3d/>
+    <dgm:txPr/>
+    <dgm:style>
+      <a:lnRef idx="2">
+        <a:scrgbClr r="0" g="0" b="0"/>
+      </a:lnRef>
+      <a:fillRef idx="1">
+        <a:scrgbClr r="0" g="0" b="0"/>
+      </a:fillRef>
+      <a:effectRef idx="0">
+        <a:scrgbClr r="0" g="0" b="0"/>
+      </a:effectRef>
+      <a:fontRef idx="minor">
+        <a:schemeClr val="lt1"/>
+      </a:fontRef>
+    </dgm:style>
+  </dgm:styleLbl>
+  <dgm:styleLbl name="parChTrans2D2">
+    <dgm:scene3d>
+      <a:camera prst="orthographicFront"/>
+      <a:lightRig rig="threePt" dir="t"/>
+    </dgm:scene3d>
+    <dgm:sp3d/>
+    <dgm:txPr/>
+    <dgm:style>
+      <a:lnRef idx="2">
+        <a:scrgbClr r="0" g="0" b="0"/>
+      </a:lnRef>
+      <a:fillRef idx="1">
+        <a:scrgbClr r="0" g="0" b="0"/>
+      </a:fillRef>
+      <a:effectRef idx="0">
+        <a:scrgbClr r="0" g="0" b="0"/>
+      </a:effectRef>
+      <a:fontRef idx="minor">
+        <a:schemeClr val="lt1"/>
+      </a:fontRef>
+    </dgm:style>
+  </dgm:styleLbl>
+  <dgm:styleLbl name="parChTrans2D3">
+    <dgm:scene3d>
+      <a:camera prst="orthographicFront"/>
+      <a:lightRig rig="threePt" dir="t"/>
+    </dgm:scene3d>
+    <dgm:sp3d/>
+    <dgm:txPr/>
+    <dgm:style>
+      <a:lnRef idx="2">
+        <a:scrgbClr r="0" g="0" b="0"/>
+      </a:lnRef>
+      <a:fillRef idx="1">
+        <a:scrgbClr r="0" g="0" b="0"/>
+      </a:fillRef>
+      <a:effectRef idx="0">
+        <a:scrgbClr r="0" g="0" b="0"/>
+      </a:effectRef>
+      <a:fontRef idx="minor">
+        <a:schemeClr val="lt1"/>
+      </a:fontRef>
+    </dgm:style>
+  </dgm:styleLbl>
+  <dgm:styleLbl name="parChTrans2D4">
+    <dgm:scene3d>
+      <a:camera prst="orthographicFront"/>
+      <a:lightRig rig="threePt" dir="t"/>
+    </dgm:scene3d>
+    <dgm:sp3d/>
+    <dgm:txPr/>
+    <dgm:style>
+      <a:lnRef idx="2">
+        <a:scrgbClr r="0" g="0" b="0"/>
+      </a:lnRef>
+      <a:fillRef idx="1">
+        <a:scrgbClr r="0" g="0" b="0"/>
+      </a:fillRef>
+      <a:effectRef idx="0">
+        <a:scrgbClr r="0" g="0" b="0"/>
+      </a:effectRef>
+      <a:fontRef idx="minor">
+        <a:schemeClr val="lt1"/>
+      </a:fontRef>
+    </dgm:style>
+  </dgm:styleLbl>
+  <dgm:styleLbl name="parChTrans1D1">
+    <dgm:scene3d>
+      <a:camera prst="orthographicFront"/>
+      <a:lightRig rig="threePt" dir="t"/>
+    </dgm:scene3d>
+    <dgm:sp3d/>
+    <dgm:txPr/>
+    <dgm:style>
+      <a:lnRef idx="2">
+        <a:scrgbClr r="0" g="0" b="0"/>
+      </a:lnRef>
+      <a:fillRef idx="0">
+        <a:scrgbClr r="0" g="0" b="0"/>
+      </a:fillRef>
+      <a:effectRef idx="0">
+        <a:scrgbClr r="0" g="0" b="0"/>
+      </a:effectRef>
+      <a:fontRef idx="minor"/>
+    </dgm:style>
+  </dgm:styleLbl>
+  <dgm:styleLbl name="parChTrans1D2">
+    <dgm:scene3d>
+      <a:camera prst="orthographicFront"/>
+      <a:lightRig rig="threePt" dir="t"/>
+    </dgm:scene3d>
+    <dgm:sp3d/>
+    <dgm:txPr/>
+    <dgm:style>
+      <a:lnRef idx="2">
+        <a:scrgbClr r="0" g="0" b="0"/>
+      </a:lnRef>
+      <a:fillRef idx="0">
+        <a:scrgbClr r="0" g="0" b="0"/>
+      </a:fillRef>
+      <a:effectRef idx="0">
+        <a:scrgbClr r="0" g="0" b="0"/>
+      </a:effectRef>
+      <a:fontRef idx="minor"/>
+    </dgm:style>
+  </dgm:styleLbl>
+  <dgm:styleLbl name="parChTrans1D3">
+    <dgm:scene3d>
+      <a:camera prst="orthographicFront"/>
+      <a:lightRig rig="threePt" dir="t"/>
+    </dgm:scene3d>
+    <dgm:sp3d/>
+    <dgm:txPr/>
+    <dgm:style>
+      <a:lnRef idx="2">
+        <a:scrgbClr r="0" g="0" b="0"/>
+      </a:lnRef>
+      <a:fillRef idx="0">
+        <a:scrgbClr r="0" g="0" b="0"/>
+      </a:fillRef>
+      <a:effectRef idx="0">
+        <a:scrgbClr r="0" g="0" b="0"/>
+      </a:effectRef>
+      <a:fontRef idx="minor"/>
+    </dgm:style>
+  </dgm:styleLbl>
+  <dgm:styleLbl name="parChTrans1D4">
+    <dgm:scene3d>
+      <a:camera prst="orthographicFront"/>
+      <a:lightRig rig="threePt" dir="t"/>
+    </dgm:scene3d>
+    <dgm:sp3d/>
+    <dgm:txPr/>
+    <dgm:style>
+      <a:lnRef idx="2">
+        <a:scrgbClr r="0" g="0" b="0"/>
+      </a:lnRef>
+      <a:fillRef idx="0">
+        <a:scrgbClr r="0" g="0" b="0"/>
+      </a:fillRef>
+      <a:effectRef idx="0">
+        <a:scrgbClr r="0" g="0" b="0"/>
+      </a:effectRef>
+      <a:fontRef idx="minor"/>
+    </dgm:style>
+  </dgm:styleLbl>
+  <dgm:styleLbl name="fgAcc1">
+    <dgm:scene3d>
+      <a:camera prst="orthographicFront"/>
+      <a:lightRig rig="threePt" dir="t"/>
+    </dgm:scene3d>
+    <dgm:sp3d/>
+    <dgm:txPr/>
+    <dgm:style>
+      <a:lnRef idx="2">
+        <a:scrgbClr r="0" g="0" b="0"/>
+      </a:lnRef>
+      <a:fillRef idx="1">
+        <a:scrgbClr r="0" g="0" b="0"/>
+      </a:fillRef>
+      <a:effectRef idx="0">
+        <a:scrgbClr r="0" g="0" b="0"/>
+      </a:effectRef>
+      <a:fontRef idx="minor"/>
+    </dgm:style>
+  </dgm:styleLbl>
+  <dgm:styleLbl name="conFgAcc1">
+    <dgm:scene3d>
+      <a:camera prst="orthographicFront"/>
+      <a:lightRig rig="threePt" dir="t"/>
+    </dgm:scene3d>
+    <dgm:sp3d/>
+    <dgm:txPr/>
+    <dgm:style>
+      <a:lnRef idx="2">
+        <a:scrgbClr r="0" g="0" b="0"/>
+      </a:lnRef>
+      <a:fillRef idx="1">
+        <a:scrgbClr r="0" g="0" b="0"/>
+      </a:fillRef>
+      <a:effectRef idx="0">
+        <a:scrgbClr r="0" g="0" b="0"/>
+      </a:effectRef>
+      <a:fontRef idx="minor"/>
+    </dgm:style>
+  </dgm:styleLbl>
+  <dgm:styleLbl name="alignAcc1">
+    <dgm:scene3d>
+      <a:camera prst="orthographicFront"/>
+      <a:lightRig rig="threePt" dir="t"/>
+    </dgm:scene3d>
+    <dgm:sp3d/>
+    <dgm:txPr/>
+    <dgm:style>
+      <a:lnRef idx="2">
+        <a:scrgbClr r="0" g="0" b="0"/>
+      </a:lnRef>
+      <a:fillRef idx="1">
+        <a:scrgbClr r="0" g="0" b="0"/>
+      </a:fillRef>
+      <a:effectRef idx="0">
+        <a:scrgbClr r="0" g="0" b="0"/>
+      </a:effectRef>
+      <a:fontRef idx="minor"/>
+    </dgm:style>
+  </dgm:styleLbl>
+  <dgm:styleLbl name="trAlignAcc1">
+    <dgm:scene3d>
+      <a:camera prst="orthographicFront"/>
+      <a:lightRig rig="threePt" dir="t"/>
+    </dgm:scene3d>
+    <dgm:sp3d/>
+    <dgm:txPr/>
+    <dgm:style>
+      <a:lnRef idx="1">
+        <a:scrgbClr r="0" g="0" b="0"/>
+      </a:lnRef>
+      <a:fillRef idx="1">
+        <a:scrgbClr r="0" g="0" b="0"/>
+      </a:fillRef>
+      <a:effectRef idx="0">
+        <a:scrgbClr r="0" g="0" b="0"/>
+      </a:effectRef>
+      <a:fontRef idx="minor"/>
+    </dgm:style>
+  </dgm:styleLbl>
+  <dgm:styleLbl name="bgAcc1">
+    <dgm:scene3d>
+      <a:camera prst="orthographicFront"/>
+      <a:lightRig rig="threePt" dir="t"/>
+    </dgm:scene3d>
+    <dgm:sp3d/>
+    <dgm:txPr/>
+    <dgm:style>
+      <a:lnRef idx="2">
+        <a:scrgbClr r="0" g="0" b="0"/>
+      </a:lnRef>
+      <a:fillRef idx="1">
+        <a:scrgbClr r="0" g="0" b="0"/>
+      </a:fillRef>
+      <a:effectRef idx="0">
+        <a:scrgbClr r="0" g="0" b="0"/>
+      </a:effectRef>
+      <a:fontRef idx="minor"/>
+    </dgm:style>
+  </dgm:styleLbl>
+  <dgm:styleLbl name="solidFgAcc1">
+    <dgm:scene3d>
+      <a:camera prst="orthographicFront"/>
+      <a:lightRig rig="threePt" dir="t"/>
+    </dgm:scene3d>
+    <dgm:sp3d/>
+    <dgm:txPr/>
+    <dgm:style>
+      <a:lnRef idx="2">
+        <a:scrgbClr r="0" g="0" b="0"/>
+      </a:lnRef>
+      <a:fillRef idx="1">
+        <a:scrgbClr r="0" g="0" b="0"/>
+      </a:fillRef>
+      <a:effectRef idx="0">
+        <a:scrgbClr r="0" g="0" b="0"/>
+      </a:effectRef>
+      <a:fontRef idx="minor"/>
+    </dgm:style>
+  </dgm:styleLbl>
+  <dgm:styleLbl name="solidAlignAcc1">
+    <dgm:scene3d>
+      <a:camera prst="orthographicFront"/>
+      <a:lightRig rig="threePt" dir="t"/>
+    </dgm:scene3d>
+    <dgm:sp3d/>
+    <dgm:txPr/>
+    <dgm:style>
+      <a:lnRef idx="2">
+        <a:scrgbClr r="0" g="0" b="0"/>
+      </a:lnRef>
+      <a:fillRef idx="1">
+        <a:scrgbClr r="0" g="0" b="0"/>
+      </a:fillRef>
+      <a:effectRef idx="0">
+        <a:scrgbClr r="0" g="0" b="0"/>
+      </a:effectRef>
+      <a:fontRef idx="minor"/>
+    </dgm:style>
+  </dgm:styleLbl>
+  <dgm:styleLbl name="solidBgAcc1">
+    <dgm:scene3d>
+      <a:camera prst="orthographicFront"/>
+      <a:lightRig rig="threePt" dir="t"/>
+    </dgm:scene3d>
+    <dgm:sp3d/>
+    <dgm:txPr/>
+    <dgm:style>
+      <a:lnRef idx="2">
+        <a:scrgbClr r="0" g="0" b="0"/>
+      </a:lnRef>
+      <a:fillRef idx="1">
+        <a:scrgbClr r="0" g="0" b="0"/>
+      </a:fillRef>
+      <a:effectRef idx="0">
+        <a:scrgbClr r="0" g="0" b="0"/>
+      </a:effectRef>
+      <a:fontRef idx="minor"/>
+    </dgm:style>
+  </dgm:styleLbl>
+  <dgm:styleLbl name="fgAccFollowNode1">
+    <dgm:scene3d>
+      <a:camera prst="orthographicFront"/>
+      <a:lightRig rig="threePt" dir="t"/>
+    </dgm:scene3d>
+    <dgm:sp3d/>
+    <dgm:txPr/>
+    <dgm:style>
+      <a:lnRef idx="2">
+        <a:scrgbClr r="0" g="0" b="0"/>
+      </a:lnRef>
+      <a:fillRef idx="1">
+        <a:scrgbClr r="0" g="0" b="0"/>
+      </a:fillRef>
+      <a:effectRef idx="0">
+        <a:scrgbClr r="0" g="0" b="0"/>
+      </a:effectRef>
+      <a:fontRef idx="minor"/>
+    </dgm:style>
+  </dgm:styleLbl>
+  <dgm:styleLbl name="alignAccFollowNode1">
+    <dgm:scene3d>
+      <a:camera prst="orthographicFront"/>
+      <a:lightRig rig="threePt" dir="t"/>
+    </dgm:scene3d>
+    <dgm:sp3d/>
+    <dgm:txPr/>
+    <dgm:style>
+      <a:lnRef idx="2">
+        <a:scrgbClr r="0" g="0" b="0"/>
+      </a:lnRef>
+      <a:fillRef idx="1">
+        <a:scrgbClr r="0" g="0" b="0"/>
+      </a:fillRef>
+      <a:effectRef idx="0">
+        <a:scrgbClr r="0" g="0" b="0"/>
+      </a:effectRef>
+      <a:fontRef idx="minor"/>
+    </dgm:style>
+  </dgm:styleLbl>
+  <dgm:styleLbl name="bgAccFollowNode1">
+    <dgm:scene3d>
+      <a:camera prst="orthographicFront"/>
+      <a:lightRig rig="threePt" dir="t"/>
+    </dgm:scene3d>
+    <dgm:sp3d/>
+    <dgm:txPr/>
+    <dgm:style>
+      <a:lnRef idx="2">
+        <a:scrgbClr r="0" g="0" b="0"/>
+      </a:lnRef>
+      <a:fillRef idx="1">
+        <a:scrgbClr r="0" g="0" b="0"/>
+      </a:fillRef>
+      <a:effectRef idx="0">
+        <a:scrgbClr r="0" g="0" b="0"/>
+      </a:effectRef>
+      <a:fontRef idx="minor"/>
+    </dgm:style>
+  </dgm:styleLbl>
+  <dgm:styleLbl name="fgAcc0">
+    <dgm:scene3d>
+      <a:camera prst="orthographicFront"/>
+      <a:lightRig rig="threePt" dir="t"/>
+    </dgm:scene3d>
+    <dgm:sp3d/>
+    <dgm:txPr/>
+    <dgm:style>
+      <a:lnRef idx="2">
+        <a:scrgbClr r="0" g="0" b="0"/>
+      </a:lnRef>
+      <a:fillRef idx="1">
+        <a:scrgbClr r="0" g="0" b="0"/>
+      </a:fillRef>
+      <a:effectRef idx="0">
+        <a:scrgbClr r="0" g="0" b="0"/>
+      </a:effectRef>
+      <a:fontRef idx="minor"/>
+    </dgm:style>
+  </dgm:styleLbl>
+  <dgm:styleLbl name="fgAcc2">
+    <dgm:scene3d>
+      <a:camera prst="orthographicFront"/>
+      <a:lightRig rig="threePt" dir="t"/>
+    </dgm:scene3d>
+    <dgm:sp3d/>
+    <dgm:txPr/>
+    <dgm:style>
+      <a:lnRef idx="2">
+        <a:scrgbClr r="0" g="0" b="0"/>
+      </a:lnRef>
+      <a:fillRef idx="1">
+        <a:scrgbClr r="0" g="0" b="0"/>
+      </a:fillRef>
+      <a:effectRef idx="0">
+        <a:scrgbClr r="0" g="0" b="0"/>
+      </a:effectRef>
+      <a:fontRef idx="minor"/>
+    </dgm:style>
+  </dgm:styleLbl>
+  <dgm:styleLbl name="fgAcc3">
+    <dgm:scene3d>
+      <a:camera prst="orthographicFront"/>
+      <a:lightRig rig="threePt" dir="t"/>
+    </dgm:scene3d>
+    <dgm:sp3d/>
+    <dgm:txPr/>
+    <dgm:style>
+      <a:lnRef idx="2">
+        <a:scrgbClr r="0" g="0" b="0"/>
+      </a:lnRef>
+      <a:fillRef idx="1">
+        <a:scrgbClr r="0" g="0" b="0"/>
+      </a:fillRef>
+      <a:effectRef idx="0">
+        <a:scrgbClr r="0" g="0" b="0"/>
+      </a:effectRef>
+      <a:fontRef idx="minor"/>
+    </dgm:style>
+  </dgm:styleLbl>
+  <dgm:styleLbl name="fgAcc4">
+    <dgm:scene3d>
+      <a:camera prst="orthographicFront"/>
+      <a:lightRig rig="threePt" dir="t"/>
+    </dgm:scene3d>
+    <dgm:sp3d/>
+    <dgm:txPr/>
+    <dgm:style>
+      <a:lnRef idx="2">
+        <a:scrgbClr r="0" g="0" b="0"/>
+      </a:lnRef>
+      <a:fillRef idx="1">
+        <a:scrgbClr r="0" g="0" b="0"/>
+      </a:fillRef>
+      <a:effectRef idx="0">
+        <a:scrgbClr r="0" g="0" b="0"/>
+      </a:effectRef>
+      <a:fontRef idx="minor"/>
+    </dgm:style>
+  </dgm:styleLbl>
+  <dgm:styleLbl name="bgShp">
+    <dgm:scene3d>
+      <a:camera prst="orthographicFront"/>
+      <a:lightRig rig="threePt" dir="t"/>
+    </dgm:scene3d>
+    <dgm:sp3d/>
+    <dgm:txPr/>
+    <dgm:style>
+      <a:lnRef idx="0">
+        <a:scrgbClr r="0" g="0" b="0"/>
+      </a:lnRef>
+      <a:fillRef idx="1">
+        <a:scrgbClr r="0" g="0" b="0"/>
+      </a:fillRef>
+      <a:effectRef idx="0">
+        <a:scrgbClr r="0" g="0" b="0"/>
+      </a:effectRef>
+      <a:fontRef idx="minor"/>
+    </dgm:style>
+  </dgm:styleLbl>
+  <dgm:styleLbl name="dkBgShp">
+    <dgm:scene3d>
+      <a:camera prst="orthographicFront"/>
+      <a:lightRig rig="threePt" dir="t"/>
+    </dgm:scene3d>
+    <dgm:sp3d/>
+    <dgm:txPr/>
+    <dgm:style>
+      <a:lnRef idx="0">
+        <a:scrgbClr r="0" g="0" b="0"/>
+      </a:lnRef>
+      <a:fillRef idx="1">
+        <a:scrgbClr r="0" g="0" b="0"/>
+      </a:fillRef>
+      <a:effectRef idx="0">
+        <a:scrgbClr r="0" g="0" b="0"/>
+      </a:effectRef>
+      <a:fontRef idx="minor"/>
+    </dgm:style>
+  </dgm:styleLbl>
+  <dgm:styleLbl name="trBgShp">
+    <dgm:scene3d>
+      <a:camera prst="orthographicFront"/>
+      <a:lightRig rig="threePt" dir="t"/>
+    </dgm:scene3d>
+    <dgm:sp3d/>
+    <dgm:txPr/>
+    <dgm:style>
+      <a:lnRef idx="0">
+        <a:scrgbClr r="0" g="0" b="0"/>
+      </a:lnRef>
+      <a:fillRef idx="1">
+        <a:scrgbClr r="0" g="0" b="0"/>
+      </a:fillRef>
+      <a:effectRef idx="0">
+        <a:scrgbClr r="0" g="0" b="0"/>
+      </a:effectRef>
+      <a:fontRef idx="minor"/>
+    </dgm:style>
+  </dgm:styleLbl>
+  <dgm:styleLbl name="fgShp">
+    <dgm:scene3d>
+      <a:camera prst="orthographicFront"/>
+      <a:lightRig rig="threePt" dir="t"/>
+    </dgm:scene3d>
+    <dgm:sp3d/>
+    <dgm:txPr/>
+    <dgm:style>
+      <a:lnRef idx="2">
+        <a:scrgbClr r="0" g="0" b="0"/>
+      </a:lnRef>
+      <a:fillRef idx="1">
+        <a:scrgbClr r="0" g="0" b="0"/>
+      </a:fillRef>
+      <a:effectRef idx="0">
+        <a:scrgbClr r="0" g="0" b="0"/>
+      </a:effectRef>
+      <a:fontRef idx="minor"/>
+    </dgm:style>
+  </dgm:styleLbl>
+  <dgm:styleLbl name="revTx">
+    <dgm:scene3d>
+      <a:camera prst="orthographicFront"/>
+      <a:lightRig rig="threePt" dir="t"/>
+    </dgm:scene3d>
+    <dgm:sp3d/>
+    <dgm:txPr/>
+    <dgm:style>
+      <a:lnRef idx="0">
+        <a:scrgbClr r="0" g="0" b="0"/>
+      </a:lnRef>
+      <a:fillRef idx="0">
+        <a:scrgbClr r="0" g="0" b="0"/>
+      </a:fillRef>
+      <a:effectRef idx="0">
+        <a:scrgbClr r="0" g="0" b="0"/>
+      </a:effectRef>
+      <a:fontRef idx="minor"/>
+    </dgm:style>
+  </dgm:styleLbl>
+</dgm:styleDef>
 </file>
 
 <file path=ppt/slideLayouts/slideLayout1.xml><?xml version="1.0" encoding="utf-8"?>
@@ -5744,7 +12350,205 @@
 </p:sld>
 </file>
 
-<file path=ppt/slides/slide2.xml><?xml version="1.0" encoding="utf-8"?>
+<file path=ppt/slides/slide10.xml><?xml version="1.0" encoding="utf-8"?>
+<p:sld xmlns:a="http://schemas.openxmlformats.org/drawingml/2006/main" xmlns:r="http://schemas.openxmlformats.org/officeDocument/2006/relationships" xmlns:p="http://schemas.openxmlformats.org/presentationml/2006/main">
+  <p:cSld>
+    <p:spTree>
+      <p:nvGrpSpPr>
+        <p:cNvPr id="1" name=""/>
+        <p:cNvGrpSpPr/>
+        <p:nvPr/>
+      </p:nvGrpSpPr>
+      <p:grpSpPr>
+        <a:xfrm>
+          <a:off x="0" y="0"/>
+          <a:ext cx="0" cy="0"/>
+          <a:chOff x="0" y="0"/>
+          <a:chExt cx="0" cy="0"/>
+        </a:xfrm>
+      </p:grpSpPr>
+      <p:pic>
+        <p:nvPicPr>
+          <p:cNvPr id="5" name="Picture 4" descr="A picture containing person, building, outdoor, ground&#10;&#10;Description generated with very high confidence">
+            <a:extLst>
+              <a:ext uri="{FF2B5EF4-FFF2-40B4-BE49-F238E27FC236}">
+                <a16:creationId xmlns:a16="http://schemas.microsoft.com/office/drawing/2014/main" id="{F191F73C-717D-4A02-86F6-33ABA4EE3E72}"/>
+              </a:ext>
+            </a:extLst>
+          </p:cNvPr>
+          <p:cNvPicPr>
+            <a:picLocks noChangeAspect="1"/>
+          </p:cNvPicPr>
+          <p:nvPr/>
+        </p:nvPicPr>
+        <p:blipFill rotWithShape="1">
+          <a:blip r:embed="rId2">
+            <a:extLst>
+              <a:ext uri="{28A0092B-C50C-407E-A947-70E740481C1C}">
+                <a14:useLocalDpi xmlns:a14="http://schemas.microsoft.com/office/drawing/2010/main" val="0"/>
+              </a:ext>
+            </a:extLst>
+          </a:blip>
+          <a:srcRect l="41337" r="17996" b="-1"/>
+          <a:stretch/>
+        </p:blipFill>
+        <p:spPr>
+          <a:xfrm>
+            <a:off x="20" y="10"/>
+            <a:ext cx="6095980" cy="6857990"/>
+          </a:xfrm>
+          <a:prstGeom prst="rect">
+            <a:avLst/>
+          </a:prstGeom>
+        </p:spPr>
+      </p:pic>
+      <p:cxnSp>
+        <p:nvCxnSpPr>
+          <p:cNvPr id="12" name="Straight Connector 9"/>
+          <p:cNvCxnSpPr>
+            <a:cxnSpLocks noGrp="1" noRot="1" noChangeAspect="1" noMove="1" noResize="1" noEditPoints="1" noAdjustHandles="1" noChangeArrowheads="1" noChangeShapeType="1"/>
+          </p:cNvCxnSpPr>
+          <p:nvPr>
+            <p:extLst>
+              <p:ext uri="{386F3935-93C4-4BCD-93E2-E3B085C9AB24}">
+                <p16:designElem xmlns:p16="http://schemas.microsoft.com/office/powerpoint/2015/main" val="1"/>
+              </p:ext>
+            </p:extLst>
+          </p:nvPr>
+        </p:nvCxnSpPr>
+        <p:spPr>
+          <a:xfrm>
+            <a:off x="6106560" y="45720"/>
+            <a:ext cx="0" cy="6766560"/>
+          </a:xfrm>
+          <a:prstGeom prst="line">
+            <a:avLst/>
+          </a:prstGeom>
+          <a:ln w="190500" cap="sq">
+            <a:solidFill>
+              <a:srgbClr val="FFFFFF"/>
+            </a:solidFill>
+            <a:miter lim="800000"/>
+          </a:ln>
+          <a:scene3d>
+            <a:camera prst="orthographicFront"/>
+            <a:lightRig rig="twoPt" dir="t">
+              <a:rot lat="0" lon="0" rev="7200000"/>
+            </a:lightRig>
+          </a:scene3d>
+          <a:sp3d>
+            <a:bevelT w="25400" h="19050"/>
+          </a:sp3d>
+        </p:spPr>
+        <p:style>
+          <a:lnRef idx="1">
+            <a:schemeClr val="accent1"/>
+          </a:lnRef>
+          <a:fillRef idx="0">
+            <a:schemeClr val="accent1"/>
+          </a:fillRef>
+          <a:effectRef idx="0">
+            <a:schemeClr val="accent1"/>
+          </a:effectRef>
+          <a:fontRef idx="minor">
+            <a:schemeClr val="tx1"/>
+          </a:fontRef>
+        </p:style>
+      </p:cxnSp>
+      <p:sp>
+        <p:nvSpPr>
+          <p:cNvPr id="2" name="Title 1">
+            <a:extLst>
+              <a:ext uri="{FF2B5EF4-FFF2-40B4-BE49-F238E27FC236}">
+                <a16:creationId xmlns:a16="http://schemas.microsoft.com/office/drawing/2014/main" id="{2B5A2ED8-D849-4051-9B45-2FE6E842E2B3}"/>
+              </a:ext>
+            </a:extLst>
+          </p:cNvPr>
+          <p:cNvSpPr>
+            <a:spLocks noGrp="1"/>
+          </p:cNvSpPr>
+          <p:nvPr>
+            <p:ph type="title"/>
+          </p:nvPr>
+        </p:nvSpPr>
+        <p:spPr>
+          <a:xfrm>
+            <a:off x="6513534" y="609600"/>
+            <a:ext cx="4754022" cy="1326321"/>
+          </a:xfrm>
+        </p:spPr>
+        <p:txBody>
+          <a:bodyPr>
+            <a:normAutofit/>
+          </a:bodyPr>
+          <a:lstStyle/>
+          <a:p>
+            <a:r>
+              <a:rPr lang="en-US" sz="3100"/>
+              <a:t>Network forensic</a:t>
+            </a:r>
+            <a:br>
+              <a:rPr lang="en-US" sz="3100"/>
+            </a:br>
+            <a:r>
+              <a:rPr lang="en-US" sz="3100"/>
+              <a:t>(15o pts)</a:t>
+            </a:r>
+          </a:p>
+        </p:txBody>
+      </p:sp>
+      <p:sp>
+        <p:nvSpPr>
+          <p:cNvPr id="3" name="Content Placeholder 2">
+            <a:extLst>
+              <a:ext uri="{FF2B5EF4-FFF2-40B4-BE49-F238E27FC236}">
+                <a16:creationId xmlns:a16="http://schemas.microsoft.com/office/drawing/2014/main" id="{E03F7BE4-E5C1-4348-B5C5-CDAA47F5C97A}"/>
+              </a:ext>
+            </a:extLst>
+          </p:cNvPr>
+          <p:cNvSpPr>
+            <a:spLocks noGrp="1"/>
+          </p:cNvSpPr>
+          <p:nvPr>
+            <p:ph idx="1"/>
+          </p:nvPr>
+        </p:nvSpPr>
+        <p:spPr>
+          <a:xfrm>
+            <a:off x="6513534" y="2096064"/>
+            <a:ext cx="4754022" cy="3695136"/>
+          </a:xfrm>
+        </p:spPr>
+        <p:txBody>
+          <a:bodyPr>
+            <a:normAutofit/>
+          </a:bodyPr>
+          <a:lstStyle/>
+          <a:p>
+            <a:pPr marL="0" indent="0">
+              <a:buNone/>
+            </a:pPr>
+            <a:r>
+              <a:rPr lang="en-US" dirty="0"/>
+              <a:t>What have you done this time, Holmes? You are given an RSA Private Key.  Try and figure out what the message says!</a:t>
+            </a:r>
+          </a:p>
+        </p:txBody>
+      </p:sp>
+    </p:spTree>
+    <p:extLst>
+      <p:ext uri="{BB962C8B-B14F-4D97-AF65-F5344CB8AC3E}">
+        <p14:creationId xmlns:p14="http://schemas.microsoft.com/office/powerpoint/2010/main" val="1357039605"/>
+      </p:ext>
+    </p:extLst>
+  </p:cSld>
+  <p:clrMapOvr>
+    <a:masterClrMapping/>
+  </p:clrMapOvr>
+</p:sld>
+</file>
+
+<file path=ppt/slides/slide11.xml><?xml version="1.0" encoding="utf-8"?>
 <p:sld xmlns:a="http://schemas.openxmlformats.org/drawingml/2006/main" xmlns:r="http://schemas.openxmlformats.org/officeDocument/2006/relationships" xmlns:p="http://schemas.openxmlformats.org/presentationml/2006/main">
   <p:cSld>
     <p:spTree>
@@ -5766,6 +12570,288 @@
           <p:cNvPr id="2" name="Title 1">
             <a:extLst>
               <a:ext uri="{FF2B5EF4-FFF2-40B4-BE49-F238E27FC236}">
+                <a16:creationId xmlns:a16="http://schemas.microsoft.com/office/drawing/2014/main" id="{75FDA8AA-B537-40D3-B650-3D1CF4A6AECC}"/>
+              </a:ext>
+            </a:extLst>
+          </p:cNvPr>
+          <p:cNvSpPr>
+            <a:spLocks noGrp="1"/>
+          </p:cNvSpPr>
+          <p:nvPr>
+            <p:ph type="title"/>
+          </p:nvPr>
+        </p:nvSpPr>
+        <p:spPr>
+          <a:xfrm>
+            <a:off x="752475" y="609600"/>
+            <a:ext cx="3643150" cy="5603310"/>
+          </a:xfrm>
+        </p:spPr>
+        <p:txBody>
+          <a:bodyPr>
+            <a:normAutofit/>
+          </a:bodyPr>
+          <a:lstStyle/>
+          <a:p>
+            <a:r>
+              <a:rPr lang="en-US" dirty="0"/>
+              <a:t>Crypto questions</a:t>
+            </a:r>
+            <a:br>
+              <a:rPr lang="en-US" dirty="0"/>
+            </a:br>
+            <a:r>
+              <a:rPr lang="en-US" dirty="0"/>
+              <a:t>(60 pts)</a:t>
+            </a:r>
+          </a:p>
+        </p:txBody>
+      </p:sp>
+      <p:graphicFrame>
+        <p:nvGraphicFramePr>
+          <p:cNvPr id="5" name="Content Placeholder 2"/>
+          <p:cNvGraphicFramePr>
+            <a:graphicFrameLocks noGrp="1"/>
+          </p:cNvGraphicFramePr>
+          <p:nvPr>
+            <p:ph idx="1"/>
+            <p:extLst>
+              <p:ext uri="{D42A27DB-BD31-4B8C-83A1-F6EECF244321}">
+                <p14:modId xmlns:p14="http://schemas.microsoft.com/office/powerpoint/2010/main" val="928689292"/>
+              </p:ext>
+            </p:extLst>
+          </p:nvPr>
+        </p:nvGraphicFramePr>
+        <p:xfrm>
+          <a:off x="5127625" y="1114425"/>
+          <a:ext cx="5924550" cy="4629150"/>
+        </p:xfrm>
+        <a:graphic>
+          <a:graphicData uri="http://schemas.openxmlformats.org/drawingml/2006/diagram">
+            <dgm:relIds xmlns:dgm="http://schemas.openxmlformats.org/drawingml/2006/diagram" xmlns:r="http://schemas.openxmlformats.org/officeDocument/2006/relationships" r:dm="rId2" r:lo="rId3" r:qs="rId4" r:cs="rId5"/>
+          </a:graphicData>
+        </a:graphic>
+      </p:graphicFrame>
+    </p:spTree>
+    <p:extLst>
+      <p:ext uri="{BB962C8B-B14F-4D97-AF65-F5344CB8AC3E}">
+        <p14:creationId xmlns:p14="http://schemas.microsoft.com/office/powerpoint/2010/main" val="1207764912"/>
+      </p:ext>
+    </p:extLst>
+  </p:cSld>
+  <p:clrMapOvr>
+    <a:masterClrMapping/>
+  </p:clrMapOvr>
+</p:sld>
+</file>
+
+<file path=ppt/slides/slide12.xml><?xml version="1.0" encoding="utf-8"?>
+<p:sld xmlns:a="http://schemas.openxmlformats.org/drawingml/2006/main" xmlns:r="http://schemas.openxmlformats.org/officeDocument/2006/relationships" xmlns:p="http://schemas.openxmlformats.org/presentationml/2006/main">
+  <p:cSld>
+    <p:spTree>
+      <p:nvGrpSpPr>
+        <p:cNvPr id="1" name=""/>
+        <p:cNvGrpSpPr/>
+        <p:nvPr/>
+      </p:nvGrpSpPr>
+      <p:grpSpPr>
+        <a:xfrm>
+          <a:off x="0" y="0"/>
+          <a:ext cx="0" cy="0"/>
+          <a:chOff x="0" y="0"/>
+          <a:chExt cx="0" cy="0"/>
+        </a:xfrm>
+      </p:grpSpPr>
+      <p:sp>
+        <p:nvSpPr>
+          <p:cNvPr id="2" name="Title 1">
+            <a:extLst>
+              <a:ext uri="{FF2B5EF4-FFF2-40B4-BE49-F238E27FC236}">
+                <a16:creationId xmlns:a16="http://schemas.microsoft.com/office/drawing/2014/main" id="{85C578AC-67F9-4C67-A82A-51401C74373A}"/>
+              </a:ext>
+            </a:extLst>
+          </p:cNvPr>
+          <p:cNvSpPr>
+            <a:spLocks noGrp="1"/>
+          </p:cNvSpPr>
+          <p:nvPr>
+            <p:ph type="title"/>
+          </p:nvPr>
+        </p:nvSpPr>
+        <p:spPr>
+          <a:xfrm>
+            <a:off x="752475" y="609600"/>
+            <a:ext cx="3643150" cy="5603310"/>
+          </a:xfrm>
+        </p:spPr>
+        <p:txBody>
+          <a:bodyPr>
+            <a:normAutofit/>
+          </a:bodyPr>
+          <a:lstStyle/>
+          <a:p>
+            <a:r>
+              <a:rPr lang="en-US" dirty="0"/>
+              <a:t>Quiz questions</a:t>
+            </a:r>
+            <a:br>
+              <a:rPr lang="en-US" dirty="0"/>
+            </a:br>
+            <a:r>
+              <a:rPr lang="en-US" dirty="0"/>
+              <a:t>(20 pts)</a:t>
+            </a:r>
+          </a:p>
+        </p:txBody>
+      </p:sp>
+      <p:graphicFrame>
+        <p:nvGraphicFramePr>
+          <p:cNvPr id="5" name="Content Placeholder 2"/>
+          <p:cNvGraphicFramePr>
+            <a:graphicFrameLocks noGrp="1"/>
+          </p:cNvGraphicFramePr>
+          <p:nvPr>
+            <p:ph idx="1"/>
+            <p:extLst>
+              <p:ext uri="{D42A27DB-BD31-4B8C-83A1-F6EECF244321}">
+                <p14:modId xmlns:p14="http://schemas.microsoft.com/office/powerpoint/2010/main" val="3501211586"/>
+              </p:ext>
+            </p:extLst>
+          </p:nvPr>
+        </p:nvGraphicFramePr>
+        <p:xfrm>
+          <a:off x="5127625" y="1114425"/>
+          <a:ext cx="5924550" cy="4629150"/>
+        </p:xfrm>
+        <a:graphic>
+          <a:graphicData uri="http://schemas.openxmlformats.org/drawingml/2006/diagram">
+            <dgm:relIds xmlns:dgm="http://schemas.openxmlformats.org/drawingml/2006/diagram" xmlns:r="http://schemas.openxmlformats.org/officeDocument/2006/relationships" r:dm="rId2" r:lo="rId3" r:qs="rId4" r:cs="rId5"/>
+          </a:graphicData>
+        </a:graphic>
+      </p:graphicFrame>
+    </p:spTree>
+    <p:extLst>
+      <p:ext uri="{BB962C8B-B14F-4D97-AF65-F5344CB8AC3E}">
+        <p14:creationId xmlns:p14="http://schemas.microsoft.com/office/powerpoint/2010/main" val="2258246273"/>
+      </p:ext>
+    </p:extLst>
+  </p:cSld>
+  <p:clrMapOvr>
+    <a:masterClrMapping/>
+  </p:clrMapOvr>
+</p:sld>
+</file>
+
+<file path=ppt/slides/slide2.xml><?xml version="1.0" encoding="utf-8"?>
+<p:sld xmlns:a="http://schemas.openxmlformats.org/drawingml/2006/main" xmlns:r="http://schemas.openxmlformats.org/officeDocument/2006/relationships" xmlns:p="http://schemas.openxmlformats.org/presentationml/2006/main">
+  <p:cSld>
+    <p:spTree>
+      <p:nvGrpSpPr>
+        <p:cNvPr id="1" name=""/>
+        <p:cNvGrpSpPr/>
+        <p:nvPr/>
+      </p:nvGrpSpPr>
+      <p:grpSpPr>
+        <a:xfrm>
+          <a:off x="0" y="0"/>
+          <a:ext cx="0" cy="0"/>
+          <a:chOff x="0" y="0"/>
+          <a:chExt cx="0" cy="0"/>
+        </a:xfrm>
+      </p:grpSpPr>
+      <p:pic>
+        <p:nvPicPr>
+          <p:cNvPr id="5" name="Picture 4" descr="A person wearing a suit and tie&#10;&#10;Description generated with very high confidence">
+            <a:extLst>
+              <a:ext uri="{FF2B5EF4-FFF2-40B4-BE49-F238E27FC236}">
+                <a16:creationId xmlns:a16="http://schemas.microsoft.com/office/drawing/2014/main" id="{47623B0F-A7AA-4A02-AB96-002B4EE768E0}"/>
+              </a:ext>
+            </a:extLst>
+          </p:cNvPr>
+          <p:cNvPicPr>
+            <a:picLocks noChangeAspect="1"/>
+          </p:cNvPicPr>
+          <p:nvPr/>
+        </p:nvPicPr>
+        <p:blipFill rotWithShape="1">
+          <a:blip r:embed="rId2">
+            <a:extLst>
+              <a:ext uri="{28A0092B-C50C-407E-A947-70E740481C1C}">
+                <a14:useLocalDpi xmlns:a14="http://schemas.microsoft.com/office/drawing/2010/main" val="0"/>
+              </a:ext>
+            </a:extLst>
+          </a:blip>
+          <a:srcRect l="20608" r="17443"/>
+          <a:stretch/>
+        </p:blipFill>
+        <p:spPr>
+          <a:xfrm>
+            <a:off x="20" y="10"/>
+            <a:ext cx="7552924" cy="6857990"/>
+          </a:xfrm>
+          <a:prstGeom prst="rect">
+            <a:avLst/>
+          </a:prstGeom>
+        </p:spPr>
+      </p:pic>
+      <p:cxnSp>
+        <p:nvCxnSpPr>
+          <p:cNvPr id="10" name="Straight Connector 9"/>
+          <p:cNvCxnSpPr>
+            <a:cxnSpLocks noGrp="1" noRot="1" noChangeAspect="1" noMove="1" noResize="1" noEditPoints="1" noAdjustHandles="1" noChangeArrowheads="1" noChangeShapeType="1"/>
+          </p:cNvCxnSpPr>
+          <p:nvPr>
+            <p:extLst>
+              <p:ext uri="{386F3935-93C4-4BCD-93E2-E3B085C9AB24}">
+                <p16:designElem xmlns:p16="http://schemas.microsoft.com/office/powerpoint/2015/main" val="1"/>
+              </p:ext>
+            </p:extLst>
+          </p:nvPr>
+        </p:nvCxnSpPr>
+        <p:spPr>
+          <a:xfrm>
+            <a:off x="7592090" y="45720"/>
+            <a:ext cx="0" cy="6766560"/>
+          </a:xfrm>
+          <a:prstGeom prst="line">
+            <a:avLst/>
+          </a:prstGeom>
+          <a:ln w="190500" cap="sq">
+            <a:solidFill>
+              <a:srgbClr val="FFFFFF"/>
+            </a:solidFill>
+            <a:miter lim="800000"/>
+          </a:ln>
+          <a:scene3d>
+            <a:camera prst="orthographicFront"/>
+            <a:lightRig rig="twoPt" dir="t">
+              <a:rot lat="0" lon="0" rev="7200000"/>
+            </a:lightRig>
+          </a:scene3d>
+          <a:sp3d>
+            <a:bevelT w="25400" h="19050"/>
+          </a:sp3d>
+        </p:spPr>
+        <p:style>
+          <a:lnRef idx="1">
+            <a:schemeClr val="accent1"/>
+          </a:lnRef>
+          <a:fillRef idx="0">
+            <a:schemeClr val="accent1"/>
+          </a:fillRef>
+          <a:effectRef idx="0">
+            <a:schemeClr val="accent1"/>
+          </a:effectRef>
+          <a:fontRef idx="minor">
+            <a:schemeClr val="tx1"/>
+          </a:fontRef>
+        </p:style>
+      </p:cxnSp>
+      <p:sp>
+        <p:nvSpPr>
+          <p:cNvPr id="2" name="Title 1">
+            <a:extLst>
+              <a:ext uri="{FF2B5EF4-FFF2-40B4-BE49-F238E27FC236}">
                 <a16:creationId xmlns:a16="http://schemas.microsoft.com/office/drawing/2014/main" id="{EE07FD50-5D30-42C8-88DC-B8A6EB98927B}"/>
               </a:ext>
             </a:extLst>
@@ -5777,20 +12863,34 @@
             <p:ph type="title"/>
           </p:nvPr>
         </p:nvSpPr>
-        <p:spPr/>
+        <p:spPr>
+          <a:xfrm>
+            <a:off x="8154444" y="609600"/>
+            <a:ext cx="3113112" cy="1326321"/>
+          </a:xfrm>
+        </p:spPr>
         <p:txBody>
-          <a:bodyPr/>
+          <a:bodyPr>
+            <a:normAutofit/>
+          </a:bodyPr>
           <a:lstStyle/>
           <a:p>
+            <a:pPr algn="l">
+              <a:lnSpc>
+                <a:spcPct val="80000"/>
+              </a:lnSpc>
+            </a:pPr>
             <a:r>
-              <a:rPr lang="en-US" dirty="0"/>
-              <a:t>Looks can be </a:t>
+              <a:rPr lang="en-US" sz="2900"/>
+              <a:t>Looks can be deceiving</a:t>
             </a:r>
+            <a:br>
+              <a:rPr lang="en-US" sz="2900"/>
+            </a:br>
             <a:r>
-              <a:rPr lang="en-US" dirty="0" err="1"/>
-              <a:t>decieving</a:t>
+              <a:rPr lang="en-US" sz="2900"/>
+              <a:t>(10 pts)</a:t>
             </a:r>
-            <a:endParaRPr lang="en-US" dirty="0"/>
           </a:p>
         </p:txBody>
       </p:sp>
@@ -5810,12 +12910,25 @@
             <p:ph idx="1"/>
           </p:nvPr>
         </p:nvSpPr>
-        <p:spPr/>
+        <p:spPr>
+          <a:xfrm>
+            <a:off x="8154444" y="2096064"/>
+            <a:ext cx="3113112" cy="3695136"/>
+          </a:xfrm>
+        </p:spPr>
         <p:txBody>
-          <a:bodyPr/>
+          <a:bodyPr>
+            <a:normAutofit/>
+          </a:bodyPr>
           <a:lstStyle/>
           <a:p>
-            <a:endParaRPr lang="en-US"/>
+            <a:pPr marL="0" indent="0">
+              <a:buNone/>
+            </a:pPr>
+            <a:r>
+              <a:rPr lang="en-US" sz="1800" dirty="0"/>
+              <a:t>The PNG file is not what it seems. See if you can figure out what it really is!</a:t>
+            </a:r>
           </a:p>
         </p:txBody>
       </p:sp>
@@ -5849,6 +12962,94 @@
           <a:chExt cx="0" cy="0"/>
         </a:xfrm>
       </p:grpSpPr>
+      <p:pic>
+        <p:nvPicPr>
+          <p:cNvPr id="9" name="Picture 8" descr="A picture containing person, outdoor, building&#10;&#10;Description generated with very high confidence">
+            <a:extLst>
+              <a:ext uri="{FF2B5EF4-FFF2-40B4-BE49-F238E27FC236}">
+                <a16:creationId xmlns:a16="http://schemas.microsoft.com/office/drawing/2014/main" id="{445C76CD-6612-4BA2-9324-1749825A471F}"/>
+              </a:ext>
+            </a:extLst>
+          </p:cNvPr>
+          <p:cNvPicPr>
+            <a:picLocks noChangeAspect="1"/>
+          </p:cNvPicPr>
+          <p:nvPr/>
+        </p:nvPicPr>
+        <p:blipFill rotWithShape="1">
+          <a:blip r:embed="rId2">
+            <a:extLst>
+              <a:ext uri="{28A0092B-C50C-407E-A947-70E740481C1C}">
+                <a14:useLocalDpi xmlns:a14="http://schemas.microsoft.com/office/drawing/2010/main" val="0"/>
+              </a:ext>
+            </a:extLst>
+          </a:blip>
+          <a:srcRect l="24442" r="942" b="-1"/>
+          <a:stretch/>
+        </p:blipFill>
+        <p:spPr>
+          <a:xfrm>
+            <a:off x="20" y="10"/>
+            <a:ext cx="7552924" cy="6857990"/>
+          </a:xfrm>
+          <a:prstGeom prst="rect">
+            <a:avLst/>
+          </a:prstGeom>
+        </p:spPr>
+      </p:pic>
+      <p:cxnSp>
+        <p:nvCxnSpPr>
+          <p:cNvPr id="19" name="Straight Connector 18"/>
+          <p:cNvCxnSpPr>
+            <a:cxnSpLocks noGrp="1" noRot="1" noChangeAspect="1" noMove="1" noResize="1" noEditPoints="1" noAdjustHandles="1" noChangeArrowheads="1" noChangeShapeType="1"/>
+          </p:cNvCxnSpPr>
+          <p:nvPr>
+            <p:extLst>
+              <p:ext uri="{386F3935-93C4-4BCD-93E2-E3B085C9AB24}">
+                <p16:designElem xmlns:p16="http://schemas.microsoft.com/office/powerpoint/2015/main" val="1"/>
+              </p:ext>
+            </p:extLst>
+          </p:nvPr>
+        </p:nvCxnSpPr>
+        <p:spPr>
+          <a:xfrm>
+            <a:off x="7592090" y="45720"/>
+            <a:ext cx="0" cy="6766560"/>
+          </a:xfrm>
+          <a:prstGeom prst="line">
+            <a:avLst/>
+          </a:prstGeom>
+          <a:ln w="190500" cap="sq">
+            <a:solidFill>
+              <a:srgbClr val="FFFFFF"/>
+            </a:solidFill>
+            <a:miter lim="800000"/>
+          </a:ln>
+          <a:scene3d>
+            <a:camera prst="orthographicFront"/>
+            <a:lightRig rig="twoPt" dir="t">
+              <a:rot lat="0" lon="0" rev="7200000"/>
+            </a:lightRig>
+          </a:scene3d>
+          <a:sp3d>
+            <a:bevelT w="25400" h="19050"/>
+          </a:sp3d>
+        </p:spPr>
+        <p:style>
+          <a:lnRef idx="1">
+            <a:schemeClr val="accent1"/>
+          </a:lnRef>
+          <a:fillRef idx="0">
+            <a:schemeClr val="accent1"/>
+          </a:fillRef>
+          <a:effectRef idx="0">
+            <a:schemeClr val="accent1"/>
+          </a:effectRef>
+          <a:fontRef idx="minor">
+            <a:schemeClr val="tx1"/>
+          </a:fontRef>
+        </p:style>
+      </p:cxnSp>
       <p:sp>
         <p:nvSpPr>
           <p:cNvPr id="2" name="Title 1">
@@ -5865,14 +13066,33 @@
             <p:ph type="title"/>
           </p:nvPr>
         </p:nvSpPr>
-        <p:spPr/>
+        <p:spPr>
+          <a:xfrm>
+            <a:off x="8154444" y="609600"/>
+            <a:ext cx="3113112" cy="1326321"/>
+          </a:xfrm>
+        </p:spPr>
         <p:txBody>
-          <a:bodyPr/>
+          <a:bodyPr>
+            <a:normAutofit/>
+          </a:bodyPr>
           <a:lstStyle/>
           <a:p>
+            <a:pPr algn="l">
+              <a:lnSpc>
+                <a:spcPct val="80000"/>
+              </a:lnSpc>
+            </a:pPr>
             <a:r>
-              <a:rPr lang="en-US" dirty="0"/>
+              <a:rPr lang="en-US" sz="3100"/>
               <a:t>Python playground</a:t>
+            </a:r>
+            <a:br>
+              <a:rPr lang="en-US" sz="3100"/>
+            </a:br>
+            <a:r>
+              <a:rPr lang="en-US" sz="3100"/>
+              <a:t>(15 pts)</a:t>
             </a:r>
           </a:p>
         </p:txBody>
@@ -5893,12 +13113,25 @@
             <p:ph idx="1"/>
           </p:nvPr>
         </p:nvSpPr>
-        <p:spPr/>
+        <p:spPr>
+          <a:xfrm>
+            <a:off x="8154444" y="2096064"/>
+            <a:ext cx="3113112" cy="3695136"/>
+          </a:xfrm>
+        </p:spPr>
         <p:txBody>
-          <a:bodyPr/>
+          <a:bodyPr>
+            <a:normAutofit/>
+          </a:bodyPr>
           <a:lstStyle/>
           <a:p>
-            <a:endParaRPr lang="en-US"/>
+            <a:pPr marL="0" indent="0">
+              <a:buNone/>
+            </a:pPr>
+            <a:r>
+              <a:rPr lang="en-US" sz="1800" dirty="0"/>
+              <a:t>Sherlock loves to use Python but even he can’t crack this one. Determine the machine’s hostname to reveal the flag!</a:t>
+            </a:r>
           </a:p>
         </p:txBody>
       </p:sp>
@@ -5932,6 +13165,94 @@
           <a:chExt cx="0" cy="0"/>
         </a:xfrm>
       </p:grpSpPr>
+      <p:pic>
+        <p:nvPicPr>
+          <p:cNvPr id="8" name="Picture 7" descr="A person posing for the camera&#10;&#10;Description generated with very high confidence">
+            <a:extLst>
+              <a:ext uri="{FF2B5EF4-FFF2-40B4-BE49-F238E27FC236}">
+                <a16:creationId xmlns:a16="http://schemas.microsoft.com/office/drawing/2014/main" id="{DB0C159C-D227-426B-9772-4F134E1DD63D}"/>
+              </a:ext>
+            </a:extLst>
+          </p:cNvPr>
+          <p:cNvPicPr>
+            <a:picLocks noChangeAspect="1"/>
+          </p:cNvPicPr>
+          <p:nvPr/>
+        </p:nvPicPr>
+        <p:blipFill rotWithShape="1">
+          <a:blip r:embed="rId2">
+            <a:extLst>
+              <a:ext uri="{28A0092B-C50C-407E-A947-70E740481C1C}">
+                <a14:useLocalDpi xmlns:a14="http://schemas.microsoft.com/office/drawing/2010/main" val="0"/>
+              </a:ext>
+            </a:extLst>
+          </a:blip>
+          <a:srcRect l="22025" r="16025"/>
+          <a:stretch/>
+        </p:blipFill>
+        <p:spPr>
+          <a:xfrm>
+            <a:off x="20" y="10"/>
+            <a:ext cx="7552924" cy="6857990"/>
+          </a:xfrm>
+          <a:prstGeom prst="rect">
+            <a:avLst/>
+          </a:prstGeom>
+        </p:spPr>
+      </p:pic>
+      <p:cxnSp>
+        <p:nvCxnSpPr>
+          <p:cNvPr id="13" name="Straight Connector 12"/>
+          <p:cNvCxnSpPr>
+            <a:cxnSpLocks noGrp="1" noRot="1" noChangeAspect="1" noMove="1" noResize="1" noEditPoints="1" noAdjustHandles="1" noChangeArrowheads="1" noChangeShapeType="1"/>
+          </p:cNvCxnSpPr>
+          <p:nvPr>
+            <p:extLst>
+              <p:ext uri="{386F3935-93C4-4BCD-93E2-E3B085C9AB24}">
+                <p16:designElem xmlns:p16="http://schemas.microsoft.com/office/powerpoint/2015/main" val="1"/>
+              </p:ext>
+            </p:extLst>
+          </p:nvPr>
+        </p:nvCxnSpPr>
+        <p:spPr>
+          <a:xfrm>
+            <a:off x="7592090" y="45720"/>
+            <a:ext cx="0" cy="6766560"/>
+          </a:xfrm>
+          <a:prstGeom prst="line">
+            <a:avLst/>
+          </a:prstGeom>
+          <a:ln w="190500" cap="sq">
+            <a:solidFill>
+              <a:srgbClr val="FFFFFF"/>
+            </a:solidFill>
+            <a:miter lim="800000"/>
+          </a:ln>
+          <a:scene3d>
+            <a:camera prst="orthographicFront"/>
+            <a:lightRig rig="twoPt" dir="t">
+              <a:rot lat="0" lon="0" rev="7200000"/>
+            </a:lightRig>
+          </a:scene3d>
+          <a:sp3d>
+            <a:bevelT w="25400" h="19050"/>
+          </a:sp3d>
+        </p:spPr>
+        <p:style>
+          <a:lnRef idx="1">
+            <a:schemeClr val="accent1"/>
+          </a:lnRef>
+          <a:fillRef idx="0">
+            <a:schemeClr val="accent1"/>
+          </a:fillRef>
+          <a:effectRef idx="0">
+            <a:schemeClr val="accent1"/>
+          </a:effectRef>
+          <a:fontRef idx="minor">
+            <a:schemeClr val="tx1"/>
+          </a:fontRef>
+        </p:style>
+      </p:cxnSp>
       <p:sp>
         <p:nvSpPr>
           <p:cNvPr id="2" name="Title 1">
@@ -5948,16 +13269,30 @@
             <p:ph type="title"/>
           </p:nvPr>
         </p:nvSpPr>
-        <p:spPr/>
+        <p:spPr>
+          <a:xfrm>
+            <a:off x="8154444" y="609600"/>
+            <a:ext cx="3113112" cy="1326321"/>
+          </a:xfrm>
+        </p:spPr>
         <p:txBody>
-          <a:bodyPr/>
+          <a:bodyPr>
+            <a:normAutofit/>
+          </a:bodyPr>
           <a:lstStyle/>
           <a:p>
+            <a:pPr algn="l"/>
             <a:r>
-              <a:rPr lang="en-US" dirty="0" err="1"/>
-              <a:t>turing</a:t>
+              <a:rPr lang="en-US"/>
+              <a:t>Turing</a:t>
             </a:r>
-            <a:endParaRPr lang="en-US" dirty="0"/>
+            <a:br>
+              <a:rPr lang="en-US"/>
+            </a:br>
+            <a:r>
+              <a:rPr lang="en-US"/>
+              <a:t>(20 pts)</a:t>
+            </a:r>
           </a:p>
         </p:txBody>
       </p:sp>
@@ -5977,12 +13312,25 @@
             <p:ph idx="1"/>
           </p:nvPr>
         </p:nvSpPr>
-        <p:spPr/>
+        <p:spPr>
+          <a:xfrm>
+            <a:off x="8154444" y="2096064"/>
+            <a:ext cx="3113112" cy="3695136"/>
+          </a:xfrm>
+        </p:spPr>
         <p:txBody>
-          <a:bodyPr/>
+          <a:bodyPr>
+            <a:normAutofit/>
+          </a:bodyPr>
           <a:lstStyle/>
           <a:p>
-            <a:endParaRPr lang="en-US"/>
+            <a:pPr marL="0" indent="0">
+              <a:buNone/>
+            </a:pPr>
+            <a:r>
+              <a:rPr lang="en-US" sz="1800" dirty="0"/>
+              <a:t>Alan Turing is on a journey to break Enigma. But first, he must learn the basics. The script asks for a password. Can you crack it?</a:t>
+            </a:r>
           </a:p>
         </p:txBody>
       </p:sp>
@@ -6016,6 +13364,94 @@
           <a:chExt cx="0" cy="0"/>
         </a:xfrm>
       </p:grpSpPr>
+      <p:pic>
+        <p:nvPicPr>
+          <p:cNvPr id="5" name="Picture 4">
+            <a:extLst>
+              <a:ext uri="{FF2B5EF4-FFF2-40B4-BE49-F238E27FC236}">
+                <a16:creationId xmlns:a16="http://schemas.microsoft.com/office/drawing/2014/main" id="{78F0282B-8F4F-4286-BA0B-C10E3506A801}"/>
+              </a:ext>
+            </a:extLst>
+          </p:cNvPr>
+          <p:cNvPicPr>
+            <a:picLocks noChangeAspect="1"/>
+          </p:cNvPicPr>
+          <p:nvPr/>
+        </p:nvPicPr>
+        <p:blipFill rotWithShape="1">
+          <a:blip r:embed="rId2">
+            <a:extLst>
+              <a:ext uri="{28A0092B-C50C-407E-A947-70E740481C1C}">
+                <a14:useLocalDpi xmlns:a14="http://schemas.microsoft.com/office/drawing/2010/main" val="0"/>
+              </a:ext>
+            </a:extLst>
+          </a:blip>
+          <a:srcRect l="14921" r="12369" b="2"/>
+          <a:stretch/>
+        </p:blipFill>
+        <p:spPr>
+          <a:xfrm>
+            <a:off x="1075132" y="1808308"/>
+            <a:ext cx="3796125" cy="4270648"/>
+          </a:xfrm>
+          <a:prstGeom prst="rect">
+            <a:avLst/>
+          </a:prstGeom>
+        </p:spPr>
+      </p:pic>
+      <p:cxnSp>
+        <p:nvCxnSpPr>
+          <p:cNvPr id="15" name="Straight Connector 14"/>
+          <p:cNvCxnSpPr>
+            <a:cxnSpLocks noGrp="1" noRot="1" noChangeAspect="1" noMove="1" noResize="1" noEditPoints="1" noAdjustHandles="1" noChangeArrowheads="1" noChangeShapeType="1"/>
+          </p:cNvCxnSpPr>
+          <p:nvPr>
+            <p:extLst>
+              <p:ext uri="{386F3935-93C4-4BCD-93E2-E3B085C9AB24}">
+                <p16:designElem xmlns:p16="http://schemas.microsoft.com/office/powerpoint/2015/main" val="1"/>
+              </p:ext>
+            </p:extLst>
+          </p:nvPr>
+        </p:nvCxnSpPr>
+        <p:spPr>
+          <a:xfrm>
+            <a:off x="6106560" y="45720"/>
+            <a:ext cx="0" cy="6766560"/>
+          </a:xfrm>
+          <a:prstGeom prst="line">
+            <a:avLst/>
+          </a:prstGeom>
+          <a:ln w="190500" cap="sq">
+            <a:solidFill>
+              <a:srgbClr val="FFFFFF"/>
+            </a:solidFill>
+            <a:miter lim="800000"/>
+          </a:ln>
+          <a:scene3d>
+            <a:camera prst="orthographicFront"/>
+            <a:lightRig rig="twoPt" dir="t">
+              <a:rot lat="0" lon="0" rev="7200000"/>
+            </a:lightRig>
+          </a:scene3d>
+          <a:sp3d>
+            <a:bevelT w="25400" h="19050"/>
+          </a:sp3d>
+        </p:spPr>
+        <p:style>
+          <a:lnRef idx="1">
+            <a:schemeClr val="accent1"/>
+          </a:lnRef>
+          <a:fillRef idx="0">
+            <a:schemeClr val="accent1"/>
+          </a:fillRef>
+          <a:effectRef idx="0">
+            <a:schemeClr val="accent1"/>
+          </a:effectRef>
+          <a:fontRef idx="minor">
+            <a:schemeClr val="tx1"/>
+          </a:fontRef>
+        </p:style>
+      </p:cxnSp>
       <p:sp>
         <p:nvSpPr>
           <p:cNvPr id="2" name="Title 1">
@@ -6032,14 +13468,28 @@
             <p:ph type="title"/>
           </p:nvPr>
         </p:nvSpPr>
-        <p:spPr/>
+        <p:spPr>
+          <a:xfrm>
+            <a:off x="6513534" y="609600"/>
+            <a:ext cx="4754022" cy="1326321"/>
+          </a:xfrm>
+        </p:spPr>
         <p:txBody>
-          <a:bodyPr/>
+          <a:bodyPr>
+            <a:normAutofit/>
+          </a:bodyPr>
           <a:lstStyle/>
           <a:p>
             <a:r>
-              <a:rPr lang="en-US" dirty="0"/>
+              <a:rPr lang="en-US"/>
               <a:t>Mouse and wire</a:t>
+            </a:r>
+            <a:br>
+              <a:rPr lang="en-US"/>
+            </a:br>
+            <a:r>
+              <a:rPr lang="en-US"/>
+              <a:t>(30 pts)</a:t>
             </a:r>
           </a:p>
         </p:txBody>
@@ -6060,12 +13510,25 @@
             <p:ph idx="1"/>
           </p:nvPr>
         </p:nvSpPr>
-        <p:spPr/>
+        <p:spPr>
+          <a:xfrm>
+            <a:off x="6513534" y="2096064"/>
+            <a:ext cx="4754022" cy="3695136"/>
+          </a:xfrm>
+        </p:spPr>
         <p:txBody>
-          <a:bodyPr/>
+          <a:bodyPr>
+            <a:normAutofit/>
+          </a:bodyPr>
           <a:lstStyle/>
           <a:p>
-            <a:endParaRPr lang="en-US"/>
+            <a:pPr marL="0" indent="0">
+              <a:buNone/>
+            </a:pPr>
+            <a:r>
+              <a:rPr lang="en-US" dirty="0"/>
+              <a:t>The Great Mouse Detective is doing an experiment. A mouse will chew the wire unless it gets what it wants. Can you figure out what it wants?</a:t>
+            </a:r>
           </a:p>
         </p:txBody>
       </p:sp>
@@ -6099,6 +13562,94 @@
           <a:chExt cx="0" cy="0"/>
         </a:xfrm>
       </p:grpSpPr>
+      <p:pic>
+        <p:nvPicPr>
+          <p:cNvPr id="5" name="Picture 4" descr="A close up of a typewriter&#10;&#10;Description generated with very high confidence">
+            <a:extLst>
+              <a:ext uri="{FF2B5EF4-FFF2-40B4-BE49-F238E27FC236}">
+                <a16:creationId xmlns:a16="http://schemas.microsoft.com/office/drawing/2014/main" id="{E9104258-D6F0-42C3-8E13-5D08F88599E8}"/>
+              </a:ext>
+            </a:extLst>
+          </p:cNvPr>
+          <p:cNvPicPr>
+            <a:picLocks noChangeAspect="1"/>
+          </p:cNvPicPr>
+          <p:nvPr/>
+        </p:nvPicPr>
+        <p:blipFill rotWithShape="1">
+          <a:blip r:embed="rId2">
+            <a:extLst>
+              <a:ext uri="{28A0092B-C50C-407E-A947-70E740481C1C}">
+                <a14:useLocalDpi xmlns:a14="http://schemas.microsoft.com/office/drawing/2010/main" val="0"/>
+              </a:ext>
+            </a:extLst>
+          </a:blip>
+          <a:srcRect l="23456" r="14594"/>
+          <a:stretch/>
+        </p:blipFill>
+        <p:spPr>
+          <a:xfrm>
+            <a:off x="20" y="10"/>
+            <a:ext cx="7552924" cy="6857990"/>
+          </a:xfrm>
+          <a:prstGeom prst="rect">
+            <a:avLst/>
+          </a:prstGeom>
+        </p:spPr>
+      </p:pic>
+      <p:cxnSp>
+        <p:nvCxnSpPr>
+          <p:cNvPr id="10" name="Straight Connector 9"/>
+          <p:cNvCxnSpPr>
+            <a:cxnSpLocks noGrp="1" noRot="1" noChangeAspect="1" noMove="1" noResize="1" noEditPoints="1" noAdjustHandles="1" noChangeArrowheads="1" noChangeShapeType="1"/>
+          </p:cNvCxnSpPr>
+          <p:nvPr>
+            <p:extLst>
+              <p:ext uri="{386F3935-93C4-4BCD-93E2-E3B085C9AB24}">
+                <p16:designElem xmlns:p16="http://schemas.microsoft.com/office/powerpoint/2015/main" val="1"/>
+              </p:ext>
+            </p:extLst>
+          </p:nvPr>
+        </p:nvCxnSpPr>
+        <p:spPr>
+          <a:xfrm>
+            <a:off x="7592090" y="45720"/>
+            <a:ext cx="0" cy="6766560"/>
+          </a:xfrm>
+          <a:prstGeom prst="line">
+            <a:avLst/>
+          </a:prstGeom>
+          <a:ln w="190500" cap="sq">
+            <a:solidFill>
+              <a:srgbClr val="FFFFFF"/>
+            </a:solidFill>
+            <a:miter lim="800000"/>
+          </a:ln>
+          <a:scene3d>
+            <a:camera prst="orthographicFront"/>
+            <a:lightRig rig="twoPt" dir="t">
+              <a:rot lat="0" lon="0" rev="7200000"/>
+            </a:lightRig>
+          </a:scene3d>
+          <a:sp3d>
+            <a:bevelT w="25400" h="19050"/>
+          </a:sp3d>
+        </p:spPr>
+        <p:style>
+          <a:lnRef idx="1">
+            <a:schemeClr val="accent1"/>
+          </a:lnRef>
+          <a:fillRef idx="0">
+            <a:schemeClr val="accent1"/>
+          </a:fillRef>
+          <a:effectRef idx="0">
+            <a:schemeClr val="accent1"/>
+          </a:effectRef>
+          <a:fontRef idx="minor">
+            <a:schemeClr val="tx1"/>
+          </a:fontRef>
+        </p:style>
+      </p:cxnSp>
       <p:sp>
         <p:nvSpPr>
           <p:cNvPr id="2" name="Title 1">
@@ -6115,13 +13666,21 @@
             <p:ph type="title"/>
           </p:nvPr>
         </p:nvSpPr>
-        <p:spPr/>
+        <p:spPr>
+          <a:xfrm>
+            <a:off x="8154444" y="609600"/>
+            <a:ext cx="3113112" cy="1326321"/>
+          </a:xfrm>
+        </p:spPr>
         <p:txBody>
-          <a:bodyPr/>
+          <a:bodyPr>
+            <a:normAutofit/>
+          </a:bodyPr>
           <a:lstStyle/>
           <a:p>
+            <a:pPr algn="l"/>
             <a:r>
-              <a:rPr lang="en-US" dirty="0">
+              <a:rPr lang="en-US">
                 <a:effectLst>
                   <a:outerShdw blurRad="38100" dist="38100" dir="2700000" algn="tl">
                     <a:srgbClr val="000000">
@@ -6130,7 +13689,30 @@
                   </a:outerShdw>
                 </a:effectLst>
               </a:rPr>
-              <a:t>enigma</a:t>
+              <a:t>Enigma</a:t>
+            </a:r>
+            <a:br>
+              <a:rPr lang="en-US">
+                <a:effectLst>
+                  <a:outerShdw blurRad="38100" dist="38100" dir="2700000" algn="tl">
+                    <a:srgbClr val="000000">
+                      <a:alpha val="43137"/>
+                    </a:srgbClr>
+                  </a:outerShdw>
+                </a:effectLst>
+              </a:rPr>
+            </a:br>
+            <a:r>
+              <a:rPr lang="en-US">
+                <a:effectLst>
+                  <a:outerShdw blurRad="38100" dist="38100" dir="2700000" algn="tl">
+                    <a:srgbClr val="000000">
+                      <a:alpha val="43137"/>
+                    </a:srgbClr>
+                  </a:outerShdw>
+                </a:effectLst>
+              </a:rPr>
+              <a:t>(100 pts)</a:t>
             </a:r>
           </a:p>
         </p:txBody>
@@ -6151,12 +13733,25 @@
             <p:ph idx="1"/>
           </p:nvPr>
         </p:nvSpPr>
-        <p:spPr/>
+        <p:spPr>
+          <a:xfrm>
+            <a:off x="8154444" y="2096064"/>
+            <a:ext cx="3113112" cy="3695136"/>
+          </a:xfrm>
+        </p:spPr>
         <p:txBody>
-          <a:bodyPr/>
+          <a:bodyPr>
+            <a:normAutofit/>
+          </a:bodyPr>
           <a:lstStyle/>
           <a:p>
-            <a:endParaRPr lang="en-US"/>
+            <a:pPr marL="0" indent="0">
+              <a:buNone/>
+            </a:pPr>
+            <a:r>
+              <a:rPr lang="en-US" sz="1800" dirty="0"/>
+              <a:t>Alan Turing is ready to break Enigma. The script asks for a password. Can you crack it?</a:t>
+            </a:r>
           </a:p>
         </p:txBody>
       </p:sp>
@@ -6190,12 +13785,100 @@
           <a:chExt cx="0" cy="0"/>
         </a:xfrm>
       </p:grpSpPr>
+      <p:pic>
+        <p:nvPicPr>
+          <p:cNvPr id="5" name="Picture 4" descr="A person wearing a suit case&#10;&#10;Description generated with high confidence">
+            <a:extLst>
+              <a:ext uri="{FF2B5EF4-FFF2-40B4-BE49-F238E27FC236}">
+                <a16:creationId xmlns:a16="http://schemas.microsoft.com/office/drawing/2014/main" id="{6EDBDF09-A63D-43B6-BDF3-6FA2FAEF8F11}"/>
+              </a:ext>
+            </a:extLst>
+          </p:cNvPr>
+          <p:cNvPicPr>
+            <a:picLocks noChangeAspect="1"/>
+          </p:cNvPicPr>
+          <p:nvPr/>
+        </p:nvPicPr>
+        <p:blipFill rotWithShape="1">
+          <a:blip r:embed="rId2">
+            <a:extLst>
+              <a:ext uri="{28A0092B-C50C-407E-A947-70E740481C1C}">
+                <a14:useLocalDpi xmlns:a14="http://schemas.microsoft.com/office/drawing/2010/main" val="0"/>
+              </a:ext>
+            </a:extLst>
+          </a:blip>
+          <a:srcRect r="-1" b="1256"/>
+          <a:stretch/>
+        </p:blipFill>
+        <p:spPr>
+          <a:xfrm>
+            <a:off x="20" y="10"/>
+            <a:ext cx="4635987" cy="6857990"/>
+          </a:xfrm>
+          <a:prstGeom prst="rect">
+            <a:avLst/>
+          </a:prstGeom>
+        </p:spPr>
+      </p:pic>
+      <p:cxnSp>
+        <p:nvCxnSpPr>
+          <p:cNvPr id="10" name="Straight Connector 9"/>
+          <p:cNvCxnSpPr>
+            <a:cxnSpLocks noGrp="1" noRot="1" noChangeAspect="1" noMove="1" noResize="1" noEditPoints="1" noAdjustHandles="1" noChangeArrowheads="1" noChangeShapeType="1"/>
+          </p:cNvCxnSpPr>
+          <p:nvPr>
+            <p:extLst>
+              <p:ext uri="{386F3935-93C4-4BCD-93E2-E3B085C9AB24}">
+                <p16:designElem xmlns:p16="http://schemas.microsoft.com/office/powerpoint/2015/main" val="1"/>
+              </p:ext>
+            </p:extLst>
+          </p:nvPr>
+        </p:nvCxnSpPr>
+        <p:spPr>
+          <a:xfrm>
+            <a:off x="4636007" y="45720"/>
+            <a:ext cx="0" cy="6766560"/>
+          </a:xfrm>
+          <a:prstGeom prst="line">
+            <a:avLst/>
+          </a:prstGeom>
+          <a:ln w="190500" cap="sq">
+            <a:solidFill>
+              <a:srgbClr val="FFFFFF"/>
+            </a:solidFill>
+            <a:miter lim="800000"/>
+          </a:ln>
+          <a:scene3d>
+            <a:camera prst="orthographicFront"/>
+            <a:lightRig rig="twoPt" dir="t">
+              <a:rot lat="0" lon="0" rev="7200000"/>
+            </a:lightRig>
+          </a:scene3d>
+          <a:sp3d>
+            <a:bevelT w="25400" h="19050"/>
+          </a:sp3d>
+        </p:spPr>
+        <p:style>
+          <a:lnRef idx="1">
+            <a:schemeClr val="accent1"/>
+          </a:lnRef>
+          <a:fillRef idx="0">
+            <a:schemeClr val="accent1"/>
+          </a:fillRef>
+          <a:effectRef idx="0">
+            <a:schemeClr val="accent1"/>
+          </a:effectRef>
+          <a:fontRef idx="minor">
+            <a:schemeClr val="tx1"/>
+          </a:fontRef>
+        </p:style>
+      </p:cxnSp>
       <p:sp>
         <p:nvSpPr>
           <p:cNvPr id="2" name="Title 1">
             <a:extLst>
               <a:ext uri="{FF2B5EF4-FFF2-40B4-BE49-F238E27FC236}">
-                <a16:creationId xmlns:a16="http://schemas.microsoft.com/office/drawing/2014/main" id="{75FDA8AA-B537-40D3-B650-3D1CF4A6AECC}"/>
+                <a16:creationId xmlns:a16="http://schemas.microsoft.com/office/drawing/2014/main" id="{F7B9BE10-2944-4DE0-AC4D-D7930F473469}"/>
               </a:ext>
             </a:extLst>
           </p:cNvPr>
@@ -6206,15 +13889,30 @@
             <p:ph type="title"/>
           </p:nvPr>
         </p:nvSpPr>
-        <p:spPr/>
+        <p:spPr>
+          <a:xfrm>
+            <a:off x="4927472" y="609600"/>
+            <a:ext cx="6340084" cy="1326321"/>
+          </a:xfrm>
+        </p:spPr>
         <p:txBody>
-          <a:bodyPr/>
+          <a:bodyPr>
+            <a:normAutofit/>
+          </a:bodyPr>
           <a:lstStyle/>
           <a:p>
             <a:r>
-              <a:rPr lang="en-US" dirty="0"/>
-              <a:t>Crypto questions</a:t>
+              <a:rPr lang="en-US"/>
+              <a:t>tfw no sql</a:t>
             </a:r>
+            <a:br>
+              <a:rPr lang="en-US"/>
+            </a:br>
+            <a:r>
+              <a:rPr lang="en-US"/>
+              <a:t>(40 pts)</a:t>
+            </a:r>
+            <a:endParaRPr lang="en-US" dirty="0"/>
           </a:p>
         </p:txBody>
       </p:sp>
@@ -6223,7 +13921,7 @@
           <p:cNvPr id="3" name="Content Placeholder 2">
             <a:extLst>
               <a:ext uri="{FF2B5EF4-FFF2-40B4-BE49-F238E27FC236}">
-                <a16:creationId xmlns:a16="http://schemas.microsoft.com/office/drawing/2014/main" id="{3606DCF6-3FF2-45B7-87E0-909DC4A1A60D}"/>
+                <a16:creationId xmlns:a16="http://schemas.microsoft.com/office/drawing/2014/main" id="{3B64901F-F7B3-4CF9-B809-8B61F5124F4F}"/>
               </a:ext>
             </a:extLst>
           </p:cNvPr>
@@ -6234,19 +13932,32 @@
             <p:ph idx="1"/>
           </p:nvPr>
         </p:nvSpPr>
-        <p:spPr/>
+        <p:spPr>
+          <a:xfrm>
+            <a:off x="4927471" y="2096064"/>
+            <a:ext cx="6340085" cy="3695136"/>
+          </a:xfrm>
+        </p:spPr>
         <p:txBody>
-          <a:bodyPr/>
+          <a:bodyPr>
+            <a:normAutofit/>
+          </a:bodyPr>
           <a:lstStyle/>
           <a:p>
-            <a:endParaRPr lang="en-US"/>
+            <a:pPr marL="0" indent="0">
+              <a:buNone/>
+            </a:pPr>
+            <a:r>
+              <a:rPr lang="en-US" dirty="0"/>
+              <a:t>Nothing ever goes according to plan. This system doesn’t have SQL. Try and hack it regardless!</a:t>
+            </a:r>
           </a:p>
         </p:txBody>
       </p:sp>
     </p:spTree>
     <p:extLst>
       <p:ext uri="{BB962C8B-B14F-4D97-AF65-F5344CB8AC3E}">
-        <p14:creationId xmlns:p14="http://schemas.microsoft.com/office/powerpoint/2010/main" val="1207764912"/>
+        <p14:creationId xmlns:p14="http://schemas.microsoft.com/office/powerpoint/2010/main" val="4038571317"/>
       </p:ext>
     </p:extLst>
   </p:cSld>
@@ -6273,12 +13984,100 @@
           <a:chExt cx="0" cy="0"/>
         </a:xfrm>
       </p:grpSpPr>
+      <p:pic>
+        <p:nvPicPr>
+          <p:cNvPr id="5" name="Picture 4" descr="A person wearing a suit and tie&#10;&#10;Description generated with very high confidence">
+            <a:extLst>
+              <a:ext uri="{FF2B5EF4-FFF2-40B4-BE49-F238E27FC236}">
+                <a16:creationId xmlns:a16="http://schemas.microsoft.com/office/drawing/2014/main" id="{2981B8A8-5EB5-49A5-8B3E-1B489E35FED1}"/>
+              </a:ext>
+            </a:extLst>
+          </p:cNvPr>
+          <p:cNvPicPr>
+            <a:picLocks noChangeAspect="1"/>
+          </p:cNvPicPr>
+          <p:nvPr/>
+        </p:nvPicPr>
+        <p:blipFill rotWithShape="1">
+          <a:blip r:embed="rId2">
+            <a:extLst>
+              <a:ext uri="{28A0092B-C50C-407E-A947-70E740481C1C}">
+                <a14:useLocalDpi xmlns:a14="http://schemas.microsoft.com/office/drawing/2010/main" val="0"/>
+              </a:ext>
+            </a:extLst>
+          </a:blip>
+          <a:srcRect l="22181" r="10931"/>
+          <a:stretch/>
+        </p:blipFill>
+        <p:spPr>
+          <a:xfrm>
+            <a:off x="20" y="10"/>
+            <a:ext cx="6095980" cy="6857990"/>
+          </a:xfrm>
+          <a:prstGeom prst="rect">
+            <a:avLst/>
+          </a:prstGeom>
+        </p:spPr>
+      </p:pic>
+      <p:cxnSp>
+        <p:nvCxnSpPr>
+          <p:cNvPr id="22" name="Straight Connector 21"/>
+          <p:cNvCxnSpPr>
+            <a:cxnSpLocks noGrp="1" noRot="1" noChangeAspect="1" noMove="1" noResize="1" noEditPoints="1" noAdjustHandles="1" noChangeArrowheads="1" noChangeShapeType="1"/>
+          </p:cNvCxnSpPr>
+          <p:nvPr>
+            <p:extLst>
+              <p:ext uri="{386F3935-93C4-4BCD-93E2-E3B085C9AB24}">
+                <p16:designElem xmlns:p16="http://schemas.microsoft.com/office/powerpoint/2015/main" val="1"/>
+              </p:ext>
+            </p:extLst>
+          </p:nvPr>
+        </p:nvCxnSpPr>
+        <p:spPr>
+          <a:xfrm>
+            <a:off x="6106560" y="45720"/>
+            <a:ext cx="0" cy="6766560"/>
+          </a:xfrm>
+          <a:prstGeom prst="line">
+            <a:avLst/>
+          </a:prstGeom>
+          <a:ln w="190500" cap="sq">
+            <a:solidFill>
+              <a:srgbClr val="FFFFFF"/>
+            </a:solidFill>
+            <a:miter lim="800000"/>
+          </a:ln>
+          <a:scene3d>
+            <a:camera prst="orthographicFront"/>
+            <a:lightRig rig="twoPt" dir="t">
+              <a:rot lat="0" lon="0" rev="7200000"/>
+            </a:lightRig>
+          </a:scene3d>
+          <a:sp3d>
+            <a:bevelT w="25400" h="19050"/>
+          </a:sp3d>
+        </p:spPr>
+        <p:style>
+          <a:lnRef idx="1">
+            <a:schemeClr val="accent1"/>
+          </a:lnRef>
+          <a:fillRef idx="0">
+            <a:schemeClr val="accent1"/>
+          </a:fillRef>
+          <a:effectRef idx="0">
+            <a:schemeClr val="accent1"/>
+          </a:effectRef>
+          <a:fontRef idx="minor">
+            <a:schemeClr val="tx1"/>
+          </a:fontRef>
+        </p:style>
+      </p:cxnSp>
       <p:sp>
         <p:nvSpPr>
           <p:cNvPr id="2" name="Title 1">
             <a:extLst>
               <a:ext uri="{FF2B5EF4-FFF2-40B4-BE49-F238E27FC236}">
-                <a16:creationId xmlns:a16="http://schemas.microsoft.com/office/drawing/2014/main" id="{85C578AC-67F9-4C67-A82A-51401C74373A}"/>
+                <a16:creationId xmlns:a16="http://schemas.microsoft.com/office/drawing/2014/main" id="{1B29512F-B584-47B0-97A5-3BB8136D2C38}"/>
               </a:ext>
             </a:extLst>
           </p:cNvPr>
@@ -6289,15 +14088,30 @@
             <p:ph type="title"/>
           </p:nvPr>
         </p:nvSpPr>
-        <p:spPr/>
+        <p:spPr>
+          <a:xfrm>
+            <a:off x="6513534" y="609600"/>
+            <a:ext cx="4754022" cy="1326321"/>
+          </a:xfrm>
+        </p:spPr>
         <p:txBody>
-          <a:bodyPr/>
+          <a:bodyPr>
+            <a:normAutofit/>
+          </a:bodyPr>
           <a:lstStyle/>
           <a:p>
             <a:r>
-              <a:rPr lang="en-US" dirty="0"/>
-              <a:t>Quiz questions</a:t>
+              <a:rPr lang="en-US"/>
+              <a:t>Cross cook</a:t>
             </a:r>
+            <a:br>
+              <a:rPr lang="en-US"/>
+            </a:br>
+            <a:r>
+              <a:rPr lang="en-US"/>
+              <a:t>(60 pts)</a:t>
+            </a:r>
+            <a:endParaRPr lang="en-US" dirty="0"/>
           </a:p>
         </p:txBody>
       </p:sp>
@@ -6306,7 +14120,7 @@
           <p:cNvPr id="3" name="Content Placeholder 2">
             <a:extLst>
               <a:ext uri="{FF2B5EF4-FFF2-40B4-BE49-F238E27FC236}">
-                <a16:creationId xmlns:a16="http://schemas.microsoft.com/office/drawing/2014/main" id="{CE694F71-4C28-4C5E-A1DF-870D96D866EC}"/>
+                <a16:creationId xmlns:a16="http://schemas.microsoft.com/office/drawing/2014/main" id="{98E3A142-CAD1-4442-B4F8-7F4D573CFED1}"/>
               </a:ext>
             </a:extLst>
           </p:cNvPr>
@@ -6317,19 +14131,231 @@
             <p:ph idx="1"/>
           </p:nvPr>
         </p:nvSpPr>
-        <p:spPr/>
+        <p:spPr>
+          <a:xfrm>
+            <a:off x="6513534" y="2096064"/>
+            <a:ext cx="4754022" cy="3695136"/>
+          </a:xfrm>
+        </p:spPr>
         <p:txBody>
-          <a:bodyPr/>
+          <a:bodyPr>
+            <a:normAutofit/>
+          </a:bodyPr>
           <a:lstStyle/>
           <a:p>
-            <a:endParaRPr lang="en-US"/>
+            <a:pPr marL="0" indent="0">
+              <a:buNone/>
+            </a:pPr>
+            <a:r>
+              <a:rPr lang="en-US" dirty="0"/>
+              <a:t>Are you sure you want to play this game? Very well. Professor Moriarty has given you the flag. Remember to never trust anyone. Could it really be that easy?</a:t>
+            </a:r>
           </a:p>
         </p:txBody>
       </p:sp>
     </p:spTree>
     <p:extLst>
       <p:ext uri="{BB962C8B-B14F-4D97-AF65-F5344CB8AC3E}">
-        <p14:creationId xmlns:p14="http://schemas.microsoft.com/office/powerpoint/2010/main" val="2258246273"/>
+        <p14:creationId xmlns:p14="http://schemas.microsoft.com/office/powerpoint/2010/main" val="39677265"/>
+      </p:ext>
+    </p:extLst>
+  </p:cSld>
+  <p:clrMapOvr>
+    <a:masterClrMapping/>
+  </p:clrMapOvr>
+</p:sld>
+</file>
+
+<file path=ppt/slides/slide9.xml><?xml version="1.0" encoding="utf-8"?>
+<p:sld xmlns:a="http://schemas.openxmlformats.org/drawingml/2006/main" xmlns:r="http://schemas.openxmlformats.org/officeDocument/2006/relationships" xmlns:p="http://schemas.openxmlformats.org/presentationml/2006/main">
+  <p:cSld>
+    <p:spTree>
+      <p:nvGrpSpPr>
+        <p:cNvPr id="1" name=""/>
+        <p:cNvGrpSpPr/>
+        <p:nvPr/>
+      </p:nvGrpSpPr>
+      <p:grpSpPr>
+        <a:xfrm>
+          <a:off x="0" y="0"/>
+          <a:ext cx="0" cy="0"/>
+          <a:chOff x="0" y="0"/>
+          <a:chExt cx="0" cy="0"/>
+        </a:xfrm>
+      </p:grpSpPr>
+      <p:pic>
+        <p:nvPicPr>
+          <p:cNvPr id="7" name="Picture 6" descr="A group of people standing next to a person in a suit and tie&#10;&#10;Description generated with very high confidence">
+            <a:extLst>
+              <a:ext uri="{FF2B5EF4-FFF2-40B4-BE49-F238E27FC236}">
+                <a16:creationId xmlns:a16="http://schemas.microsoft.com/office/drawing/2014/main" id="{65BA9330-3084-4112-B2E9-5FE7C2767568}"/>
+              </a:ext>
+            </a:extLst>
+          </p:cNvPr>
+          <p:cNvPicPr>
+            <a:picLocks noChangeAspect="1"/>
+          </p:cNvPicPr>
+          <p:nvPr/>
+        </p:nvPicPr>
+        <p:blipFill rotWithShape="1">
+          <a:blip r:embed="rId2">
+            <a:extLst>
+              <a:ext uri="{28A0092B-C50C-407E-A947-70E740481C1C}">
+                <a14:useLocalDpi xmlns:a14="http://schemas.microsoft.com/office/drawing/2010/main" val="0"/>
+              </a:ext>
+            </a:extLst>
+          </a:blip>
+          <a:srcRect l="8208" r="2903"/>
+          <a:stretch/>
+        </p:blipFill>
+        <p:spPr>
+          <a:xfrm>
+            <a:off x="20" y="10"/>
+            <a:ext cx="6095980" cy="6857990"/>
+          </a:xfrm>
+          <a:prstGeom prst="rect">
+            <a:avLst/>
+          </a:prstGeom>
+        </p:spPr>
+      </p:pic>
+      <p:cxnSp>
+        <p:nvCxnSpPr>
+          <p:cNvPr id="12" name="Straight Connector 11"/>
+          <p:cNvCxnSpPr>
+            <a:cxnSpLocks noGrp="1" noRot="1" noChangeAspect="1" noMove="1" noResize="1" noEditPoints="1" noAdjustHandles="1" noChangeArrowheads="1" noChangeShapeType="1"/>
+          </p:cNvCxnSpPr>
+          <p:nvPr>
+            <p:extLst>
+              <p:ext uri="{386F3935-93C4-4BCD-93E2-E3B085C9AB24}">
+                <p16:designElem xmlns:p16="http://schemas.microsoft.com/office/powerpoint/2015/main" val="1"/>
+              </p:ext>
+            </p:extLst>
+          </p:nvPr>
+        </p:nvCxnSpPr>
+        <p:spPr>
+          <a:xfrm>
+            <a:off x="6106560" y="45720"/>
+            <a:ext cx="0" cy="6766560"/>
+          </a:xfrm>
+          <a:prstGeom prst="line">
+            <a:avLst/>
+          </a:prstGeom>
+          <a:ln w="190500" cap="sq">
+            <a:solidFill>
+              <a:srgbClr val="FFFFFF"/>
+            </a:solidFill>
+            <a:miter lim="800000"/>
+          </a:ln>
+          <a:scene3d>
+            <a:camera prst="orthographicFront"/>
+            <a:lightRig rig="twoPt" dir="t">
+              <a:rot lat="0" lon="0" rev="7200000"/>
+            </a:lightRig>
+          </a:scene3d>
+          <a:sp3d>
+            <a:bevelT w="25400" h="19050"/>
+          </a:sp3d>
+        </p:spPr>
+        <p:style>
+          <a:lnRef idx="1">
+            <a:schemeClr val="accent1"/>
+          </a:lnRef>
+          <a:fillRef idx="0">
+            <a:schemeClr val="accent1"/>
+          </a:fillRef>
+          <a:effectRef idx="0">
+            <a:schemeClr val="accent1"/>
+          </a:effectRef>
+          <a:fontRef idx="minor">
+            <a:schemeClr val="tx1"/>
+          </a:fontRef>
+        </p:style>
+      </p:cxnSp>
+      <p:sp>
+        <p:nvSpPr>
+          <p:cNvPr id="2" name="Title 1">
+            <a:extLst>
+              <a:ext uri="{FF2B5EF4-FFF2-40B4-BE49-F238E27FC236}">
+                <a16:creationId xmlns:a16="http://schemas.microsoft.com/office/drawing/2014/main" id="{FF899DE3-14ED-467E-A8C8-6F4E08DE2FB1}"/>
+              </a:ext>
+            </a:extLst>
+          </p:cNvPr>
+          <p:cNvSpPr>
+            <a:spLocks noGrp="1"/>
+          </p:cNvSpPr>
+          <p:nvPr>
+            <p:ph type="title"/>
+          </p:nvPr>
+        </p:nvSpPr>
+        <p:spPr>
+          <a:xfrm>
+            <a:off x="6513534" y="609600"/>
+            <a:ext cx="4754022" cy="1326321"/>
+          </a:xfrm>
+        </p:spPr>
+        <p:txBody>
+          <a:bodyPr>
+            <a:normAutofit/>
+          </a:bodyPr>
+          <a:lstStyle/>
+          <a:p>
+            <a:r>
+              <a:rPr lang="en-US"/>
+              <a:t>Hide and seek</a:t>
+            </a:r>
+            <a:br>
+              <a:rPr lang="en-US"/>
+            </a:br>
+            <a:r>
+              <a:rPr lang="en-US"/>
+              <a:t>(15 pts)</a:t>
+            </a:r>
+            <a:endParaRPr lang="en-US" dirty="0"/>
+          </a:p>
+        </p:txBody>
+      </p:sp>
+      <p:sp>
+        <p:nvSpPr>
+          <p:cNvPr id="3" name="Content Placeholder 2">
+            <a:extLst>
+              <a:ext uri="{FF2B5EF4-FFF2-40B4-BE49-F238E27FC236}">
+                <a16:creationId xmlns:a16="http://schemas.microsoft.com/office/drawing/2014/main" id="{A8E40438-179E-457D-B367-D8645988CE9D}"/>
+              </a:ext>
+            </a:extLst>
+          </p:cNvPr>
+          <p:cNvSpPr>
+            <a:spLocks noGrp="1"/>
+          </p:cNvSpPr>
+          <p:nvPr>
+            <p:ph idx="1"/>
+          </p:nvPr>
+        </p:nvSpPr>
+        <p:spPr>
+          <a:xfrm>
+            <a:off x="6513534" y="2096064"/>
+            <a:ext cx="4754022" cy="3695136"/>
+          </a:xfrm>
+        </p:spPr>
+        <p:txBody>
+          <a:bodyPr>
+            <a:normAutofit/>
+          </a:bodyPr>
+          <a:lstStyle/>
+          <a:p>
+            <a:pPr marL="0" indent="0">
+              <a:buNone/>
+            </a:pPr>
+            <a:r>
+              <a:rPr lang="en-US" dirty="0"/>
+              <a:t>A great detective is always searching for answers. A flag is hidden somewhere within the images. Can you find it?</a:t>
+            </a:r>
+          </a:p>
+        </p:txBody>
+      </p:sp>
+    </p:spTree>
+    <p:extLst>
+      <p:ext uri="{BB962C8B-B14F-4D97-AF65-F5344CB8AC3E}">
+        <p14:creationId xmlns:p14="http://schemas.microsoft.com/office/powerpoint/2010/main" val="3325610698"/>
       </p:ext>
     </p:extLst>
   </p:cSld>
